--- a/SPRINT2/slide pi - Copia.pptx
+++ b/SPRINT2/slide pi - Copia.pptx
@@ -5,7 +5,7 @@
     <p:sldMasterId id="2147483660" r:id="rId1"/>
   </p:sldMasterIdLst>
   <p:notesMasterIdLst>
-    <p:notesMasterId r:id="rId17"/>
+    <p:notesMasterId r:id="rId18"/>
   </p:notesMasterIdLst>
   <p:sldIdLst>
     <p:sldId id="256" r:id="rId2"/>
@@ -14,43 +14,44 @@
     <p:sldId id="304" r:id="rId5"/>
     <p:sldId id="303" r:id="rId6"/>
     <p:sldId id="261" r:id="rId7"/>
-    <p:sldId id="286" r:id="rId8"/>
-    <p:sldId id="264" r:id="rId9"/>
-    <p:sldId id="297" r:id="rId10"/>
-    <p:sldId id="295" r:id="rId11"/>
-    <p:sldId id="298" r:id="rId12"/>
-    <p:sldId id="292" r:id="rId13"/>
-    <p:sldId id="293" r:id="rId14"/>
-    <p:sldId id="299" r:id="rId15"/>
-    <p:sldId id="278" r:id="rId16"/>
+    <p:sldId id="297" r:id="rId8"/>
+    <p:sldId id="305" r:id="rId9"/>
+    <p:sldId id="286" r:id="rId10"/>
+    <p:sldId id="264" r:id="rId11"/>
+    <p:sldId id="295" r:id="rId12"/>
+    <p:sldId id="298" r:id="rId13"/>
+    <p:sldId id="292" r:id="rId14"/>
+    <p:sldId id="293" r:id="rId15"/>
+    <p:sldId id="299" r:id="rId16"/>
+    <p:sldId id="278" r:id="rId17"/>
   </p:sldIdLst>
   <p:sldSz cx="9144000" cy="5143500" type="screen16x9"/>
   <p:notesSz cx="6858000" cy="9144000"/>
   <p:embeddedFontLst>
     <p:embeddedFont>
       <p:font typeface="Calibri" panose="020F0502020204030204" pitchFamily="34" charset="0"/>
-      <p:regular r:id="rId18"/>
-      <p:bold r:id="rId19"/>
-      <p:italic r:id="rId20"/>
-      <p:boldItalic r:id="rId21"/>
+      <p:regular r:id="rId19"/>
+      <p:bold r:id="rId20"/>
+      <p:italic r:id="rId21"/>
+      <p:boldItalic r:id="rId22"/>
     </p:embeddedFont>
     <p:embeddedFont>
       <p:font typeface="Kulim Park" panose="020B0604020202020204" charset="0"/>
-      <p:regular r:id="rId22"/>
-      <p:bold r:id="rId23"/>
-      <p:italic r:id="rId24"/>
-      <p:boldItalic r:id="rId25"/>
+      <p:regular r:id="rId23"/>
+      <p:bold r:id="rId24"/>
+      <p:italic r:id="rId25"/>
+      <p:boldItalic r:id="rId26"/>
     </p:embeddedFont>
     <p:embeddedFont>
       <p:font typeface="Kulim Park Light" panose="020B0604020202020204" charset="0"/>
-      <p:regular r:id="rId26"/>
-      <p:bold r:id="rId27"/>
-      <p:italic r:id="rId28"/>
-      <p:boldItalic r:id="rId29"/>
+      <p:regular r:id="rId27"/>
+      <p:bold r:id="rId28"/>
+      <p:italic r:id="rId29"/>
+      <p:boldItalic r:id="rId30"/>
     </p:embeddedFont>
     <p:embeddedFont>
       <p:font typeface="Poiret One" panose="020B0604020202020204" charset="0"/>
-      <p:regular r:id="rId30"/>
+      <p:regular r:id="rId31"/>
     </p:embeddedFont>
   </p:embeddedFontLst>
   <p:defaultTextStyle>
@@ -293,9 +294,10 @@
             <p14:sldId id="304"/>
             <p14:sldId id="303"/>
             <p14:sldId id="261"/>
+            <p14:sldId id="297"/>
+            <p14:sldId id="305"/>
             <p14:sldId id="286"/>
             <p14:sldId id="264"/>
-            <p14:sldId id="297"/>
             <p14:sldId id="295"/>
             <p14:sldId id="298"/>
             <p14:sldId id="292"/>
@@ -4094,7 +4096,7 @@
   <p:cSld>
     <p:spTree>
       <p:nvGrpSpPr>
-        <p:cNvPr id="1" name="Shape 220"/>
+        <p:cNvPr id="1" name="Shape 165"/>
         <p:cNvGrpSpPr/>
         <p:nvPr/>
       </p:nvGrpSpPr>
@@ -4108,7 +4110,7 @@
       </p:grpSpPr>
       <p:sp>
         <p:nvSpPr>
-          <p:cNvPr id="221" name="Google Shape;221;g35f391192_045:notes"/>
+          <p:cNvPr id="166" name="Google Shape;166;g35f391192_029:notes"/>
           <p:cNvSpPr>
             <a:spLocks noGrp="1" noRot="1" noChangeAspect="1"/>
           </p:cNvSpPr>
@@ -4149,7 +4151,7 @@
       </p:sp>
       <p:sp>
         <p:nvSpPr>
-          <p:cNvPr id="222" name="Google Shape;222;g35f391192_045:notes"/>
+          <p:cNvPr id="167" name="Google Shape;167;g35f391192_029:notes"/>
           <p:cNvSpPr txBox="1">
             <a:spLocks noGrp="1"/>
           </p:cNvSpPr>
@@ -4186,6 +4188,11 @@
         </p:txBody>
       </p:sp>
     </p:spTree>
+    <p:extLst>
+      <p:ext uri="{BB962C8B-B14F-4D97-AF65-F5344CB8AC3E}">
+        <p14:creationId xmlns:p14="http://schemas.microsoft.com/office/powerpoint/2010/main" val="485620763"/>
+      </p:ext>
+    </p:extLst>
   </p:cSld>
   <p:clrMapOvr>
     <a:masterClrMapping/>
@@ -4292,7 +4299,7 @@
     </p:spTree>
     <p:extLst>
       <p:ext uri="{BB962C8B-B14F-4D97-AF65-F5344CB8AC3E}">
-        <p14:creationId xmlns:p14="http://schemas.microsoft.com/office/powerpoint/2010/main" val="485620763"/>
+        <p14:creationId xmlns:p14="http://schemas.microsoft.com/office/powerpoint/2010/main" val="3362424792"/>
       </p:ext>
     </p:extLst>
   </p:cSld>
@@ -4303,6 +4310,110 @@
 </file>
 
 <file path=ppt/notesSlides/notesSlide7.xml><?xml version="1.0" encoding="utf-8"?>
+<p:notes xmlns:a="http://schemas.openxmlformats.org/drawingml/2006/main" xmlns:r="http://schemas.openxmlformats.org/officeDocument/2006/relationships" xmlns:p="http://schemas.openxmlformats.org/presentationml/2006/main" showMasterSp="0" showMasterPhAnim="0">
+  <p:cSld>
+    <p:spTree>
+      <p:nvGrpSpPr>
+        <p:cNvPr id="1" name="Shape 220"/>
+        <p:cNvGrpSpPr/>
+        <p:nvPr/>
+      </p:nvGrpSpPr>
+      <p:grpSpPr>
+        <a:xfrm>
+          <a:off x="0" y="0"/>
+          <a:ext cx="0" cy="0"/>
+          <a:chOff x="0" y="0"/>
+          <a:chExt cx="0" cy="0"/>
+        </a:xfrm>
+      </p:grpSpPr>
+      <p:sp>
+        <p:nvSpPr>
+          <p:cNvPr id="221" name="Google Shape;221;g35f391192_045:notes"/>
+          <p:cNvSpPr>
+            <a:spLocks noGrp="1" noRot="1" noChangeAspect="1"/>
+          </p:cNvSpPr>
+          <p:nvPr>
+            <p:ph type="sldImg" idx="2"/>
+          </p:nvPr>
+        </p:nvSpPr>
+        <p:spPr>
+          <a:xfrm>
+            <a:off x="381000" y="685800"/>
+            <a:ext cx="6096000" cy="3429000"/>
+          </a:xfrm>
+          <a:custGeom>
+            <a:avLst/>
+            <a:gdLst/>
+            <a:ahLst/>
+            <a:cxnLst/>
+            <a:rect l="l" t="t" r="r" b="b"/>
+            <a:pathLst>
+              <a:path w="120000" h="120000" extrusionOk="0">
+                <a:moveTo>
+                  <a:pt x="0" y="0"/>
+                </a:moveTo>
+                <a:lnTo>
+                  <a:pt x="120000" y="0"/>
+                </a:lnTo>
+                <a:lnTo>
+                  <a:pt x="120000" y="120000"/>
+                </a:lnTo>
+                <a:lnTo>
+                  <a:pt x="0" y="120000"/>
+                </a:lnTo>
+                <a:close/>
+              </a:path>
+            </a:pathLst>
+          </a:custGeom>
+        </p:spPr>
+      </p:sp>
+      <p:sp>
+        <p:nvSpPr>
+          <p:cNvPr id="222" name="Google Shape;222;g35f391192_045:notes"/>
+          <p:cNvSpPr txBox="1">
+            <a:spLocks noGrp="1"/>
+          </p:cNvSpPr>
+          <p:nvPr>
+            <p:ph type="body" idx="1"/>
+          </p:nvPr>
+        </p:nvSpPr>
+        <p:spPr>
+          <a:xfrm>
+            <a:off x="685800" y="4343400"/>
+            <a:ext cx="5486400" cy="4114800"/>
+          </a:xfrm>
+          <a:prstGeom prst="rect">
+            <a:avLst/>
+          </a:prstGeom>
+        </p:spPr>
+        <p:txBody>
+          <a:bodyPr spcFirstLastPara="1" wrap="square" lIns="91425" tIns="91425" rIns="91425" bIns="91425" anchor="t" anchorCtr="0">
+            <a:noAutofit/>
+          </a:bodyPr>
+          <a:lstStyle/>
+          <a:p>
+            <a:pPr marL="0" lvl="0" indent="0" algn="l" rtl="0">
+              <a:spcBef>
+                <a:spcPts val="0"/>
+              </a:spcBef>
+              <a:spcAft>
+                <a:spcPts val="0"/>
+              </a:spcAft>
+              <a:buNone/>
+            </a:pPr>
+            <a:endParaRPr dirty="0"/>
+          </a:p>
+        </p:txBody>
+      </p:sp>
+    </p:spTree>
+  </p:cSld>
+  <p:clrMapOvr>
+    <a:masterClrMapping/>
+  </p:clrMapOvr>
+</p:notes>
+</file>
+
+<file path=ppt/notesSlides/notesSlide8.xml><?xml version="1.0" encoding="utf-8"?>
 <p:notes xmlns:a="http://schemas.openxmlformats.org/drawingml/2006/main" xmlns:r="http://schemas.openxmlformats.org/officeDocument/2006/relationships" xmlns:p="http://schemas.openxmlformats.org/presentationml/2006/main" showMasterSp="0" showMasterPhAnim="0">
   <p:cSld>
     <p:spTree>
@@ -4411,7 +4522,7 @@
 </p:notes>
 </file>
 
-<file path=ppt/notesSlides/notesSlide8.xml><?xml version="1.0" encoding="utf-8"?>
+<file path=ppt/notesSlides/notesSlide9.xml><?xml version="1.0" encoding="utf-8"?>
 <p:notes xmlns:a="http://schemas.openxmlformats.org/drawingml/2006/main" xmlns:r="http://schemas.openxmlformats.org/officeDocument/2006/relationships" xmlns:p="http://schemas.openxmlformats.org/presentationml/2006/main" showMasterSp="0" showMasterPhAnim="0">
   <p:cSld>
     <p:spTree>
@@ -13486,7 +13597,7 @@
   <p:cSld>
     <p:spTree>
       <p:nvGrpSpPr>
-        <p:cNvPr id="1" name=""/>
+        <p:cNvPr id="1" name="Shape 223"/>
         <p:cNvGrpSpPr/>
         <p:nvPr/>
       </p:nvGrpSpPr>
@@ -13500,14 +13611,8 @@
       </p:grpSpPr>
       <p:sp>
         <p:nvSpPr>
-          <p:cNvPr id="2" name="Título 1">
-            <a:extLst>
-              <a:ext uri="{FF2B5EF4-FFF2-40B4-BE49-F238E27FC236}">
-                <a16:creationId xmlns:a16="http://schemas.microsoft.com/office/drawing/2014/main" id="{051FF890-D2ED-40D1-9239-6B3E5B169701}"/>
-              </a:ext>
-            </a:extLst>
-          </p:cNvPr>
-          <p:cNvSpPr>
+          <p:cNvPr id="224" name="Google Shape;224;p22"/>
+          <p:cNvSpPr txBox="1">
             <a:spLocks noGrp="1"/>
           </p:cNvSpPr>
           <p:nvPr>
@@ -13515,64 +13620,943 @@
           </p:nvPr>
         </p:nvSpPr>
         <p:spPr>
-          <a:xfrm>
-            <a:off x="457200" y="606101"/>
-            <a:ext cx="5215200" cy="716400"/>
-          </a:xfrm>
+          <a:prstGeom prst="rect">
+            <a:avLst/>
+          </a:prstGeom>
         </p:spPr>
         <p:txBody>
-          <a:bodyPr/>
+          <a:bodyPr spcFirstLastPara="1" wrap="square" lIns="0" tIns="0" rIns="0" bIns="0" anchor="b" anchorCtr="0">
+            <a:noAutofit/>
+          </a:bodyPr>
           <a:lstStyle/>
           <a:p>
             <a:r>
-              <a:rPr lang="pt-BR" dirty="0">
+              <a:rPr lang="en" sz="4000" dirty="0">
                 <a:solidFill>
                   <a:schemeClr val="accent5"/>
                 </a:solidFill>
               </a:rPr>
-              <a:t>GitHub e ferramenta de gestão</a:t>
+              <a:t>API</a:t>
+            </a:r>
+            <a:endParaRPr sz="4000" dirty="0">
+              <a:solidFill>
+                <a:schemeClr val="accent5"/>
+              </a:solidFill>
+            </a:endParaRPr>
+          </a:p>
+        </p:txBody>
+      </p:sp>
+      <p:sp>
+        <p:nvSpPr>
+          <p:cNvPr id="225" name="Google Shape;225;p22"/>
+          <p:cNvSpPr txBox="1">
+            <a:spLocks noGrp="1"/>
+          </p:cNvSpPr>
+          <p:nvPr>
+            <p:ph type="body" idx="1"/>
+          </p:nvPr>
+        </p:nvSpPr>
+        <p:spPr>
+          <a:prstGeom prst="rect">
+            <a:avLst/>
+          </a:prstGeom>
+        </p:spPr>
+        <p:txBody>
+          <a:bodyPr spcFirstLastPara="1" wrap="square" lIns="0" tIns="0" rIns="0" bIns="0" anchor="t" anchorCtr="0">
+            <a:noAutofit/>
+          </a:bodyPr>
+          <a:lstStyle/>
+          <a:p>
+            <a:pPr marL="0" indent="0">
+              <a:buNone/>
+            </a:pPr>
+            <a:r>
+              <a:rPr lang="pt-BR" b="1" dirty="0">
+                <a:solidFill>
+                  <a:srgbClr val="00B0F0"/>
+                </a:solidFill>
+              </a:rPr>
+              <a:t>LM35</a:t>
+            </a:r>
+            <a:endParaRPr b="1" dirty="0">
+              <a:solidFill>
+                <a:srgbClr val="00B0F0"/>
+              </a:solidFill>
+            </a:endParaRPr>
+          </a:p>
+          <a:p>
+            <a:pPr marL="0" indent="0">
+              <a:buNone/>
+            </a:pPr>
+            <a:r>
+              <a:rPr lang="pt-BR" dirty="0">
+                <a:solidFill>
+                  <a:schemeClr val="bg2"/>
+                </a:solidFill>
+              </a:rPr>
+              <a:t>Sensor conectado a uma placa Arduino com a função de capturar dados de temperatura para serem, posteriormente, exibidos.</a:t>
+            </a:r>
+            <a:endParaRPr dirty="0">
+              <a:solidFill>
+                <a:schemeClr val="bg2"/>
+              </a:solidFill>
+            </a:endParaRPr>
+          </a:p>
+        </p:txBody>
+      </p:sp>
+      <p:sp>
+        <p:nvSpPr>
+          <p:cNvPr id="226" name="Google Shape;226;p22"/>
+          <p:cNvSpPr txBox="1">
+            <a:spLocks noGrp="1"/>
+          </p:cNvSpPr>
+          <p:nvPr>
+            <p:ph type="body" idx="2"/>
+          </p:nvPr>
+        </p:nvSpPr>
+        <p:spPr>
+          <a:xfrm>
+            <a:off x="2549511" y="1592601"/>
+            <a:ext cx="1807800" cy="2940900"/>
+          </a:xfrm>
+          <a:prstGeom prst="rect">
+            <a:avLst/>
+          </a:prstGeom>
+        </p:spPr>
+        <p:txBody>
+          <a:bodyPr spcFirstLastPara="1" wrap="square" lIns="0" tIns="0" rIns="0" bIns="0" anchor="t" anchorCtr="0">
+            <a:noAutofit/>
+          </a:bodyPr>
+          <a:lstStyle/>
+          <a:p>
+            <a:pPr marL="0" indent="0">
+              <a:buNone/>
+            </a:pPr>
+            <a:r>
+              <a:rPr lang="pt-BR" b="1" dirty="0">
+                <a:solidFill>
+                  <a:schemeClr val="accent2"/>
+                </a:solidFill>
+              </a:rPr>
+              <a:t>Temperatura</a:t>
+            </a:r>
+          </a:p>
+          <a:p>
+            <a:pPr marL="0" indent="0">
+              <a:buNone/>
+            </a:pPr>
+            <a:r>
+              <a:rPr lang="pt-BR" dirty="0">
+                <a:solidFill>
+                  <a:schemeClr val="bg2"/>
+                </a:solidFill>
+              </a:rPr>
+              <a:t>O controle de temperatura é essencial para manter a qualidade do que é produzido dentro da granja.</a:t>
+            </a:r>
+            <a:endParaRPr dirty="0">
+              <a:solidFill>
+                <a:schemeClr val="bg2"/>
+              </a:solidFill>
+            </a:endParaRPr>
+          </a:p>
+        </p:txBody>
+      </p:sp>
+      <p:sp>
+        <p:nvSpPr>
+          <p:cNvPr id="227" name="Google Shape;227;p22"/>
+          <p:cNvSpPr txBox="1">
+            <a:spLocks noGrp="1"/>
+          </p:cNvSpPr>
+          <p:nvPr>
+            <p:ph type="body" idx="3"/>
+          </p:nvPr>
+        </p:nvSpPr>
+        <p:spPr>
+          <a:xfrm>
+            <a:off x="4641823" y="1592601"/>
+            <a:ext cx="1807800" cy="2940900"/>
+          </a:xfrm>
+          <a:prstGeom prst="rect">
+            <a:avLst/>
+          </a:prstGeom>
+        </p:spPr>
+        <p:txBody>
+          <a:bodyPr spcFirstLastPara="1" wrap="square" lIns="0" tIns="0" rIns="0" bIns="0" anchor="t" anchorCtr="0">
+            <a:noAutofit/>
+          </a:bodyPr>
+          <a:lstStyle/>
+          <a:p>
+            <a:pPr marL="0" indent="0">
+              <a:buNone/>
+            </a:pPr>
+            <a:r>
+              <a:rPr lang="pt-BR" b="1" dirty="0">
+                <a:solidFill>
+                  <a:schemeClr val="accent3"/>
+                </a:solidFill>
+              </a:rPr>
+              <a:t>Padrões</a:t>
+            </a:r>
+          </a:p>
+          <a:p>
+            <a:pPr marL="0" indent="0">
+              <a:buNone/>
+            </a:pPr>
+            <a:r>
+              <a:rPr lang="pt-BR" dirty="0">
+                <a:solidFill>
+                  <a:schemeClr val="bg2"/>
+                </a:solidFill>
+              </a:rPr>
+              <a:t>Os padrões definidos no Analytics foram definidos no arquivo sensor.js.</a:t>
             </a:r>
           </a:p>
         </p:txBody>
       </p:sp>
       <p:sp>
         <p:nvSpPr>
-          <p:cNvPr id="3" name="Espaço Reservado para Texto 2">
+          <p:cNvPr id="228" name="Google Shape;228;p22"/>
+          <p:cNvSpPr txBox="1">
+            <a:spLocks noGrp="1"/>
+          </p:cNvSpPr>
+          <p:nvPr>
+            <p:ph type="sldNum" idx="12"/>
+          </p:nvPr>
+        </p:nvSpPr>
+        <p:spPr>
+          <a:prstGeom prst="rect">
+            <a:avLst/>
+          </a:prstGeom>
+        </p:spPr>
+        <p:txBody>
+          <a:bodyPr spcFirstLastPara="1" wrap="square" lIns="0" tIns="0" rIns="0" bIns="0" anchor="ctr" anchorCtr="0">
+            <a:noAutofit/>
+          </a:bodyPr>
+          <a:lstStyle/>
+          <a:p>
+            <a:fld id="{00000000-1234-1234-1234-123412341234}" type="slidenum">
+              <a:rPr lang="en"/>
+              <a:pPr/>
+              <a:t>10</a:t>
+            </a:fld>
+            <a:endParaRPr dirty="0"/>
+          </a:p>
+        </p:txBody>
+      </p:sp>
+      <p:pic>
+        <p:nvPicPr>
+          <p:cNvPr id="11" name="Gráfico 10" descr="Galo estrutura de tópicos">
             <a:extLst>
               <a:ext uri="{FF2B5EF4-FFF2-40B4-BE49-F238E27FC236}">
-                <a16:creationId xmlns:a16="http://schemas.microsoft.com/office/drawing/2014/main" id="{C0475109-7880-4C4A-B506-591DD68380BA}"/>
+                <a16:creationId xmlns:a16="http://schemas.microsoft.com/office/drawing/2014/main" id="{094EC4E7-49F8-4461-A7E8-13A116CE00F4}"/>
               </a:ext>
             </a:extLst>
           </p:cNvPr>
-          <p:cNvSpPr>
-            <a:spLocks noGrp="1"/>
-          </p:cNvSpPr>
-          <p:nvPr>
-            <p:ph type="body" idx="1"/>
-          </p:nvPr>
-        </p:nvSpPr>
-        <p:spPr/>
-        <p:txBody>
-          <a:bodyPr/>
-          <a:lstStyle/>
-          <a:p>
-            <a:r>
-              <a:rPr lang="pt-BR" dirty="0"/>
-              <a:t>Usamos o GitHub para versionar o código de nossa aplicação</a:t>
-            </a:r>
-            <a:endParaRPr lang="pt-BR" sz="1800" dirty="0">
-              <a:latin typeface="Arial" panose="020B0604020202020204" pitchFamily="34" charset="0"/>
-              <a:ea typeface="Yu Mincho" panose="02020400000000000000" pitchFamily="18" charset="-128"/>
-            </a:endParaRPr>
-          </a:p>
-          <a:p>
-            <a:r>
-              <a:rPr lang="pt-BR" dirty="0"/>
-              <a:t>A ferramenta Trello nos ajuda na organização das tarefas e mostra os trabalhos a serem feitos</a:t>
-            </a:r>
-          </a:p>
-        </p:txBody>
-      </p:sp>
+          <p:cNvPicPr>
+            <a:picLocks noChangeAspect="1"/>
+          </p:cNvPicPr>
+          <p:nvPr/>
+        </p:nvPicPr>
+        <p:blipFill>
+          <a:blip r:embed="rId3">
+            <a:extLst>
+              <a:ext uri="{96DAC541-7B7A-43D3-8B79-37D633B846F1}">
+                <asvg:svgBlip xmlns:asvg="http://schemas.microsoft.com/office/drawing/2016/SVG/main" r:embed="rId4"/>
+              </a:ext>
+            </a:extLst>
+          </a:blip>
+          <a:stretch>
+            <a:fillRect/>
+          </a:stretch>
+        </p:blipFill>
+        <p:spPr>
+          <a:xfrm>
+            <a:off x="-60512" y="4292651"/>
+            <a:ext cx="914400" cy="914400"/>
+          </a:xfrm>
+          <a:prstGeom prst="rect">
+            <a:avLst/>
+          </a:prstGeom>
+        </p:spPr>
+      </p:pic>
+    </p:spTree>
+  </p:cSld>
+  <p:clrMapOvr>
+    <a:masterClrMapping/>
+  </p:clrMapOvr>
+  <p:timing>
+    <p:tnLst>
+      <p:par>
+        <p:cTn id="1" dur="indefinite" restart="never" nodeType="tmRoot">
+          <p:childTnLst>
+            <p:seq concurrent="1" nextAc="seek">
+              <p:cTn id="2" dur="indefinite" nodeType="mainSeq">
+                <p:childTnLst>
+                  <p:par>
+                    <p:cTn id="3" fill="hold">
+                      <p:stCondLst>
+                        <p:cond delay="indefinite"/>
+                      </p:stCondLst>
+                      <p:childTnLst>
+                        <p:par>
+                          <p:cTn id="4" fill="hold">
+                            <p:stCondLst>
+                              <p:cond delay="0"/>
+                            </p:stCondLst>
+                            <p:childTnLst>
+                              <p:par>
+                                <p:cTn id="5" presetID="2" presetClass="entr" presetSubtype="4" fill="hold" grpId="0" nodeType="clickEffect">
+                                  <p:stCondLst>
+                                    <p:cond delay="0"/>
+                                  </p:stCondLst>
+                                  <p:childTnLst>
+                                    <p:set>
+                                      <p:cBhvr>
+                                        <p:cTn id="6" dur="1" fill="hold">
+                                          <p:stCondLst>
+                                            <p:cond delay="0"/>
+                                          </p:stCondLst>
+                                        </p:cTn>
+                                        <p:tgtEl>
+                                          <p:spTgt spid="225">
+                                            <p:txEl>
+                                              <p:pRg st="0" end="0"/>
+                                            </p:txEl>
+                                          </p:spTgt>
+                                        </p:tgtEl>
+                                        <p:attrNameLst>
+                                          <p:attrName>style.visibility</p:attrName>
+                                        </p:attrNameLst>
+                                      </p:cBhvr>
+                                      <p:to>
+                                        <p:strVal val="visible"/>
+                                      </p:to>
+                                    </p:set>
+                                    <p:anim calcmode="lin" valueType="num">
+                                      <p:cBhvr additive="base">
+                                        <p:cTn id="7" dur="500" fill="hold"/>
+                                        <p:tgtEl>
+                                          <p:spTgt spid="225">
+                                            <p:txEl>
+                                              <p:pRg st="0" end="0"/>
+                                            </p:txEl>
+                                          </p:spTgt>
+                                        </p:tgtEl>
+                                        <p:attrNameLst>
+                                          <p:attrName>ppt_x</p:attrName>
+                                        </p:attrNameLst>
+                                      </p:cBhvr>
+                                      <p:tavLst>
+                                        <p:tav tm="0">
+                                          <p:val>
+                                            <p:strVal val="#ppt_x"/>
+                                          </p:val>
+                                        </p:tav>
+                                        <p:tav tm="100000">
+                                          <p:val>
+                                            <p:strVal val="#ppt_x"/>
+                                          </p:val>
+                                        </p:tav>
+                                      </p:tavLst>
+                                    </p:anim>
+                                    <p:anim calcmode="lin" valueType="num">
+                                      <p:cBhvr additive="base">
+                                        <p:cTn id="8" dur="500" fill="hold"/>
+                                        <p:tgtEl>
+                                          <p:spTgt spid="225">
+                                            <p:txEl>
+                                              <p:pRg st="0" end="0"/>
+                                            </p:txEl>
+                                          </p:spTgt>
+                                        </p:tgtEl>
+                                        <p:attrNameLst>
+                                          <p:attrName>ppt_y</p:attrName>
+                                        </p:attrNameLst>
+                                      </p:cBhvr>
+                                      <p:tavLst>
+                                        <p:tav tm="0">
+                                          <p:val>
+                                            <p:strVal val="1+#ppt_h/2"/>
+                                          </p:val>
+                                        </p:tav>
+                                        <p:tav tm="100000">
+                                          <p:val>
+                                            <p:strVal val="#ppt_y"/>
+                                          </p:val>
+                                        </p:tav>
+                                      </p:tavLst>
+                                    </p:anim>
+                                  </p:childTnLst>
+                                </p:cTn>
+                              </p:par>
+                            </p:childTnLst>
+                          </p:cTn>
+                        </p:par>
+                      </p:childTnLst>
+                    </p:cTn>
+                  </p:par>
+                  <p:par>
+                    <p:cTn id="9" fill="hold">
+                      <p:stCondLst>
+                        <p:cond delay="indefinite"/>
+                      </p:stCondLst>
+                      <p:childTnLst>
+                        <p:par>
+                          <p:cTn id="10" fill="hold">
+                            <p:stCondLst>
+                              <p:cond delay="0"/>
+                            </p:stCondLst>
+                            <p:childTnLst>
+                              <p:par>
+                                <p:cTn id="11" presetID="2" presetClass="entr" presetSubtype="4" fill="hold" grpId="0" nodeType="clickEffect">
+                                  <p:stCondLst>
+                                    <p:cond delay="0"/>
+                                  </p:stCondLst>
+                                  <p:childTnLst>
+                                    <p:set>
+                                      <p:cBhvr>
+                                        <p:cTn id="12" dur="1" fill="hold">
+                                          <p:stCondLst>
+                                            <p:cond delay="0"/>
+                                          </p:stCondLst>
+                                        </p:cTn>
+                                        <p:tgtEl>
+                                          <p:spTgt spid="225">
+                                            <p:txEl>
+                                              <p:pRg st="1" end="1"/>
+                                            </p:txEl>
+                                          </p:spTgt>
+                                        </p:tgtEl>
+                                        <p:attrNameLst>
+                                          <p:attrName>style.visibility</p:attrName>
+                                        </p:attrNameLst>
+                                      </p:cBhvr>
+                                      <p:to>
+                                        <p:strVal val="visible"/>
+                                      </p:to>
+                                    </p:set>
+                                    <p:anim calcmode="lin" valueType="num">
+                                      <p:cBhvr additive="base">
+                                        <p:cTn id="13" dur="500" fill="hold"/>
+                                        <p:tgtEl>
+                                          <p:spTgt spid="225">
+                                            <p:txEl>
+                                              <p:pRg st="1" end="1"/>
+                                            </p:txEl>
+                                          </p:spTgt>
+                                        </p:tgtEl>
+                                        <p:attrNameLst>
+                                          <p:attrName>ppt_x</p:attrName>
+                                        </p:attrNameLst>
+                                      </p:cBhvr>
+                                      <p:tavLst>
+                                        <p:tav tm="0">
+                                          <p:val>
+                                            <p:strVal val="#ppt_x"/>
+                                          </p:val>
+                                        </p:tav>
+                                        <p:tav tm="100000">
+                                          <p:val>
+                                            <p:strVal val="#ppt_x"/>
+                                          </p:val>
+                                        </p:tav>
+                                      </p:tavLst>
+                                    </p:anim>
+                                    <p:anim calcmode="lin" valueType="num">
+                                      <p:cBhvr additive="base">
+                                        <p:cTn id="14" dur="500" fill="hold"/>
+                                        <p:tgtEl>
+                                          <p:spTgt spid="225">
+                                            <p:txEl>
+                                              <p:pRg st="1" end="1"/>
+                                            </p:txEl>
+                                          </p:spTgt>
+                                        </p:tgtEl>
+                                        <p:attrNameLst>
+                                          <p:attrName>ppt_y</p:attrName>
+                                        </p:attrNameLst>
+                                      </p:cBhvr>
+                                      <p:tavLst>
+                                        <p:tav tm="0">
+                                          <p:val>
+                                            <p:strVal val="1+#ppt_h/2"/>
+                                          </p:val>
+                                        </p:tav>
+                                        <p:tav tm="100000">
+                                          <p:val>
+                                            <p:strVal val="#ppt_y"/>
+                                          </p:val>
+                                        </p:tav>
+                                      </p:tavLst>
+                                    </p:anim>
+                                  </p:childTnLst>
+                                </p:cTn>
+                              </p:par>
+                            </p:childTnLst>
+                          </p:cTn>
+                        </p:par>
+                      </p:childTnLst>
+                    </p:cTn>
+                  </p:par>
+                  <p:par>
+                    <p:cTn id="15" fill="hold">
+                      <p:stCondLst>
+                        <p:cond delay="indefinite"/>
+                      </p:stCondLst>
+                      <p:childTnLst>
+                        <p:par>
+                          <p:cTn id="16" fill="hold">
+                            <p:stCondLst>
+                              <p:cond delay="0"/>
+                            </p:stCondLst>
+                            <p:childTnLst>
+                              <p:par>
+                                <p:cTn id="17" presetID="2" presetClass="entr" presetSubtype="4" fill="hold" grpId="0" nodeType="clickEffect">
+                                  <p:stCondLst>
+                                    <p:cond delay="0"/>
+                                  </p:stCondLst>
+                                  <p:childTnLst>
+                                    <p:set>
+                                      <p:cBhvr>
+                                        <p:cTn id="18" dur="1" fill="hold">
+                                          <p:stCondLst>
+                                            <p:cond delay="0"/>
+                                          </p:stCondLst>
+                                        </p:cTn>
+                                        <p:tgtEl>
+                                          <p:spTgt spid="226">
+                                            <p:txEl>
+                                              <p:pRg st="0" end="0"/>
+                                            </p:txEl>
+                                          </p:spTgt>
+                                        </p:tgtEl>
+                                        <p:attrNameLst>
+                                          <p:attrName>style.visibility</p:attrName>
+                                        </p:attrNameLst>
+                                      </p:cBhvr>
+                                      <p:to>
+                                        <p:strVal val="visible"/>
+                                      </p:to>
+                                    </p:set>
+                                    <p:anim calcmode="lin" valueType="num">
+                                      <p:cBhvr additive="base">
+                                        <p:cTn id="19" dur="500" fill="hold"/>
+                                        <p:tgtEl>
+                                          <p:spTgt spid="226">
+                                            <p:txEl>
+                                              <p:pRg st="0" end="0"/>
+                                            </p:txEl>
+                                          </p:spTgt>
+                                        </p:tgtEl>
+                                        <p:attrNameLst>
+                                          <p:attrName>ppt_x</p:attrName>
+                                        </p:attrNameLst>
+                                      </p:cBhvr>
+                                      <p:tavLst>
+                                        <p:tav tm="0">
+                                          <p:val>
+                                            <p:strVal val="#ppt_x"/>
+                                          </p:val>
+                                        </p:tav>
+                                        <p:tav tm="100000">
+                                          <p:val>
+                                            <p:strVal val="#ppt_x"/>
+                                          </p:val>
+                                        </p:tav>
+                                      </p:tavLst>
+                                    </p:anim>
+                                    <p:anim calcmode="lin" valueType="num">
+                                      <p:cBhvr additive="base">
+                                        <p:cTn id="20" dur="500" fill="hold"/>
+                                        <p:tgtEl>
+                                          <p:spTgt spid="226">
+                                            <p:txEl>
+                                              <p:pRg st="0" end="0"/>
+                                            </p:txEl>
+                                          </p:spTgt>
+                                        </p:tgtEl>
+                                        <p:attrNameLst>
+                                          <p:attrName>ppt_y</p:attrName>
+                                        </p:attrNameLst>
+                                      </p:cBhvr>
+                                      <p:tavLst>
+                                        <p:tav tm="0">
+                                          <p:val>
+                                            <p:strVal val="1+#ppt_h/2"/>
+                                          </p:val>
+                                        </p:tav>
+                                        <p:tav tm="100000">
+                                          <p:val>
+                                            <p:strVal val="#ppt_y"/>
+                                          </p:val>
+                                        </p:tav>
+                                      </p:tavLst>
+                                    </p:anim>
+                                  </p:childTnLst>
+                                </p:cTn>
+                              </p:par>
+                            </p:childTnLst>
+                          </p:cTn>
+                        </p:par>
+                      </p:childTnLst>
+                    </p:cTn>
+                  </p:par>
+                  <p:par>
+                    <p:cTn id="21" fill="hold">
+                      <p:stCondLst>
+                        <p:cond delay="indefinite"/>
+                      </p:stCondLst>
+                      <p:childTnLst>
+                        <p:par>
+                          <p:cTn id="22" fill="hold">
+                            <p:stCondLst>
+                              <p:cond delay="0"/>
+                            </p:stCondLst>
+                            <p:childTnLst>
+                              <p:par>
+                                <p:cTn id="23" presetID="2" presetClass="entr" presetSubtype="4" fill="hold" grpId="0" nodeType="clickEffect">
+                                  <p:stCondLst>
+                                    <p:cond delay="0"/>
+                                  </p:stCondLst>
+                                  <p:childTnLst>
+                                    <p:set>
+                                      <p:cBhvr>
+                                        <p:cTn id="24" dur="1" fill="hold">
+                                          <p:stCondLst>
+                                            <p:cond delay="0"/>
+                                          </p:stCondLst>
+                                        </p:cTn>
+                                        <p:tgtEl>
+                                          <p:spTgt spid="226">
+                                            <p:txEl>
+                                              <p:pRg st="1" end="1"/>
+                                            </p:txEl>
+                                          </p:spTgt>
+                                        </p:tgtEl>
+                                        <p:attrNameLst>
+                                          <p:attrName>style.visibility</p:attrName>
+                                        </p:attrNameLst>
+                                      </p:cBhvr>
+                                      <p:to>
+                                        <p:strVal val="visible"/>
+                                      </p:to>
+                                    </p:set>
+                                    <p:anim calcmode="lin" valueType="num">
+                                      <p:cBhvr additive="base">
+                                        <p:cTn id="25" dur="500" fill="hold"/>
+                                        <p:tgtEl>
+                                          <p:spTgt spid="226">
+                                            <p:txEl>
+                                              <p:pRg st="1" end="1"/>
+                                            </p:txEl>
+                                          </p:spTgt>
+                                        </p:tgtEl>
+                                        <p:attrNameLst>
+                                          <p:attrName>ppt_x</p:attrName>
+                                        </p:attrNameLst>
+                                      </p:cBhvr>
+                                      <p:tavLst>
+                                        <p:tav tm="0">
+                                          <p:val>
+                                            <p:strVal val="#ppt_x"/>
+                                          </p:val>
+                                        </p:tav>
+                                        <p:tav tm="100000">
+                                          <p:val>
+                                            <p:strVal val="#ppt_x"/>
+                                          </p:val>
+                                        </p:tav>
+                                      </p:tavLst>
+                                    </p:anim>
+                                    <p:anim calcmode="lin" valueType="num">
+                                      <p:cBhvr additive="base">
+                                        <p:cTn id="26" dur="500" fill="hold"/>
+                                        <p:tgtEl>
+                                          <p:spTgt spid="226">
+                                            <p:txEl>
+                                              <p:pRg st="1" end="1"/>
+                                            </p:txEl>
+                                          </p:spTgt>
+                                        </p:tgtEl>
+                                        <p:attrNameLst>
+                                          <p:attrName>ppt_y</p:attrName>
+                                        </p:attrNameLst>
+                                      </p:cBhvr>
+                                      <p:tavLst>
+                                        <p:tav tm="0">
+                                          <p:val>
+                                            <p:strVal val="1+#ppt_h/2"/>
+                                          </p:val>
+                                        </p:tav>
+                                        <p:tav tm="100000">
+                                          <p:val>
+                                            <p:strVal val="#ppt_y"/>
+                                          </p:val>
+                                        </p:tav>
+                                      </p:tavLst>
+                                    </p:anim>
+                                  </p:childTnLst>
+                                </p:cTn>
+                              </p:par>
+                            </p:childTnLst>
+                          </p:cTn>
+                        </p:par>
+                      </p:childTnLst>
+                    </p:cTn>
+                  </p:par>
+                  <p:par>
+                    <p:cTn id="27" fill="hold">
+                      <p:stCondLst>
+                        <p:cond delay="indefinite"/>
+                      </p:stCondLst>
+                      <p:childTnLst>
+                        <p:par>
+                          <p:cTn id="28" fill="hold">
+                            <p:stCondLst>
+                              <p:cond delay="0"/>
+                            </p:stCondLst>
+                            <p:childTnLst>
+                              <p:par>
+                                <p:cTn id="29" presetID="2" presetClass="entr" presetSubtype="4" fill="hold" grpId="0" nodeType="clickEffect">
+                                  <p:stCondLst>
+                                    <p:cond delay="0"/>
+                                  </p:stCondLst>
+                                  <p:childTnLst>
+                                    <p:set>
+                                      <p:cBhvr>
+                                        <p:cTn id="30" dur="1" fill="hold">
+                                          <p:stCondLst>
+                                            <p:cond delay="0"/>
+                                          </p:stCondLst>
+                                        </p:cTn>
+                                        <p:tgtEl>
+                                          <p:spTgt spid="227">
+                                            <p:txEl>
+                                              <p:pRg st="0" end="0"/>
+                                            </p:txEl>
+                                          </p:spTgt>
+                                        </p:tgtEl>
+                                        <p:attrNameLst>
+                                          <p:attrName>style.visibility</p:attrName>
+                                        </p:attrNameLst>
+                                      </p:cBhvr>
+                                      <p:to>
+                                        <p:strVal val="visible"/>
+                                      </p:to>
+                                    </p:set>
+                                    <p:anim calcmode="lin" valueType="num">
+                                      <p:cBhvr additive="base">
+                                        <p:cTn id="31" dur="500" fill="hold"/>
+                                        <p:tgtEl>
+                                          <p:spTgt spid="227">
+                                            <p:txEl>
+                                              <p:pRg st="0" end="0"/>
+                                            </p:txEl>
+                                          </p:spTgt>
+                                        </p:tgtEl>
+                                        <p:attrNameLst>
+                                          <p:attrName>ppt_x</p:attrName>
+                                        </p:attrNameLst>
+                                      </p:cBhvr>
+                                      <p:tavLst>
+                                        <p:tav tm="0">
+                                          <p:val>
+                                            <p:strVal val="#ppt_x"/>
+                                          </p:val>
+                                        </p:tav>
+                                        <p:tav tm="100000">
+                                          <p:val>
+                                            <p:strVal val="#ppt_x"/>
+                                          </p:val>
+                                        </p:tav>
+                                      </p:tavLst>
+                                    </p:anim>
+                                    <p:anim calcmode="lin" valueType="num">
+                                      <p:cBhvr additive="base">
+                                        <p:cTn id="32" dur="500" fill="hold"/>
+                                        <p:tgtEl>
+                                          <p:spTgt spid="227">
+                                            <p:txEl>
+                                              <p:pRg st="0" end="0"/>
+                                            </p:txEl>
+                                          </p:spTgt>
+                                        </p:tgtEl>
+                                        <p:attrNameLst>
+                                          <p:attrName>ppt_y</p:attrName>
+                                        </p:attrNameLst>
+                                      </p:cBhvr>
+                                      <p:tavLst>
+                                        <p:tav tm="0">
+                                          <p:val>
+                                            <p:strVal val="1+#ppt_h/2"/>
+                                          </p:val>
+                                        </p:tav>
+                                        <p:tav tm="100000">
+                                          <p:val>
+                                            <p:strVal val="#ppt_y"/>
+                                          </p:val>
+                                        </p:tav>
+                                      </p:tavLst>
+                                    </p:anim>
+                                  </p:childTnLst>
+                                </p:cTn>
+                              </p:par>
+                            </p:childTnLst>
+                          </p:cTn>
+                        </p:par>
+                      </p:childTnLst>
+                    </p:cTn>
+                  </p:par>
+                  <p:par>
+                    <p:cTn id="33" fill="hold">
+                      <p:stCondLst>
+                        <p:cond delay="indefinite"/>
+                      </p:stCondLst>
+                      <p:childTnLst>
+                        <p:par>
+                          <p:cTn id="34" fill="hold">
+                            <p:stCondLst>
+                              <p:cond delay="0"/>
+                            </p:stCondLst>
+                            <p:childTnLst>
+                              <p:par>
+                                <p:cTn id="35" presetID="2" presetClass="entr" presetSubtype="4" fill="hold" grpId="0" nodeType="clickEffect">
+                                  <p:stCondLst>
+                                    <p:cond delay="0"/>
+                                  </p:stCondLst>
+                                  <p:childTnLst>
+                                    <p:set>
+                                      <p:cBhvr>
+                                        <p:cTn id="36" dur="1" fill="hold">
+                                          <p:stCondLst>
+                                            <p:cond delay="0"/>
+                                          </p:stCondLst>
+                                        </p:cTn>
+                                        <p:tgtEl>
+                                          <p:spTgt spid="227">
+                                            <p:txEl>
+                                              <p:pRg st="1" end="1"/>
+                                            </p:txEl>
+                                          </p:spTgt>
+                                        </p:tgtEl>
+                                        <p:attrNameLst>
+                                          <p:attrName>style.visibility</p:attrName>
+                                        </p:attrNameLst>
+                                      </p:cBhvr>
+                                      <p:to>
+                                        <p:strVal val="visible"/>
+                                      </p:to>
+                                    </p:set>
+                                    <p:anim calcmode="lin" valueType="num">
+                                      <p:cBhvr additive="base">
+                                        <p:cTn id="37" dur="500" fill="hold"/>
+                                        <p:tgtEl>
+                                          <p:spTgt spid="227">
+                                            <p:txEl>
+                                              <p:pRg st="1" end="1"/>
+                                            </p:txEl>
+                                          </p:spTgt>
+                                        </p:tgtEl>
+                                        <p:attrNameLst>
+                                          <p:attrName>ppt_x</p:attrName>
+                                        </p:attrNameLst>
+                                      </p:cBhvr>
+                                      <p:tavLst>
+                                        <p:tav tm="0">
+                                          <p:val>
+                                            <p:strVal val="#ppt_x"/>
+                                          </p:val>
+                                        </p:tav>
+                                        <p:tav tm="100000">
+                                          <p:val>
+                                            <p:strVal val="#ppt_x"/>
+                                          </p:val>
+                                        </p:tav>
+                                      </p:tavLst>
+                                    </p:anim>
+                                    <p:anim calcmode="lin" valueType="num">
+                                      <p:cBhvr additive="base">
+                                        <p:cTn id="38" dur="500" fill="hold"/>
+                                        <p:tgtEl>
+                                          <p:spTgt spid="227">
+                                            <p:txEl>
+                                              <p:pRg st="1" end="1"/>
+                                            </p:txEl>
+                                          </p:spTgt>
+                                        </p:tgtEl>
+                                        <p:attrNameLst>
+                                          <p:attrName>ppt_y</p:attrName>
+                                        </p:attrNameLst>
+                                      </p:cBhvr>
+                                      <p:tavLst>
+                                        <p:tav tm="0">
+                                          <p:val>
+                                            <p:strVal val="1+#ppt_h/2"/>
+                                          </p:val>
+                                        </p:tav>
+                                        <p:tav tm="100000">
+                                          <p:val>
+                                            <p:strVal val="#ppt_y"/>
+                                          </p:val>
+                                        </p:tav>
+                                      </p:tavLst>
+                                    </p:anim>
+                                  </p:childTnLst>
+                                </p:cTn>
+                              </p:par>
+                            </p:childTnLst>
+                          </p:cTn>
+                        </p:par>
+                      </p:childTnLst>
+                    </p:cTn>
+                  </p:par>
+                </p:childTnLst>
+              </p:cTn>
+              <p:prevCondLst>
+                <p:cond evt="onPrev" delay="0">
+                  <p:tgtEl>
+                    <p:sldTgt/>
+                  </p:tgtEl>
+                </p:cond>
+              </p:prevCondLst>
+              <p:nextCondLst>
+                <p:cond evt="onNext" delay="0">
+                  <p:tgtEl>
+                    <p:sldTgt/>
+                  </p:tgtEl>
+                </p:cond>
+              </p:nextCondLst>
+            </p:seq>
+          </p:childTnLst>
+        </p:cTn>
+      </p:par>
+    </p:tnLst>
+    <p:bldLst>
+      <p:bldP spid="225" grpId="0" build="p"/>
+      <p:bldP spid="226" grpId="0" build="p"/>
+      <p:bldP spid="227" grpId="0" uiExpand="1" build="p"/>
+    </p:bldLst>
+  </p:timing>
+</p:sld>
+</file>
+
+<file path=ppt/slides/slide11.xml><?xml version="1.0" encoding="utf-8"?>
+<p:sld xmlns:a="http://schemas.openxmlformats.org/drawingml/2006/main" xmlns:r="http://schemas.openxmlformats.org/officeDocument/2006/relationships" xmlns:p="http://schemas.openxmlformats.org/presentationml/2006/main">
+  <p:cSld>
+    <p:spTree>
+      <p:nvGrpSpPr>
+        <p:cNvPr id="1" name=""/>
+        <p:cNvGrpSpPr/>
+        <p:nvPr/>
+      </p:nvGrpSpPr>
+      <p:grpSpPr>
+        <a:xfrm>
+          <a:off x="0" y="0"/>
+          <a:ext cx="0" cy="0"/>
+          <a:chOff x="0" y="0"/>
+          <a:chExt cx="0" cy="0"/>
+        </a:xfrm>
+      </p:grpSpPr>
       <p:sp>
         <p:nvSpPr>
           <p:cNvPr id="4" name="Espaço Reservado para Número de Slide 3">
@@ -13597,9 +14581,46 @@
             <a:fld id="{00000000-1234-1234-1234-123412341234}" type="slidenum">
               <a:rPr lang="pt-BR" smtClean="0"/>
               <a:pPr/>
-              <a:t>10</a:t>
+              <a:t>11</a:t>
             </a:fld>
             <a:endParaRPr lang="pt-BR" dirty="0"/>
+          </a:p>
+        </p:txBody>
+      </p:sp>
+      <p:sp>
+        <p:nvSpPr>
+          <p:cNvPr id="2" name="Título 1">
+            <a:extLst>
+              <a:ext uri="{FF2B5EF4-FFF2-40B4-BE49-F238E27FC236}">
+                <a16:creationId xmlns:a16="http://schemas.microsoft.com/office/drawing/2014/main" id="{051FF890-D2ED-40D1-9239-6B3E5B169701}"/>
+              </a:ext>
+            </a:extLst>
+          </p:cNvPr>
+          <p:cNvSpPr>
+            <a:spLocks noGrp="1"/>
+          </p:cNvSpPr>
+          <p:nvPr>
+            <p:ph type="title" idx="4294967295"/>
+          </p:nvPr>
+        </p:nvSpPr>
+        <p:spPr>
+          <a:xfrm>
+            <a:off x="0" y="342900"/>
+            <a:ext cx="5214938" cy="717550"/>
+          </a:xfrm>
+        </p:spPr>
+        <p:txBody>
+          <a:bodyPr/>
+          <a:lstStyle/>
+          <a:p>
+            <a:r>
+              <a:rPr lang="pt-BR" sz="3600" dirty="0">
+                <a:solidFill>
+                  <a:schemeClr val="accent5"/>
+                </a:solidFill>
+              </a:rPr>
+              <a:t>Tabelas e modelo lógico</a:t>
+            </a:r>
           </a:p>
         </p:txBody>
       </p:sp>
@@ -13639,6 +14660,36 @@
           </a:prstGeom>
         </p:spPr>
       </p:pic>
+      <p:pic>
+        <p:nvPicPr>
+          <p:cNvPr id="9" name="Imagem 8">
+            <a:extLst>
+              <a:ext uri="{FF2B5EF4-FFF2-40B4-BE49-F238E27FC236}">
+                <a16:creationId xmlns:a16="http://schemas.microsoft.com/office/drawing/2014/main" id="{8C81C4F4-CBDD-4C26-B72A-7953EF3B3CDB}"/>
+              </a:ext>
+            </a:extLst>
+          </p:cNvPr>
+          <p:cNvPicPr>
+            <a:picLocks noChangeAspect="1"/>
+          </p:cNvPicPr>
+          <p:nvPr/>
+        </p:nvPicPr>
+        <p:blipFill>
+          <a:blip r:embed="rId4"/>
+          <a:stretch>
+            <a:fillRect/>
+          </a:stretch>
+        </p:blipFill>
+        <p:spPr>
+          <a:xfrm>
+            <a:off x="283799" y="1093487"/>
+            <a:ext cx="5070612" cy="3199164"/>
+          </a:xfrm>
+          <a:prstGeom prst="rect">
+            <a:avLst/>
+          </a:prstGeom>
+        </p:spPr>
+      </p:pic>
     </p:spTree>
     <p:extLst>
       <p:ext uri="{BB962C8B-B14F-4D97-AF65-F5344CB8AC3E}">
@@ -13652,7 +14703,7 @@
 </p:sld>
 </file>
 
-<file path=ppt/slides/slide11.xml><?xml version="1.0" encoding="utf-8"?>
+<file path=ppt/slides/slide12.xml><?xml version="1.0" encoding="utf-8"?>
 <p:sld xmlns:a="http://schemas.openxmlformats.org/drawingml/2006/main" xmlns:r="http://schemas.openxmlformats.org/officeDocument/2006/relationships" xmlns:p="http://schemas.openxmlformats.org/presentationml/2006/main">
   <p:cSld>
     <p:bg>
@@ -13827,7 +14878,7 @@
 </p:sld>
 </file>
 
-<file path=ppt/slides/slide12.xml><?xml version="1.0" encoding="utf-8"?>
+<file path=ppt/slides/slide13.xml><?xml version="1.0" encoding="utf-8"?>
 <p:sld xmlns:a="http://schemas.openxmlformats.org/drawingml/2006/main" xmlns:r="http://schemas.openxmlformats.org/officeDocument/2006/relationships" xmlns:p="http://schemas.openxmlformats.org/presentationml/2006/main">
   <p:cSld>
     <p:spTree>
@@ -14118,7 +15169,7 @@
             <a:fld id="{00000000-1234-1234-1234-123412341234}" type="slidenum">
               <a:rPr lang="pt-BR" smtClean="0"/>
               <a:pPr/>
-              <a:t>12</a:t>
+              <a:t>13</a:t>
             </a:fld>
             <a:endParaRPr lang="pt-BR" dirty="0"/>
           </a:p>
@@ -14173,7 +15224,7 @@
 </p:sld>
 </file>
 
-<file path=ppt/slides/slide13.xml><?xml version="1.0" encoding="utf-8"?>
+<file path=ppt/slides/slide14.xml><?xml version="1.0" encoding="utf-8"?>
 <p:sld xmlns:a="http://schemas.openxmlformats.org/drawingml/2006/main" xmlns:r="http://schemas.openxmlformats.org/officeDocument/2006/relationships" xmlns:p="http://schemas.openxmlformats.org/presentationml/2006/main">
   <p:cSld>
     <p:spTree>
@@ -14321,7 +15372,7 @@
             <a:fld id="{00000000-1234-1234-1234-123412341234}" type="slidenum">
               <a:rPr lang="pt-BR" smtClean="0"/>
               <a:pPr/>
-              <a:t>13</a:t>
+              <a:t>14</a:t>
             </a:fld>
             <a:endParaRPr lang="pt-BR" dirty="0"/>
           </a:p>
@@ -14376,7 +15427,7 @@
 </p:sld>
 </file>
 
-<file path=ppt/slides/slide14.xml><?xml version="1.0" encoding="utf-8"?>
+<file path=ppt/slides/slide15.xml><?xml version="1.0" encoding="utf-8"?>
 <p:sld xmlns:a="http://schemas.openxmlformats.org/drawingml/2006/main" xmlns:r="http://schemas.openxmlformats.org/officeDocument/2006/relationships" xmlns:p="http://schemas.openxmlformats.org/presentationml/2006/main">
   <p:cSld>
     <p:spTree>
@@ -14513,7 +15564,7 @@
             <a:fld id="{00000000-1234-1234-1234-123412341234}" type="slidenum">
               <a:rPr lang="pt-BR" smtClean="0"/>
               <a:pPr/>
-              <a:t>14</a:t>
+              <a:t>15</a:t>
             </a:fld>
             <a:endParaRPr lang="pt-BR" dirty="0"/>
           </a:p>
@@ -14568,7 +15619,7 @@
 </p:sld>
 </file>
 
-<file path=ppt/slides/slide15.xml><?xml version="1.0" encoding="utf-8"?>
+<file path=ppt/slides/slide16.xml><?xml version="1.0" encoding="utf-8"?>
 <p:sld xmlns:a="http://schemas.openxmlformats.org/drawingml/2006/main" xmlns:r="http://schemas.openxmlformats.org/officeDocument/2006/relationships" xmlns:p="http://schemas.openxmlformats.org/presentationml/2006/main">
   <p:cSld>
     <p:spTree>
@@ -21004,8 +22055,8 @@
         </p:blipFill>
         <p:spPr>
           <a:xfrm>
-            <a:off x="269759" y="2200638"/>
-            <a:ext cx="5130987" cy="1458624"/>
+            <a:off x="358560" y="2095289"/>
+            <a:ext cx="5037597" cy="1432075"/>
           </a:xfrm>
           <a:prstGeom prst="rect">
             <a:avLst/>
@@ -21021,2233 +22072,6 @@
 </file>
 
 <file path=ppt/slides/slide7.xml><?xml version="1.0" encoding="utf-8"?>
-<p:sld xmlns:a="http://schemas.openxmlformats.org/drawingml/2006/main" xmlns:r="http://schemas.openxmlformats.org/officeDocument/2006/relationships" xmlns:p="http://schemas.openxmlformats.org/presentationml/2006/main">
-  <p:cSld>
-    <p:spTree>
-      <p:nvGrpSpPr>
-        <p:cNvPr id="1" name=""/>
-        <p:cNvGrpSpPr/>
-        <p:nvPr/>
-      </p:nvGrpSpPr>
-      <p:grpSpPr>
-        <a:xfrm>
-          <a:off x="0" y="0"/>
-          <a:ext cx="0" cy="0"/>
-          <a:chOff x="0" y="0"/>
-          <a:chExt cx="0" cy="0"/>
-        </a:xfrm>
-      </p:grpSpPr>
-      <p:sp>
-        <p:nvSpPr>
-          <p:cNvPr id="2" name="Título 1">
-            <a:extLst>
-              <a:ext uri="{FF2B5EF4-FFF2-40B4-BE49-F238E27FC236}">
-                <a16:creationId xmlns:a16="http://schemas.microsoft.com/office/drawing/2014/main" id="{051FF890-D2ED-40D1-9239-6B3E5B169701}"/>
-              </a:ext>
-            </a:extLst>
-          </p:cNvPr>
-          <p:cNvSpPr>
-            <a:spLocks noGrp="1"/>
-          </p:cNvSpPr>
-          <p:nvPr>
-            <p:ph type="title"/>
-          </p:nvPr>
-        </p:nvSpPr>
-        <p:spPr>
-          <a:xfrm>
-            <a:off x="457200" y="606101"/>
-            <a:ext cx="5215200" cy="716400"/>
-          </a:xfrm>
-        </p:spPr>
-        <p:txBody>
-          <a:bodyPr/>
-          <a:lstStyle/>
-          <a:p>
-            <a:r>
-              <a:rPr lang="pt-BR" dirty="0">
-                <a:solidFill>
-                  <a:schemeClr val="accent5"/>
-                </a:solidFill>
-              </a:rPr>
-              <a:t>Contexto de Negocio </a:t>
-            </a:r>
-          </a:p>
-        </p:txBody>
-      </p:sp>
-      <p:sp>
-        <p:nvSpPr>
-          <p:cNvPr id="3" name="Espaço Reservado para Texto 2">
-            <a:extLst>
-              <a:ext uri="{FF2B5EF4-FFF2-40B4-BE49-F238E27FC236}">
-                <a16:creationId xmlns:a16="http://schemas.microsoft.com/office/drawing/2014/main" id="{C0475109-7880-4C4A-B506-591DD68380BA}"/>
-              </a:ext>
-            </a:extLst>
-          </p:cNvPr>
-          <p:cNvSpPr>
-            <a:spLocks noGrp="1"/>
-          </p:cNvSpPr>
-          <p:nvPr>
-            <p:ph type="body" idx="1"/>
-          </p:nvPr>
-        </p:nvSpPr>
-        <p:spPr>
-          <a:xfrm>
-            <a:off x="457200" y="1605171"/>
-            <a:ext cx="5215200" cy="2944800"/>
-          </a:xfrm>
-        </p:spPr>
-        <p:txBody>
-          <a:bodyPr/>
-          <a:lstStyle/>
-          <a:p>
-            <a:r>
-              <a:rPr lang="pt-BR" dirty="0">
-                <a:solidFill>
-                  <a:schemeClr val="bg2"/>
-                </a:solidFill>
-                <a:latin typeface="Kulim Park Light" panose="020B0604020202020204" charset="0"/>
-              </a:rPr>
-              <a:t>3</a:t>
-            </a:r>
-            <a:r>
-              <a:rPr lang="pt-BR" sz="1800" dirty="0">
-                <a:solidFill>
-                  <a:schemeClr val="bg2"/>
-                </a:solidFill>
-                <a:latin typeface="Kulim Park Light" panose="020B0604020202020204" charset="0"/>
-                <a:ea typeface="Yu Mincho" panose="02020400000000000000" pitchFamily="18" charset="-128"/>
-              </a:rPr>
-              <a:t>ª maior produto de carne de frango no mundo.</a:t>
-            </a:r>
-          </a:p>
-          <a:p>
-            <a:r>
-              <a:rPr lang="pt-BR" sz="1800" dirty="0">
-                <a:solidFill>
-                  <a:schemeClr val="bg2"/>
-                </a:solidFill>
-                <a:latin typeface="Kulim Park Light" panose="020B0604020202020204" charset="0"/>
-                <a:ea typeface="Yu Mincho" panose="02020400000000000000" pitchFamily="18" charset="-128"/>
-              </a:rPr>
-              <a:t>Essa área requer diversos processos e cuidados um deles é a temperatura.</a:t>
-            </a:r>
-          </a:p>
-          <a:p>
-            <a:r>
-              <a:rPr lang="pt-BR" sz="1800" dirty="0">
-                <a:solidFill>
-                  <a:schemeClr val="bg2"/>
-                </a:solidFill>
-                <a:latin typeface="Kulim Park Light" panose="020B0604020202020204" charset="0"/>
-                <a:ea typeface="Yu Mincho" panose="02020400000000000000" pitchFamily="18" charset="-128"/>
-              </a:rPr>
-              <a:t>Apenas em São Paulo, mais de 1 MILHÃO  de galinhas morreram devido altas temperaturas em 2020.</a:t>
-            </a:r>
-          </a:p>
-          <a:p>
-            <a:endParaRPr lang="pt-BR" dirty="0"/>
-          </a:p>
-        </p:txBody>
-      </p:sp>
-      <p:sp>
-        <p:nvSpPr>
-          <p:cNvPr id="4" name="Espaço Reservado para Número de Slide 3">
-            <a:extLst>
-              <a:ext uri="{FF2B5EF4-FFF2-40B4-BE49-F238E27FC236}">
-                <a16:creationId xmlns:a16="http://schemas.microsoft.com/office/drawing/2014/main" id="{90AFEF2C-A131-450D-9DC0-636FD3578A57}"/>
-              </a:ext>
-            </a:extLst>
-          </p:cNvPr>
-          <p:cNvSpPr>
-            <a:spLocks noGrp="1"/>
-          </p:cNvSpPr>
-          <p:nvPr>
-            <p:ph type="sldNum" idx="12"/>
-          </p:nvPr>
-        </p:nvSpPr>
-        <p:spPr/>
-        <p:txBody>
-          <a:bodyPr/>
-          <a:lstStyle/>
-          <a:p>
-            <a:fld id="{00000000-1234-1234-1234-123412341234}" type="slidenum">
-              <a:rPr lang="pt-BR" smtClean="0"/>
-              <a:pPr/>
-              <a:t>7</a:t>
-            </a:fld>
-            <a:endParaRPr lang="pt-BR" dirty="0"/>
-          </a:p>
-        </p:txBody>
-      </p:sp>
-      <p:pic>
-        <p:nvPicPr>
-          <p:cNvPr id="5" name="Gráfico 4" descr="Galo estrutura de tópicos">
-            <a:extLst>
-              <a:ext uri="{FF2B5EF4-FFF2-40B4-BE49-F238E27FC236}">
-                <a16:creationId xmlns:a16="http://schemas.microsoft.com/office/drawing/2014/main" id="{CC63DB24-6FEF-4851-88B3-FAAAE72DC9CA}"/>
-              </a:ext>
-            </a:extLst>
-          </p:cNvPr>
-          <p:cNvPicPr>
-            <a:picLocks noChangeAspect="1"/>
-          </p:cNvPicPr>
-          <p:nvPr/>
-        </p:nvPicPr>
-        <p:blipFill>
-          <a:blip r:embed="rId2">
-            <a:extLst>
-              <a:ext uri="{96DAC541-7B7A-43D3-8B79-37D633B846F1}">
-                <asvg:svgBlip xmlns:asvg="http://schemas.microsoft.com/office/drawing/2016/SVG/main" r:embed="rId3"/>
-              </a:ext>
-            </a:extLst>
-          </a:blip>
-          <a:stretch>
-            <a:fillRect/>
-          </a:stretch>
-        </p:blipFill>
-        <p:spPr>
-          <a:xfrm>
-            <a:off x="-60512" y="4292651"/>
-            <a:ext cx="914400" cy="914400"/>
-          </a:xfrm>
-          <a:prstGeom prst="rect">
-            <a:avLst/>
-          </a:prstGeom>
-        </p:spPr>
-      </p:pic>
-    </p:spTree>
-    <p:extLst>
-      <p:ext uri="{BB962C8B-B14F-4D97-AF65-F5344CB8AC3E}">
-        <p14:creationId xmlns:p14="http://schemas.microsoft.com/office/powerpoint/2010/main" val="3999652898"/>
-      </p:ext>
-    </p:extLst>
-  </p:cSld>
-  <p:clrMapOvr>
-    <a:masterClrMapping/>
-  </p:clrMapOvr>
-</p:sld>
-</file>
-
-<file path=ppt/slides/slide8.xml><?xml version="1.0" encoding="utf-8"?>
-<p:sld xmlns:a="http://schemas.openxmlformats.org/drawingml/2006/main" xmlns:r="http://schemas.openxmlformats.org/officeDocument/2006/relationships" xmlns:p="http://schemas.openxmlformats.org/presentationml/2006/main">
-  <p:cSld>
-    <p:spTree>
-      <p:nvGrpSpPr>
-        <p:cNvPr id="1" name="Shape 223"/>
-        <p:cNvGrpSpPr/>
-        <p:nvPr/>
-      </p:nvGrpSpPr>
-      <p:grpSpPr>
-        <a:xfrm>
-          <a:off x="0" y="0"/>
-          <a:ext cx="0" cy="0"/>
-          <a:chOff x="0" y="0"/>
-          <a:chExt cx="0" cy="0"/>
-        </a:xfrm>
-      </p:grpSpPr>
-      <p:sp>
-        <p:nvSpPr>
-          <p:cNvPr id="224" name="Google Shape;224;p22"/>
-          <p:cNvSpPr txBox="1">
-            <a:spLocks noGrp="1"/>
-          </p:cNvSpPr>
-          <p:nvPr>
-            <p:ph type="title"/>
-          </p:nvPr>
-        </p:nvSpPr>
-        <p:spPr>
-          <a:prstGeom prst="rect">
-            <a:avLst/>
-          </a:prstGeom>
-        </p:spPr>
-        <p:txBody>
-          <a:bodyPr spcFirstLastPara="1" wrap="square" lIns="0" tIns="0" rIns="0" bIns="0" anchor="b" anchorCtr="0">
-            <a:noAutofit/>
-          </a:bodyPr>
-          <a:lstStyle/>
-          <a:p>
-            <a:r>
-              <a:rPr lang="en" dirty="0">
-                <a:solidFill>
-                  <a:schemeClr val="accent5"/>
-                </a:solidFill>
-              </a:rPr>
-              <a:t>Nossa solução </a:t>
-            </a:r>
-            <a:endParaRPr dirty="0">
-              <a:solidFill>
-                <a:schemeClr val="accent5"/>
-              </a:solidFill>
-            </a:endParaRPr>
-          </a:p>
-        </p:txBody>
-      </p:sp>
-      <p:sp>
-        <p:nvSpPr>
-          <p:cNvPr id="225" name="Google Shape;225;p22"/>
-          <p:cNvSpPr txBox="1">
-            <a:spLocks noGrp="1"/>
-          </p:cNvSpPr>
-          <p:nvPr>
-            <p:ph type="body" idx="1"/>
-          </p:nvPr>
-        </p:nvSpPr>
-        <p:spPr>
-          <a:prstGeom prst="rect">
-            <a:avLst/>
-          </a:prstGeom>
-        </p:spPr>
-        <p:txBody>
-          <a:bodyPr spcFirstLastPara="1" wrap="square" lIns="0" tIns="0" rIns="0" bIns="0" anchor="t" anchorCtr="0">
-            <a:noAutofit/>
-          </a:bodyPr>
-          <a:lstStyle/>
-          <a:p>
-            <a:pPr marL="0" indent="0">
-              <a:buNone/>
-            </a:pPr>
-            <a:r>
-              <a:rPr lang="pt-BR" b="1" dirty="0">
-                <a:solidFill>
-                  <a:srgbClr val="00B0F0"/>
-                </a:solidFill>
-              </a:rPr>
-              <a:t>Monitoramento</a:t>
-            </a:r>
-            <a:endParaRPr b="1" dirty="0">
-              <a:solidFill>
-                <a:srgbClr val="00B0F0"/>
-              </a:solidFill>
-            </a:endParaRPr>
-          </a:p>
-          <a:p>
-            <a:pPr marL="0" indent="0">
-              <a:buNone/>
-            </a:pPr>
-            <a:r>
-              <a:rPr lang="pt-BR" dirty="0">
-                <a:solidFill>
-                  <a:schemeClr val="bg2"/>
-                </a:solidFill>
-              </a:rPr>
-              <a:t>U</a:t>
-            </a:r>
-            <a:r>
-              <a:rPr lang="en" dirty="0">
-                <a:solidFill>
-                  <a:schemeClr val="bg2"/>
-                </a:solidFill>
-              </a:rPr>
-              <a:t>m gráfico informa em tempo real a temperatura de sua granja, com indicações visuais de quando algo está errado errado.</a:t>
-            </a:r>
-            <a:endParaRPr dirty="0">
-              <a:solidFill>
-                <a:schemeClr val="bg2"/>
-              </a:solidFill>
-            </a:endParaRPr>
-          </a:p>
-        </p:txBody>
-      </p:sp>
-      <p:sp>
-        <p:nvSpPr>
-          <p:cNvPr id="226" name="Google Shape;226;p22"/>
-          <p:cNvSpPr txBox="1">
-            <a:spLocks noGrp="1"/>
-          </p:cNvSpPr>
-          <p:nvPr>
-            <p:ph type="body" idx="2"/>
-          </p:nvPr>
-        </p:nvSpPr>
-        <p:spPr>
-          <a:xfrm>
-            <a:off x="2549511" y="1592601"/>
-            <a:ext cx="1807800" cy="2940900"/>
-          </a:xfrm>
-          <a:prstGeom prst="rect">
-            <a:avLst/>
-          </a:prstGeom>
-        </p:spPr>
-        <p:txBody>
-          <a:bodyPr spcFirstLastPara="1" wrap="square" lIns="0" tIns="0" rIns="0" bIns="0" anchor="t" anchorCtr="0">
-            <a:noAutofit/>
-          </a:bodyPr>
-          <a:lstStyle/>
-          <a:p>
-            <a:pPr marL="0" indent="0">
-              <a:buNone/>
-            </a:pPr>
-            <a:r>
-              <a:rPr lang="pt-BR" b="1" dirty="0">
-                <a:solidFill>
-                  <a:schemeClr val="accent2"/>
-                </a:solidFill>
-              </a:rPr>
-              <a:t>Prevenção</a:t>
-            </a:r>
-          </a:p>
-          <a:p>
-            <a:pPr marL="0" indent="0">
-              <a:buNone/>
-            </a:pPr>
-            <a:r>
-              <a:rPr lang="pt-BR" dirty="0">
-                <a:solidFill>
-                  <a:schemeClr val="bg2"/>
-                </a:solidFill>
-              </a:rPr>
-              <a:t>Nosso site conta com uma previsão do tempo para você se preparar com antecedência para qualquer eventualidade.</a:t>
-            </a:r>
-            <a:endParaRPr dirty="0">
-              <a:solidFill>
-                <a:schemeClr val="bg2"/>
-              </a:solidFill>
-            </a:endParaRPr>
-          </a:p>
-        </p:txBody>
-      </p:sp>
-      <p:sp>
-        <p:nvSpPr>
-          <p:cNvPr id="227" name="Google Shape;227;p22"/>
-          <p:cNvSpPr txBox="1">
-            <a:spLocks noGrp="1"/>
-          </p:cNvSpPr>
-          <p:nvPr>
-            <p:ph type="body" idx="3"/>
-          </p:nvPr>
-        </p:nvSpPr>
-        <p:spPr>
-          <a:xfrm>
-            <a:off x="4641823" y="1592601"/>
-            <a:ext cx="1807800" cy="2940900"/>
-          </a:xfrm>
-          <a:prstGeom prst="rect">
-            <a:avLst/>
-          </a:prstGeom>
-        </p:spPr>
-        <p:txBody>
-          <a:bodyPr spcFirstLastPara="1" wrap="square" lIns="0" tIns="0" rIns="0" bIns="0" anchor="t" anchorCtr="0">
-            <a:noAutofit/>
-          </a:bodyPr>
-          <a:lstStyle/>
-          <a:p>
-            <a:pPr marL="0" indent="0">
-              <a:buNone/>
-            </a:pPr>
-            <a:r>
-              <a:rPr lang="pt-BR" b="1" dirty="0">
-                <a:solidFill>
-                  <a:schemeClr val="accent3"/>
-                </a:solidFill>
-              </a:rPr>
-              <a:t>Automatização</a:t>
-            </a:r>
-          </a:p>
-          <a:p>
-            <a:pPr marL="0" indent="0">
-              <a:buNone/>
-            </a:pPr>
-            <a:r>
-              <a:rPr lang="pt-BR" dirty="0">
-                <a:solidFill>
-                  <a:schemeClr val="bg2"/>
-                </a:solidFill>
-              </a:rPr>
-              <a:t>Em casos críticos nosso sistema entrara em ação. Agindo, quando possível, no seu sistema de controle de temperatura.</a:t>
-            </a:r>
-          </a:p>
-        </p:txBody>
-      </p:sp>
-      <p:sp>
-        <p:nvSpPr>
-          <p:cNvPr id="228" name="Google Shape;228;p22"/>
-          <p:cNvSpPr txBox="1">
-            <a:spLocks noGrp="1"/>
-          </p:cNvSpPr>
-          <p:nvPr>
-            <p:ph type="sldNum" idx="12"/>
-          </p:nvPr>
-        </p:nvSpPr>
-        <p:spPr>
-          <a:prstGeom prst="rect">
-            <a:avLst/>
-          </a:prstGeom>
-        </p:spPr>
-        <p:txBody>
-          <a:bodyPr spcFirstLastPara="1" wrap="square" lIns="0" tIns="0" rIns="0" bIns="0" anchor="ctr" anchorCtr="0">
-            <a:noAutofit/>
-          </a:bodyPr>
-          <a:lstStyle/>
-          <a:p>
-            <a:fld id="{00000000-1234-1234-1234-123412341234}" type="slidenum">
-              <a:rPr lang="en"/>
-              <a:pPr/>
-              <a:t>8</a:t>
-            </a:fld>
-            <a:endParaRPr dirty="0"/>
-          </a:p>
-        </p:txBody>
-      </p:sp>
-      <p:grpSp>
-        <p:nvGrpSpPr>
-          <p:cNvPr id="229" name="Google Shape;229;p22"/>
-          <p:cNvGrpSpPr/>
-          <p:nvPr/>
-        </p:nvGrpSpPr>
-        <p:grpSpPr>
-          <a:xfrm>
-            <a:off x="8080824" y="2188999"/>
-            <a:ext cx="799520" cy="1262776"/>
-            <a:chOff x="1979475" y="4289300"/>
-            <a:chExt cx="322400" cy="509225"/>
-          </a:xfrm>
-        </p:grpSpPr>
-        <p:sp>
-          <p:nvSpPr>
-            <p:cNvPr id="230" name="Google Shape;230;p22"/>
-            <p:cNvSpPr/>
-            <p:nvPr/>
-          </p:nvSpPr>
-          <p:spPr>
-            <a:xfrm>
-              <a:off x="2187075" y="4509100"/>
-              <a:ext cx="114800" cy="114800"/>
-            </a:xfrm>
-            <a:custGeom>
-              <a:avLst/>
-              <a:gdLst/>
-              <a:ahLst/>
-              <a:cxnLst/>
-              <a:rect l="l" t="t" r="r" b="b"/>
-              <a:pathLst>
-                <a:path w="4592" h="4592" extrusionOk="0">
-                  <a:moveTo>
-                    <a:pt x="4396" y="0"/>
-                  </a:moveTo>
-                  <a:lnTo>
-                    <a:pt x="3981" y="49"/>
-                  </a:lnTo>
-                  <a:lnTo>
-                    <a:pt x="3419" y="171"/>
-                  </a:lnTo>
-                  <a:lnTo>
-                    <a:pt x="2784" y="367"/>
-                  </a:lnTo>
-                  <a:lnTo>
-                    <a:pt x="2100" y="587"/>
-                  </a:lnTo>
-                  <a:lnTo>
-                    <a:pt x="1465" y="831"/>
-                  </a:lnTo>
-                  <a:lnTo>
-                    <a:pt x="1172" y="953"/>
-                  </a:lnTo>
-                  <a:lnTo>
-                    <a:pt x="928" y="1099"/>
-                  </a:lnTo>
-                  <a:lnTo>
-                    <a:pt x="708" y="1246"/>
-                  </a:lnTo>
-                  <a:lnTo>
-                    <a:pt x="562" y="1368"/>
-                  </a:lnTo>
-                  <a:lnTo>
-                    <a:pt x="440" y="1515"/>
-                  </a:lnTo>
-                  <a:lnTo>
-                    <a:pt x="318" y="1637"/>
-                  </a:lnTo>
-                  <a:lnTo>
-                    <a:pt x="244" y="1808"/>
-                  </a:lnTo>
-                  <a:lnTo>
-                    <a:pt x="171" y="1954"/>
-                  </a:lnTo>
-                  <a:lnTo>
-                    <a:pt x="98" y="2101"/>
-                  </a:lnTo>
-                  <a:lnTo>
-                    <a:pt x="49" y="2272"/>
-                  </a:lnTo>
-                  <a:lnTo>
-                    <a:pt x="25" y="2443"/>
-                  </a:lnTo>
-                  <a:lnTo>
-                    <a:pt x="0" y="2589"/>
-                  </a:lnTo>
-                  <a:lnTo>
-                    <a:pt x="0" y="2760"/>
-                  </a:lnTo>
-                  <a:lnTo>
-                    <a:pt x="25" y="2931"/>
-                  </a:lnTo>
-                  <a:lnTo>
-                    <a:pt x="49" y="3102"/>
-                  </a:lnTo>
-                  <a:lnTo>
-                    <a:pt x="98" y="3273"/>
-                  </a:lnTo>
-                  <a:lnTo>
-                    <a:pt x="147" y="3420"/>
-                  </a:lnTo>
-                  <a:lnTo>
-                    <a:pt x="220" y="3566"/>
-                  </a:lnTo>
-                  <a:lnTo>
-                    <a:pt x="318" y="3737"/>
-                  </a:lnTo>
-                  <a:lnTo>
-                    <a:pt x="415" y="3859"/>
-                  </a:lnTo>
-                  <a:lnTo>
-                    <a:pt x="2418" y="1857"/>
-                  </a:lnTo>
-                  <a:lnTo>
-                    <a:pt x="2491" y="1808"/>
-                  </a:lnTo>
-                  <a:lnTo>
-                    <a:pt x="2638" y="1808"/>
-                  </a:lnTo>
-                  <a:lnTo>
-                    <a:pt x="2711" y="1857"/>
-                  </a:lnTo>
-                  <a:lnTo>
-                    <a:pt x="2760" y="1930"/>
-                  </a:lnTo>
-                  <a:lnTo>
-                    <a:pt x="2784" y="2028"/>
-                  </a:lnTo>
-                  <a:lnTo>
-                    <a:pt x="2760" y="2101"/>
-                  </a:lnTo>
-                  <a:lnTo>
-                    <a:pt x="2711" y="2174"/>
-                  </a:lnTo>
-                  <a:lnTo>
-                    <a:pt x="708" y="4177"/>
-                  </a:lnTo>
-                  <a:lnTo>
-                    <a:pt x="855" y="4274"/>
-                  </a:lnTo>
-                  <a:lnTo>
-                    <a:pt x="1001" y="4372"/>
-                  </a:lnTo>
-                  <a:lnTo>
-                    <a:pt x="1172" y="4445"/>
-                  </a:lnTo>
-                  <a:lnTo>
-                    <a:pt x="1319" y="4494"/>
-                  </a:lnTo>
-                  <a:lnTo>
-                    <a:pt x="1490" y="4543"/>
-                  </a:lnTo>
-                  <a:lnTo>
-                    <a:pt x="1661" y="4568"/>
-                  </a:lnTo>
-                  <a:lnTo>
-                    <a:pt x="1807" y="4592"/>
-                  </a:lnTo>
-                  <a:lnTo>
-                    <a:pt x="1978" y="4568"/>
-                  </a:lnTo>
-                  <a:lnTo>
-                    <a:pt x="2149" y="4568"/>
-                  </a:lnTo>
-                  <a:lnTo>
-                    <a:pt x="2320" y="4543"/>
-                  </a:lnTo>
-                  <a:lnTo>
-                    <a:pt x="2491" y="4494"/>
-                  </a:lnTo>
-                  <a:lnTo>
-                    <a:pt x="2638" y="4421"/>
-                  </a:lnTo>
-                  <a:lnTo>
-                    <a:pt x="2784" y="4348"/>
-                  </a:lnTo>
-                  <a:lnTo>
-                    <a:pt x="2931" y="4250"/>
-                  </a:lnTo>
-                  <a:lnTo>
-                    <a:pt x="3077" y="4152"/>
-                  </a:lnTo>
-                  <a:lnTo>
-                    <a:pt x="3200" y="4030"/>
-                  </a:lnTo>
-                  <a:lnTo>
-                    <a:pt x="3346" y="3859"/>
-                  </a:lnTo>
-                  <a:lnTo>
-                    <a:pt x="3493" y="3664"/>
-                  </a:lnTo>
-                  <a:lnTo>
-                    <a:pt x="3615" y="3395"/>
-                  </a:lnTo>
-                  <a:lnTo>
-                    <a:pt x="3761" y="3127"/>
-                  </a:lnTo>
-                  <a:lnTo>
-                    <a:pt x="4005" y="2467"/>
-                  </a:lnTo>
-                  <a:lnTo>
-                    <a:pt x="4225" y="1808"/>
-                  </a:lnTo>
-                  <a:lnTo>
-                    <a:pt x="4421" y="1148"/>
-                  </a:lnTo>
-                  <a:lnTo>
-                    <a:pt x="4543" y="611"/>
-                  </a:lnTo>
-                  <a:lnTo>
-                    <a:pt x="4592" y="196"/>
-                  </a:lnTo>
-                  <a:lnTo>
-                    <a:pt x="4592" y="74"/>
-                  </a:lnTo>
-                  <a:lnTo>
-                    <a:pt x="4567" y="0"/>
-                  </a:lnTo>
-                  <a:close/>
-                </a:path>
-              </a:pathLst>
-            </a:custGeom>
-            <a:solidFill>
-              <a:schemeClr val="accent4"/>
-            </a:solidFill>
-            <a:ln>
-              <a:noFill/>
-            </a:ln>
-            <a:effectLst>
-              <a:outerShdw blurRad="200025" dist="76200" dir="16200000" algn="bl" rotWithShape="0">
-                <a:schemeClr val="dk1">
-                  <a:alpha val="50000"/>
-                </a:schemeClr>
-              </a:outerShdw>
-            </a:effectLst>
-          </p:spPr>
-          <p:txBody>
-            <a:bodyPr spcFirstLastPara="1" wrap="square" lIns="91425" tIns="91425" rIns="91425" bIns="91425" anchor="ctr" anchorCtr="0">
-              <a:noAutofit/>
-            </a:bodyPr>
-            <a:lstStyle/>
-            <a:p>
-              <a:endParaRPr dirty="0">
-                <a:solidFill>
-                  <a:schemeClr val="dk1"/>
-                </a:solidFill>
-              </a:endParaRPr>
-            </a:p>
-          </p:txBody>
-        </p:sp>
-        <p:sp>
-          <p:nvSpPr>
-            <p:cNvPr id="231" name="Google Shape;231;p22"/>
-            <p:cNvSpPr/>
-            <p:nvPr/>
-          </p:nvSpPr>
-          <p:spPr>
-            <a:xfrm>
-              <a:off x="1979475" y="4542675"/>
-              <a:ext cx="156925" cy="156950"/>
-            </a:xfrm>
-            <a:custGeom>
-              <a:avLst/>
-              <a:gdLst/>
-              <a:ahLst/>
-              <a:cxnLst/>
-              <a:rect l="l" t="t" r="r" b="b"/>
-              <a:pathLst>
-                <a:path w="6277" h="6278" extrusionOk="0">
-                  <a:moveTo>
-                    <a:pt x="122" y="1"/>
-                  </a:moveTo>
-                  <a:lnTo>
-                    <a:pt x="25" y="25"/>
-                  </a:lnTo>
-                  <a:lnTo>
-                    <a:pt x="0" y="123"/>
-                  </a:lnTo>
-                  <a:lnTo>
-                    <a:pt x="0" y="294"/>
-                  </a:lnTo>
-                  <a:lnTo>
-                    <a:pt x="25" y="538"/>
-                  </a:lnTo>
-                  <a:lnTo>
-                    <a:pt x="74" y="856"/>
-                  </a:lnTo>
-                  <a:lnTo>
-                    <a:pt x="244" y="1613"/>
-                  </a:lnTo>
-                  <a:lnTo>
-                    <a:pt x="489" y="2492"/>
-                  </a:lnTo>
-                  <a:lnTo>
-                    <a:pt x="806" y="3420"/>
-                  </a:lnTo>
-                  <a:lnTo>
-                    <a:pt x="977" y="3860"/>
-                  </a:lnTo>
-                  <a:lnTo>
-                    <a:pt x="1148" y="4275"/>
-                  </a:lnTo>
-                  <a:lnTo>
-                    <a:pt x="1319" y="4666"/>
-                  </a:lnTo>
-                  <a:lnTo>
-                    <a:pt x="1514" y="5007"/>
-                  </a:lnTo>
-                  <a:lnTo>
-                    <a:pt x="1710" y="5301"/>
-                  </a:lnTo>
-                  <a:lnTo>
-                    <a:pt x="1905" y="5520"/>
-                  </a:lnTo>
-                  <a:lnTo>
-                    <a:pt x="2076" y="5691"/>
-                  </a:lnTo>
-                  <a:lnTo>
-                    <a:pt x="2272" y="5838"/>
-                  </a:lnTo>
-                  <a:lnTo>
-                    <a:pt x="2467" y="5960"/>
-                  </a:lnTo>
-                  <a:lnTo>
-                    <a:pt x="2687" y="6058"/>
-                  </a:lnTo>
-                  <a:lnTo>
-                    <a:pt x="2907" y="6155"/>
-                  </a:lnTo>
-                  <a:lnTo>
-                    <a:pt x="3126" y="6204"/>
-                  </a:lnTo>
-                  <a:lnTo>
-                    <a:pt x="3371" y="6253"/>
-                  </a:lnTo>
-                  <a:lnTo>
-                    <a:pt x="3590" y="6277"/>
-                  </a:lnTo>
-                  <a:lnTo>
-                    <a:pt x="3835" y="6277"/>
-                  </a:lnTo>
-                  <a:lnTo>
-                    <a:pt x="4054" y="6253"/>
-                  </a:lnTo>
-                  <a:lnTo>
-                    <a:pt x="4299" y="6204"/>
-                  </a:lnTo>
-                  <a:lnTo>
-                    <a:pt x="4519" y="6155"/>
-                  </a:lnTo>
-                  <a:lnTo>
-                    <a:pt x="4738" y="6058"/>
-                  </a:lnTo>
-                  <a:lnTo>
-                    <a:pt x="4958" y="5960"/>
-                  </a:lnTo>
-                  <a:lnTo>
-                    <a:pt x="5154" y="5838"/>
-                  </a:lnTo>
-                  <a:lnTo>
-                    <a:pt x="5349" y="5691"/>
-                  </a:lnTo>
-                  <a:lnTo>
-                    <a:pt x="2003" y="2345"/>
-                  </a:lnTo>
-                  <a:lnTo>
-                    <a:pt x="1954" y="2272"/>
-                  </a:lnTo>
-                  <a:lnTo>
-                    <a:pt x="1954" y="2174"/>
-                  </a:lnTo>
-                  <a:lnTo>
-                    <a:pt x="1954" y="2101"/>
-                  </a:lnTo>
-                  <a:lnTo>
-                    <a:pt x="2003" y="2003"/>
-                  </a:lnTo>
-                  <a:lnTo>
-                    <a:pt x="2101" y="1955"/>
-                  </a:lnTo>
-                  <a:lnTo>
-                    <a:pt x="2272" y="1955"/>
-                  </a:lnTo>
-                  <a:lnTo>
-                    <a:pt x="2345" y="2003"/>
-                  </a:lnTo>
-                  <a:lnTo>
-                    <a:pt x="5691" y="5349"/>
-                  </a:lnTo>
-                  <a:lnTo>
-                    <a:pt x="5837" y="5154"/>
-                  </a:lnTo>
-                  <a:lnTo>
-                    <a:pt x="5959" y="4959"/>
-                  </a:lnTo>
-                  <a:lnTo>
-                    <a:pt x="6057" y="4739"/>
-                  </a:lnTo>
-                  <a:lnTo>
-                    <a:pt x="6155" y="4519"/>
-                  </a:lnTo>
-                  <a:lnTo>
-                    <a:pt x="6204" y="4299"/>
-                  </a:lnTo>
-                  <a:lnTo>
-                    <a:pt x="6253" y="4055"/>
-                  </a:lnTo>
-                  <a:lnTo>
-                    <a:pt x="6277" y="3835"/>
-                  </a:lnTo>
-                  <a:lnTo>
-                    <a:pt x="6277" y="3591"/>
-                  </a:lnTo>
-                  <a:lnTo>
-                    <a:pt x="6253" y="3371"/>
-                  </a:lnTo>
-                  <a:lnTo>
-                    <a:pt x="6204" y="3127"/>
-                  </a:lnTo>
-                  <a:lnTo>
-                    <a:pt x="6155" y="2907"/>
-                  </a:lnTo>
-                  <a:lnTo>
-                    <a:pt x="6057" y="2687"/>
-                  </a:lnTo>
-                  <a:lnTo>
-                    <a:pt x="5959" y="2467"/>
-                  </a:lnTo>
-                  <a:lnTo>
-                    <a:pt x="5837" y="2272"/>
-                  </a:lnTo>
-                  <a:lnTo>
-                    <a:pt x="5691" y="2077"/>
-                  </a:lnTo>
-                  <a:lnTo>
-                    <a:pt x="5520" y="1906"/>
-                  </a:lnTo>
-                  <a:lnTo>
-                    <a:pt x="5300" y="1710"/>
-                  </a:lnTo>
-                  <a:lnTo>
-                    <a:pt x="5007" y="1515"/>
-                  </a:lnTo>
-                  <a:lnTo>
-                    <a:pt x="4665" y="1320"/>
-                  </a:lnTo>
-                  <a:lnTo>
-                    <a:pt x="4274" y="1149"/>
-                  </a:lnTo>
-                  <a:lnTo>
-                    <a:pt x="3859" y="978"/>
-                  </a:lnTo>
-                  <a:lnTo>
-                    <a:pt x="3419" y="807"/>
-                  </a:lnTo>
-                  <a:lnTo>
-                    <a:pt x="2491" y="489"/>
-                  </a:lnTo>
-                  <a:lnTo>
-                    <a:pt x="1612" y="245"/>
-                  </a:lnTo>
-                  <a:lnTo>
-                    <a:pt x="855" y="74"/>
-                  </a:lnTo>
-                  <a:lnTo>
-                    <a:pt x="538" y="25"/>
-                  </a:lnTo>
-                  <a:lnTo>
-                    <a:pt x="293" y="1"/>
-                  </a:lnTo>
-                  <a:close/>
-                </a:path>
-              </a:pathLst>
-            </a:custGeom>
-            <a:solidFill>
-              <a:schemeClr val="accent4"/>
-            </a:solidFill>
-            <a:ln>
-              <a:noFill/>
-            </a:ln>
-            <a:effectLst>
-              <a:outerShdw blurRad="200025" dist="76200" dir="16200000" algn="bl" rotWithShape="0">
-                <a:schemeClr val="dk1">
-                  <a:alpha val="50000"/>
-                </a:schemeClr>
-              </a:outerShdw>
-            </a:effectLst>
-          </p:spPr>
-          <p:txBody>
-            <a:bodyPr spcFirstLastPara="1" wrap="square" lIns="91425" tIns="91425" rIns="91425" bIns="91425" anchor="ctr" anchorCtr="0">
-              <a:noAutofit/>
-            </a:bodyPr>
-            <a:lstStyle/>
-            <a:p>
-              <a:endParaRPr dirty="0">
-                <a:solidFill>
-                  <a:schemeClr val="dk1"/>
-                </a:solidFill>
-              </a:endParaRPr>
-            </a:p>
-          </p:txBody>
-        </p:sp>
-        <p:sp>
-          <p:nvSpPr>
-            <p:cNvPr id="232" name="Google Shape;232;p22"/>
-            <p:cNvSpPr/>
-            <p:nvPr/>
-          </p:nvSpPr>
-          <p:spPr>
-            <a:xfrm>
-              <a:off x="2041125" y="4289300"/>
-              <a:ext cx="240000" cy="509225"/>
-            </a:xfrm>
-            <a:custGeom>
-              <a:avLst/>
-              <a:gdLst/>
-              <a:ahLst/>
-              <a:cxnLst/>
-              <a:rect l="l" t="t" r="r" b="b"/>
-              <a:pathLst>
-                <a:path w="9600" h="20369" extrusionOk="0">
-                  <a:moveTo>
-                    <a:pt x="4788" y="3664"/>
-                  </a:moveTo>
-                  <a:lnTo>
-                    <a:pt x="5032" y="3688"/>
-                  </a:lnTo>
-                  <a:lnTo>
-                    <a:pt x="5228" y="3761"/>
-                  </a:lnTo>
-                  <a:lnTo>
-                    <a:pt x="5423" y="3859"/>
-                  </a:lnTo>
-                  <a:lnTo>
-                    <a:pt x="5594" y="3981"/>
-                  </a:lnTo>
-                  <a:lnTo>
-                    <a:pt x="5716" y="4152"/>
-                  </a:lnTo>
-                  <a:lnTo>
-                    <a:pt x="5838" y="4347"/>
-                  </a:lnTo>
-                  <a:lnTo>
-                    <a:pt x="5887" y="4567"/>
-                  </a:lnTo>
-                  <a:lnTo>
-                    <a:pt x="5911" y="4787"/>
-                  </a:lnTo>
-                  <a:lnTo>
-                    <a:pt x="5887" y="5007"/>
-                  </a:lnTo>
-                  <a:lnTo>
-                    <a:pt x="5838" y="5227"/>
-                  </a:lnTo>
-                  <a:lnTo>
-                    <a:pt x="5716" y="5422"/>
-                  </a:lnTo>
-                  <a:lnTo>
-                    <a:pt x="5594" y="5569"/>
-                  </a:lnTo>
-                  <a:lnTo>
-                    <a:pt x="5423" y="5715"/>
-                  </a:lnTo>
-                  <a:lnTo>
-                    <a:pt x="5228" y="5813"/>
-                  </a:lnTo>
-                  <a:lnTo>
-                    <a:pt x="5032" y="5886"/>
-                  </a:lnTo>
-                  <a:lnTo>
-                    <a:pt x="4788" y="5911"/>
-                  </a:lnTo>
-                  <a:lnTo>
-                    <a:pt x="4568" y="5886"/>
-                  </a:lnTo>
-                  <a:lnTo>
-                    <a:pt x="4348" y="5813"/>
-                  </a:lnTo>
-                  <a:lnTo>
-                    <a:pt x="4177" y="5715"/>
-                  </a:lnTo>
-                  <a:lnTo>
-                    <a:pt x="4006" y="5569"/>
-                  </a:lnTo>
-                  <a:lnTo>
-                    <a:pt x="3860" y="5422"/>
-                  </a:lnTo>
-                  <a:lnTo>
-                    <a:pt x="3762" y="5227"/>
-                  </a:lnTo>
-                  <a:lnTo>
-                    <a:pt x="3689" y="5007"/>
-                  </a:lnTo>
-                  <a:lnTo>
-                    <a:pt x="3664" y="4787"/>
-                  </a:lnTo>
-                  <a:lnTo>
-                    <a:pt x="3689" y="4567"/>
-                  </a:lnTo>
-                  <a:lnTo>
-                    <a:pt x="3762" y="4347"/>
-                  </a:lnTo>
-                  <a:lnTo>
-                    <a:pt x="3860" y="4152"/>
-                  </a:lnTo>
-                  <a:lnTo>
-                    <a:pt x="4006" y="3981"/>
-                  </a:lnTo>
-                  <a:lnTo>
-                    <a:pt x="4177" y="3859"/>
-                  </a:lnTo>
-                  <a:lnTo>
-                    <a:pt x="4348" y="3761"/>
-                  </a:lnTo>
-                  <a:lnTo>
-                    <a:pt x="4568" y="3688"/>
-                  </a:lnTo>
-                  <a:lnTo>
-                    <a:pt x="4788" y="3664"/>
-                  </a:lnTo>
-                  <a:close/>
-                  <a:moveTo>
-                    <a:pt x="4568" y="0"/>
-                  </a:moveTo>
-                  <a:lnTo>
-                    <a:pt x="4348" y="49"/>
-                  </a:lnTo>
-                  <a:lnTo>
-                    <a:pt x="4153" y="122"/>
-                  </a:lnTo>
-                  <a:lnTo>
-                    <a:pt x="3933" y="220"/>
-                  </a:lnTo>
-                  <a:lnTo>
-                    <a:pt x="3738" y="342"/>
-                  </a:lnTo>
-                  <a:lnTo>
-                    <a:pt x="3542" y="489"/>
-                  </a:lnTo>
-                  <a:lnTo>
-                    <a:pt x="3347" y="684"/>
-                  </a:lnTo>
-                  <a:lnTo>
-                    <a:pt x="3176" y="904"/>
-                  </a:lnTo>
-                  <a:lnTo>
-                    <a:pt x="2907" y="855"/>
-                  </a:lnTo>
-                  <a:lnTo>
-                    <a:pt x="2663" y="855"/>
-                  </a:lnTo>
-                  <a:lnTo>
-                    <a:pt x="2394" y="904"/>
-                  </a:lnTo>
-                  <a:lnTo>
-                    <a:pt x="2175" y="953"/>
-                  </a:lnTo>
-                  <a:lnTo>
-                    <a:pt x="1955" y="1026"/>
-                  </a:lnTo>
-                  <a:lnTo>
-                    <a:pt x="1759" y="1124"/>
-                  </a:lnTo>
-                  <a:lnTo>
-                    <a:pt x="1564" y="1246"/>
-                  </a:lnTo>
-                  <a:lnTo>
-                    <a:pt x="1393" y="1392"/>
-                  </a:lnTo>
-                  <a:lnTo>
-                    <a:pt x="1271" y="1563"/>
-                  </a:lnTo>
-                  <a:lnTo>
-                    <a:pt x="1124" y="1734"/>
-                  </a:lnTo>
-                  <a:lnTo>
-                    <a:pt x="1027" y="1930"/>
-                  </a:lnTo>
-                  <a:lnTo>
-                    <a:pt x="953" y="2149"/>
-                  </a:lnTo>
-                  <a:lnTo>
-                    <a:pt x="905" y="2394"/>
-                  </a:lnTo>
-                  <a:lnTo>
-                    <a:pt x="880" y="2638"/>
-                  </a:lnTo>
-                  <a:lnTo>
-                    <a:pt x="880" y="2906"/>
-                  </a:lnTo>
-                  <a:lnTo>
-                    <a:pt x="905" y="3175"/>
-                  </a:lnTo>
-                  <a:lnTo>
-                    <a:pt x="685" y="3346"/>
-                  </a:lnTo>
-                  <a:lnTo>
-                    <a:pt x="514" y="3517"/>
-                  </a:lnTo>
-                  <a:lnTo>
-                    <a:pt x="343" y="3712"/>
-                  </a:lnTo>
-                  <a:lnTo>
-                    <a:pt x="221" y="3932"/>
-                  </a:lnTo>
-                  <a:lnTo>
-                    <a:pt x="123" y="4128"/>
-                  </a:lnTo>
-                  <a:lnTo>
-                    <a:pt x="50" y="4347"/>
-                  </a:lnTo>
-                  <a:lnTo>
-                    <a:pt x="25" y="4567"/>
-                  </a:lnTo>
-                  <a:lnTo>
-                    <a:pt x="1" y="4787"/>
-                  </a:lnTo>
-                  <a:lnTo>
-                    <a:pt x="25" y="5007"/>
-                  </a:lnTo>
-                  <a:lnTo>
-                    <a:pt x="50" y="5227"/>
-                  </a:lnTo>
-                  <a:lnTo>
-                    <a:pt x="123" y="5422"/>
-                  </a:lnTo>
-                  <a:lnTo>
-                    <a:pt x="221" y="5642"/>
-                  </a:lnTo>
-                  <a:lnTo>
-                    <a:pt x="343" y="5837"/>
-                  </a:lnTo>
-                  <a:lnTo>
-                    <a:pt x="514" y="6033"/>
-                  </a:lnTo>
-                  <a:lnTo>
-                    <a:pt x="685" y="6228"/>
-                  </a:lnTo>
-                  <a:lnTo>
-                    <a:pt x="905" y="6399"/>
-                  </a:lnTo>
-                  <a:lnTo>
-                    <a:pt x="880" y="6668"/>
-                  </a:lnTo>
-                  <a:lnTo>
-                    <a:pt x="880" y="6936"/>
-                  </a:lnTo>
-                  <a:lnTo>
-                    <a:pt x="905" y="7181"/>
-                  </a:lnTo>
-                  <a:lnTo>
-                    <a:pt x="953" y="7400"/>
-                  </a:lnTo>
-                  <a:lnTo>
-                    <a:pt x="1027" y="7620"/>
-                  </a:lnTo>
-                  <a:lnTo>
-                    <a:pt x="1124" y="7816"/>
-                  </a:lnTo>
-                  <a:lnTo>
-                    <a:pt x="1271" y="8011"/>
-                  </a:lnTo>
-                  <a:lnTo>
-                    <a:pt x="1393" y="8182"/>
-                  </a:lnTo>
-                  <a:lnTo>
-                    <a:pt x="1564" y="8328"/>
-                  </a:lnTo>
-                  <a:lnTo>
-                    <a:pt x="1759" y="8451"/>
-                  </a:lnTo>
-                  <a:lnTo>
-                    <a:pt x="1955" y="8548"/>
-                  </a:lnTo>
-                  <a:lnTo>
-                    <a:pt x="2175" y="8621"/>
-                  </a:lnTo>
-                  <a:lnTo>
-                    <a:pt x="2394" y="8670"/>
-                  </a:lnTo>
-                  <a:lnTo>
-                    <a:pt x="2663" y="8695"/>
-                  </a:lnTo>
-                  <a:lnTo>
-                    <a:pt x="2907" y="8695"/>
-                  </a:lnTo>
-                  <a:lnTo>
-                    <a:pt x="3176" y="8670"/>
-                  </a:lnTo>
-                  <a:lnTo>
-                    <a:pt x="3420" y="8939"/>
-                  </a:lnTo>
-                  <a:lnTo>
-                    <a:pt x="3664" y="9159"/>
-                  </a:lnTo>
-                  <a:lnTo>
-                    <a:pt x="3933" y="9354"/>
-                  </a:lnTo>
-                  <a:lnTo>
-                    <a:pt x="4202" y="9476"/>
-                  </a:lnTo>
-                  <a:lnTo>
-                    <a:pt x="4202" y="19783"/>
-                  </a:lnTo>
-                  <a:lnTo>
-                    <a:pt x="4226" y="19905"/>
-                  </a:lnTo>
-                  <a:lnTo>
-                    <a:pt x="4251" y="20027"/>
-                  </a:lnTo>
-                  <a:lnTo>
-                    <a:pt x="4299" y="20125"/>
-                  </a:lnTo>
-                  <a:lnTo>
-                    <a:pt x="4373" y="20198"/>
-                  </a:lnTo>
-                  <a:lnTo>
-                    <a:pt x="4470" y="20271"/>
-                  </a:lnTo>
-                  <a:lnTo>
-                    <a:pt x="4568" y="20345"/>
-                  </a:lnTo>
-                  <a:lnTo>
-                    <a:pt x="4666" y="20369"/>
-                  </a:lnTo>
-                  <a:lnTo>
-                    <a:pt x="4910" y="20369"/>
-                  </a:lnTo>
-                  <a:lnTo>
-                    <a:pt x="5032" y="20345"/>
-                  </a:lnTo>
-                  <a:lnTo>
-                    <a:pt x="5130" y="20271"/>
-                  </a:lnTo>
-                  <a:lnTo>
-                    <a:pt x="5203" y="20198"/>
-                  </a:lnTo>
-                  <a:lnTo>
-                    <a:pt x="5276" y="20125"/>
-                  </a:lnTo>
-                  <a:lnTo>
-                    <a:pt x="5350" y="20027"/>
-                  </a:lnTo>
-                  <a:lnTo>
-                    <a:pt x="5374" y="19905"/>
-                  </a:lnTo>
-                  <a:lnTo>
-                    <a:pt x="5374" y="19783"/>
-                  </a:lnTo>
-                  <a:lnTo>
-                    <a:pt x="5374" y="9476"/>
-                  </a:lnTo>
-                  <a:lnTo>
-                    <a:pt x="5667" y="9354"/>
-                  </a:lnTo>
-                  <a:lnTo>
-                    <a:pt x="5936" y="9159"/>
-                  </a:lnTo>
-                  <a:lnTo>
-                    <a:pt x="6180" y="8939"/>
-                  </a:lnTo>
-                  <a:lnTo>
-                    <a:pt x="6400" y="8670"/>
-                  </a:lnTo>
-                  <a:lnTo>
-                    <a:pt x="6668" y="8695"/>
-                  </a:lnTo>
-                  <a:lnTo>
-                    <a:pt x="6937" y="8695"/>
-                  </a:lnTo>
-                  <a:lnTo>
-                    <a:pt x="7181" y="8670"/>
-                  </a:lnTo>
-                  <a:lnTo>
-                    <a:pt x="7426" y="8621"/>
-                  </a:lnTo>
-                  <a:lnTo>
-                    <a:pt x="7645" y="8548"/>
-                  </a:lnTo>
-                  <a:lnTo>
-                    <a:pt x="7841" y="8451"/>
-                  </a:lnTo>
-                  <a:lnTo>
-                    <a:pt x="8012" y="8328"/>
-                  </a:lnTo>
-                  <a:lnTo>
-                    <a:pt x="8183" y="8182"/>
-                  </a:lnTo>
-                  <a:lnTo>
-                    <a:pt x="8329" y="8011"/>
-                  </a:lnTo>
-                  <a:lnTo>
-                    <a:pt x="8451" y="7816"/>
-                  </a:lnTo>
-                  <a:lnTo>
-                    <a:pt x="8549" y="7620"/>
-                  </a:lnTo>
-                  <a:lnTo>
-                    <a:pt x="8622" y="7400"/>
-                  </a:lnTo>
-                  <a:lnTo>
-                    <a:pt x="8696" y="7181"/>
-                  </a:lnTo>
-                  <a:lnTo>
-                    <a:pt x="8720" y="6936"/>
-                  </a:lnTo>
-                  <a:lnTo>
-                    <a:pt x="8720" y="6668"/>
-                  </a:lnTo>
-                  <a:lnTo>
-                    <a:pt x="8696" y="6399"/>
-                  </a:lnTo>
-                  <a:lnTo>
-                    <a:pt x="8891" y="6228"/>
-                  </a:lnTo>
-                  <a:lnTo>
-                    <a:pt x="9086" y="6033"/>
-                  </a:lnTo>
-                  <a:lnTo>
-                    <a:pt x="9233" y="5837"/>
-                  </a:lnTo>
-                  <a:lnTo>
-                    <a:pt x="9355" y="5642"/>
-                  </a:lnTo>
-                  <a:lnTo>
-                    <a:pt x="9453" y="5422"/>
-                  </a:lnTo>
-                  <a:lnTo>
-                    <a:pt x="9526" y="5227"/>
-                  </a:lnTo>
-                  <a:lnTo>
-                    <a:pt x="9575" y="5007"/>
-                  </a:lnTo>
-                  <a:lnTo>
-                    <a:pt x="9599" y="4787"/>
-                  </a:lnTo>
-                  <a:lnTo>
-                    <a:pt x="9575" y="4567"/>
-                  </a:lnTo>
-                  <a:lnTo>
-                    <a:pt x="9526" y="4347"/>
-                  </a:lnTo>
-                  <a:lnTo>
-                    <a:pt x="9453" y="4128"/>
-                  </a:lnTo>
-                  <a:lnTo>
-                    <a:pt x="9355" y="3932"/>
-                  </a:lnTo>
-                  <a:lnTo>
-                    <a:pt x="9233" y="3712"/>
-                  </a:lnTo>
-                  <a:lnTo>
-                    <a:pt x="9086" y="3517"/>
-                  </a:lnTo>
-                  <a:lnTo>
-                    <a:pt x="8891" y="3346"/>
-                  </a:lnTo>
-                  <a:lnTo>
-                    <a:pt x="8696" y="3175"/>
-                  </a:lnTo>
-                  <a:lnTo>
-                    <a:pt x="8720" y="2906"/>
-                  </a:lnTo>
-                  <a:lnTo>
-                    <a:pt x="8720" y="2638"/>
-                  </a:lnTo>
-                  <a:lnTo>
-                    <a:pt x="8696" y="2394"/>
-                  </a:lnTo>
-                  <a:lnTo>
-                    <a:pt x="8622" y="2149"/>
-                  </a:lnTo>
-                  <a:lnTo>
-                    <a:pt x="8549" y="1930"/>
-                  </a:lnTo>
-                  <a:lnTo>
-                    <a:pt x="8451" y="1734"/>
-                  </a:lnTo>
-                  <a:lnTo>
-                    <a:pt x="8329" y="1563"/>
-                  </a:lnTo>
-                  <a:lnTo>
-                    <a:pt x="8183" y="1392"/>
-                  </a:lnTo>
-                  <a:lnTo>
-                    <a:pt x="8012" y="1246"/>
-                  </a:lnTo>
-                  <a:lnTo>
-                    <a:pt x="7841" y="1124"/>
-                  </a:lnTo>
-                  <a:lnTo>
-                    <a:pt x="7645" y="1026"/>
-                  </a:lnTo>
-                  <a:lnTo>
-                    <a:pt x="7426" y="953"/>
-                  </a:lnTo>
-                  <a:lnTo>
-                    <a:pt x="7181" y="904"/>
-                  </a:lnTo>
-                  <a:lnTo>
-                    <a:pt x="6937" y="855"/>
-                  </a:lnTo>
-                  <a:lnTo>
-                    <a:pt x="6668" y="855"/>
-                  </a:lnTo>
-                  <a:lnTo>
-                    <a:pt x="6400" y="904"/>
-                  </a:lnTo>
-                  <a:lnTo>
-                    <a:pt x="6229" y="684"/>
-                  </a:lnTo>
-                  <a:lnTo>
-                    <a:pt x="6058" y="489"/>
-                  </a:lnTo>
-                  <a:lnTo>
-                    <a:pt x="5863" y="342"/>
-                  </a:lnTo>
-                  <a:lnTo>
-                    <a:pt x="5643" y="220"/>
-                  </a:lnTo>
-                  <a:lnTo>
-                    <a:pt x="5447" y="122"/>
-                  </a:lnTo>
-                  <a:lnTo>
-                    <a:pt x="5228" y="49"/>
-                  </a:lnTo>
-                  <a:lnTo>
-                    <a:pt x="5008" y="0"/>
-                  </a:lnTo>
-                  <a:close/>
-                </a:path>
-              </a:pathLst>
-            </a:custGeom>
-            <a:solidFill>
-              <a:schemeClr val="accent4"/>
-            </a:solidFill>
-            <a:ln>
-              <a:noFill/>
-            </a:ln>
-            <a:effectLst>
-              <a:outerShdw blurRad="200025" dist="76200" dir="16200000" algn="bl" rotWithShape="0">
-                <a:schemeClr val="dk1">
-                  <a:alpha val="50000"/>
-                </a:schemeClr>
-              </a:outerShdw>
-            </a:effectLst>
-          </p:spPr>
-          <p:txBody>
-            <a:bodyPr spcFirstLastPara="1" wrap="square" lIns="91425" tIns="91425" rIns="91425" bIns="91425" anchor="ctr" anchorCtr="0">
-              <a:noAutofit/>
-            </a:bodyPr>
-            <a:lstStyle/>
-            <a:p>
-              <a:endParaRPr dirty="0">
-                <a:solidFill>
-                  <a:schemeClr val="dk1"/>
-                </a:solidFill>
-              </a:endParaRPr>
-            </a:p>
-          </p:txBody>
-        </p:sp>
-      </p:grpSp>
-      <p:pic>
-        <p:nvPicPr>
-          <p:cNvPr id="11" name="Gráfico 10" descr="Galo estrutura de tópicos">
-            <a:extLst>
-              <a:ext uri="{FF2B5EF4-FFF2-40B4-BE49-F238E27FC236}">
-                <a16:creationId xmlns:a16="http://schemas.microsoft.com/office/drawing/2014/main" id="{094EC4E7-49F8-4461-A7E8-13A116CE00F4}"/>
-              </a:ext>
-            </a:extLst>
-          </p:cNvPr>
-          <p:cNvPicPr>
-            <a:picLocks noChangeAspect="1"/>
-          </p:cNvPicPr>
-          <p:nvPr/>
-        </p:nvPicPr>
-        <p:blipFill>
-          <a:blip r:embed="rId3">
-            <a:extLst>
-              <a:ext uri="{96DAC541-7B7A-43D3-8B79-37D633B846F1}">
-                <asvg:svgBlip xmlns:asvg="http://schemas.microsoft.com/office/drawing/2016/SVG/main" r:embed="rId4"/>
-              </a:ext>
-            </a:extLst>
-          </a:blip>
-          <a:stretch>
-            <a:fillRect/>
-          </a:stretch>
-        </p:blipFill>
-        <p:spPr>
-          <a:xfrm>
-            <a:off x="-60512" y="4292651"/>
-            <a:ext cx="914400" cy="914400"/>
-          </a:xfrm>
-          <a:prstGeom prst="rect">
-            <a:avLst/>
-          </a:prstGeom>
-        </p:spPr>
-      </p:pic>
-    </p:spTree>
-  </p:cSld>
-  <p:clrMapOvr>
-    <a:masterClrMapping/>
-  </p:clrMapOvr>
-  <p:timing>
-    <p:tnLst>
-      <p:par>
-        <p:cTn id="1" dur="indefinite" restart="never" nodeType="tmRoot">
-          <p:childTnLst>
-            <p:seq concurrent="1" nextAc="seek">
-              <p:cTn id="2" dur="indefinite" nodeType="mainSeq">
-                <p:childTnLst>
-                  <p:par>
-                    <p:cTn id="3" fill="hold">
-                      <p:stCondLst>
-                        <p:cond delay="indefinite"/>
-                      </p:stCondLst>
-                      <p:childTnLst>
-                        <p:par>
-                          <p:cTn id="4" fill="hold">
-                            <p:stCondLst>
-                              <p:cond delay="0"/>
-                            </p:stCondLst>
-                            <p:childTnLst>
-                              <p:par>
-                                <p:cTn id="5" presetID="2" presetClass="entr" presetSubtype="4" fill="hold" grpId="0" nodeType="clickEffect">
-                                  <p:stCondLst>
-                                    <p:cond delay="0"/>
-                                  </p:stCondLst>
-                                  <p:childTnLst>
-                                    <p:set>
-                                      <p:cBhvr>
-                                        <p:cTn id="6" dur="1" fill="hold">
-                                          <p:stCondLst>
-                                            <p:cond delay="0"/>
-                                          </p:stCondLst>
-                                        </p:cTn>
-                                        <p:tgtEl>
-                                          <p:spTgt spid="225">
-                                            <p:txEl>
-                                              <p:pRg st="0" end="0"/>
-                                            </p:txEl>
-                                          </p:spTgt>
-                                        </p:tgtEl>
-                                        <p:attrNameLst>
-                                          <p:attrName>style.visibility</p:attrName>
-                                        </p:attrNameLst>
-                                      </p:cBhvr>
-                                      <p:to>
-                                        <p:strVal val="visible"/>
-                                      </p:to>
-                                    </p:set>
-                                    <p:anim calcmode="lin" valueType="num">
-                                      <p:cBhvr additive="base">
-                                        <p:cTn id="7" dur="500" fill="hold"/>
-                                        <p:tgtEl>
-                                          <p:spTgt spid="225">
-                                            <p:txEl>
-                                              <p:pRg st="0" end="0"/>
-                                            </p:txEl>
-                                          </p:spTgt>
-                                        </p:tgtEl>
-                                        <p:attrNameLst>
-                                          <p:attrName>ppt_x</p:attrName>
-                                        </p:attrNameLst>
-                                      </p:cBhvr>
-                                      <p:tavLst>
-                                        <p:tav tm="0">
-                                          <p:val>
-                                            <p:strVal val="#ppt_x"/>
-                                          </p:val>
-                                        </p:tav>
-                                        <p:tav tm="100000">
-                                          <p:val>
-                                            <p:strVal val="#ppt_x"/>
-                                          </p:val>
-                                        </p:tav>
-                                      </p:tavLst>
-                                    </p:anim>
-                                    <p:anim calcmode="lin" valueType="num">
-                                      <p:cBhvr additive="base">
-                                        <p:cTn id="8" dur="500" fill="hold"/>
-                                        <p:tgtEl>
-                                          <p:spTgt spid="225">
-                                            <p:txEl>
-                                              <p:pRg st="0" end="0"/>
-                                            </p:txEl>
-                                          </p:spTgt>
-                                        </p:tgtEl>
-                                        <p:attrNameLst>
-                                          <p:attrName>ppt_y</p:attrName>
-                                        </p:attrNameLst>
-                                      </p:cBhvr>
-                                      <p:tavLst>
-                                        <p:tav tm="0">
-                                          <p:val>
-                                            <p:strVal val="1+#ppt_h/2"/>
-                                          </p:val>
-                                        </p:tav>
-                                        <p:tav tm="100000">
-                                          <p:val>
-                                            <p:strVal val="#ppt_y"/>
-                                          </p:val>
-                                        </p:tav>
-                                      </p:tavLst>
-                                    </p:anim>
-                                  </p:childTnLst>
-                                </p:cTn>
-                              </p:par>
-                            </p:childTnLst>
-                          </p:cTn>
-                        </p:par>
-                      </p:childTnLst>
-                    </p:cTn>
-                  </p:par>
-                  <p:par>
-                    <p:cTn id="9" fill="hold">
-                      <p:stCondLst>
-                        <p:cond delay="indefinite"/>
-                      </p:stCondLst>
-                      <p:childTnLst>
-                        <p:par>
-                          <p:cTn id="10" fill="hold">
-                            <p:stCondLst>
-                              <p:cond delay="0"/>
-                            </p:stCondLst>
-                            <p:childTnLst>
-                              <p:par>
-                                <p:cTn id="11" presetID="2" presetClass="entr" presetSubtype="4" fill="hold" grpId="0" nodeType="clickEffect">
-                                  <p:stCondLst>
-                                    <p:cond delay="0"/>
-                                  </p:stCondLst>
-                                  <p:childTnLst>
-                                    <p:set>
-                                      <p:cBhvr>
-                                        <p:cTn id="12" dur="1" fill="hold">
-                                          <p:stCondLst>
-                                            <p:cond delay="0"/>
-                                          </p:stCondLst>
-                                        </p:cTn>
-                                        <p:tgtEl>
-                                          <p:spTgt spid="225">
-                                            <p:txEl>
-                                              <p:pRg st="1" end="1"/>
-                                            </p:txEl>
-                                          </p:spTgt>
-                                        </p:tgtEl>
-                                        <p:attrNameLst>
-                                          <p:attrName>style.visibility</p:attrName>
-                                        </p:attrNameLst>
-                                      </p:cBhvr>
-                                      <p:to>
-                                        <p:strVal val="visible"/>
-                                      </p:to>
-                                    </p:set>
-                                    <p:anim calcmode="lin" valueType="num">
-                                      <p:cBhvr additive="base">
-                                        <p:cTn id="13" dur="500" fill="hold"/>
-                                        <p:tgtEl>
-                                          <p:spTgt spid="225">
-                                            <p:txEl>
-                                              <p:pRg st="1" end="1"/>
-                                            </p:txEl>
-                                          </p:spTgt>
-                                        </p:tgtEl>
-                                        <p:attrNameLst>
-                                          <p:attrName>ppt_x</p:attrName>
-                                        </p:attrNameLst>
-                                      </p:cBhvr>
-                                      <p:tavLst>
-                                        <p:tav tm="0">
-                                          <p:val>
-                                            <p:strVal val="#ppt_x"/>
-                                          </p:val>
-                                        </p:tav>
-                                        <p:tav tm="100000">
-                                          <p:val>
-                                            <p:strVal val="#ppt_x"/>
-                                          </p:val>
-                                        </p:tav>
-                                      </p:tavLst>
-                                    </p:anim>
-                                    <p:anim calcmode="lin" valueType="num">
-                                      <p:cBhvr additive="base">
-                                        <p:cTn id="14" dur="500" fill="hold"/>
-                                        <p:tgtEl>
-                                          <p:spTgt spid="225">
-                                            <p:txEl>
-                                              <p:pRg st="1" end="1"/>
-                                            </p:txEl>
-                                          </p:spTgt>
-                                        </p:tgtEl>
-                                        <p:attrNameLst>
-                                          <p:attrName>ppt_y</p:attrName>
-                                        </p:attrNameLst>
-                                      </p:cBhvr>
-                                      <p:tavLst>
-                                        <p:tav tm="0">
-                                          <p:val>
-                                            <p:strVal val="1+#ppt_h/2"/>
-                                          </p:val>
-                                        </p:tav>
-                                        <p:tav tm="100000">
-                                          <p:val>
-                                            <p:strVal val="#ppt_y"/>
-                                          </p:val>
-                                        </p:tav>
-                                      </p:tavLst>
-                                    </p:anim>
-                                  </p:childTnLst>
-                                </p:cTn>
-                              </p:par>
-                            </p:childTnLst>
-                          </p:cTn>
-                        </p:par>
-                      </p:childTnLst>
-                    </p:cTn>
-                  </p:par>
-                  <p:par>
-                    <p:cTn id="15" fill="hold">
-                      <p:stCondLst>
-                        <p:cond delay="indefinite"/>
-                      </p:stCondLst>
-                      <p:childTnLst>
-                        <p:par>
-                          <p:cTn id="16" fill="hold">
-                            <p:stCondLst>
-                              <p:cond delay="0"/>
-                            </p:stCondLst>
-                            <p:childTnLst>
-                              <p:par>
-                                <p:cTn id="17" presetID="2" presetClass="entr" presetSubtype="4" fill="hold" grpId="0" nodeType="clickEffect">
-                                  <p:stCondLst>
-                                    <p:cond delay="0"/>
-                                  </p:stCondLst>
-                                  <p:childTnLst>
-                                    <p:set>
-                                      <p:cBhvr>
-                                        <p:cTn id="18" dur="1" fill="hold">
-                                          <p:stCondLst>
-                                            <p:cond delay="0"/>
-                                          </p:stCondLst>
-                                        </p:cTn>
-                                        <p:tgtEl>
-                                          <p:spTgt spid="226">
-                                            <p:txEl>
-                                              <p:pRg st="0" end="0"/>
-                                            </p:txEl>
-                                          </p:spTgt>
-                                        </p:tgtEl>
-                                        <p:attrNameLst>
-                                          <p:attrName>style.visibility</p:attrName>
-                                        </p:attrNameLst>
-                                      </p:cBhvr>
-                                      <p:to>
-                                        <p:strVal val="visible"/>
-                                      </p:to>
-                                    </p:set>
-                                    <p:anim calcmode="lin" valueType="num">
-                                      <p:cBhvr additive="base">
-                                        <p:cTn id="19" dur="500" fill="hold"/>
-                                        <p:tgtEl>
-                                          <p:spTgt spid="226">
-                                            <p:txEl>
-                                              <p:pRg st="0" end="0"/>
-                                            </p:txEl>
-                                          </p:spTgt>
-                                        </p:tgtEl>
-                                        <p:attrNameLst>
-                                          <p:attrName>ppt_x</p:attrName>
-                                        </p:attrNameLst>
-                                      </p:cBhvr>
-                                      <p:tavLst>
-                                        <p:tav tm="0">
-                                          <p:val>
-                                            <p:strVal val="#ppt_x"/>
-                                          </p:val>
-                                        </p:tav>
-                                        <p:tav tm="100000">
-                                          <p:val>
-                                            <p:strVal val="#ppt_x"/>
-                                          </p:val>
-                                        </p:tav>
-                                      </p:tavLst>
-                                    </p:anim>
-                                    <p:anim calcmode="lin" valueType="num">
-                                      <p:cBhvr additive="base">
-                                        <p:cTn id="20" dur="500" fill="hold"/>
-                                        <p:tgtEl>
-                                          <p:spTgt spid="226">
-                                            <p:txEl>
-                                              <p:pRg st="0" end="0"/>
-                                            </p:txEl>
-                                          </p:spTgt>
-                                        </p:tgtEl>
-                                        <p:attrNameLst>
-                                          <p:attrName>ppt_y</p:attrName>
-                                        </p:attrNameLst>
-                                      </p:cBhvr>
-                                      <p:tavLst>
-                                        <p:tav tm="0">
-                                          <p:val>
-                                            <p:strVal val="1+#ppt_h/2"/>
-                                          </p:val>
-                                        </p:tav>
-                                        <p:tav tm="100000">
-                                          <p:val>
-                                            <p:strVal val="#ppt_y"/>
-                                          </p:val>
-                                        </p:tav>
-                                      </p:tavLst>
-                                    </p:anim>
-                                  </p:childTnLst>
-                                </p:cTn>
-                              </p:par>
-                            </p:childTnLst>
-                          </p:cTn>
-                        </p:par>
-                      </p:childTnLst>
-                    </p:cTn>
-                  </p:par>
-                  <p:par>
-                    <p:cTn id="21" fill="hold">
-                      <p:stCondLst>
-                        <p:cond delay="indefinite"/>
-                      </p:stCondLst>
-                      <p:childTnLst>
-                        <p:par>
-                          <p:cTn id="22" fill="hold">
-                            <p:stCondLst>
-                              <p:cond delay="0"/>
-                            </p:stCondLst>
-                            <p:childTnLst>
-                              <p:par>
-                                <p:cTn id="23" presetID="2" presetClass="entr" presetSubtype="4" fill="hold" grpId="0" nodeType="clickEffect">
-                                  <p:stCondLst>
-                                    <p:cond delay="0"/>
-                                  </p:stCondLst>
-                                  <p:childTnLst>
-                                    <p:set>
-                                      <p:cBhvr>
-                                        <p:cTn id="24" dur="1" fill="hold">
-                                          <p:stCondLst>
-                                            <p:cond delay="0"/>
-                                          </p:stCondLst>
-                                        </p:cTn>
-                                        <p:tgtEl>
-                                          <p:spTgt spid="226">
-                                            <p:txEl>
-                                              <p:pRg st="1" end="1"/>
-                                            </p:txEl>
-                                          </p:spTgt>
-                                        </p:tgtEl>
-                                        <p:attrNameLst>
-                                          <p:attrName>style.visibility</p:attrName>
-                                        </p:attrNameLst>
-                                      </p:cBhvr>
-                                      <p:to>
-                                        <p:strVal val="visible"/>
-                                      </p:to>
-                                    </p:set>
-                                    <p:anim calcmode="lin" valueType="num">
-                                      <p:cBhvr additive="base">
-                                        <p:cTn id="25" dur="500" fill="hold"/>
-                                        <p:tgtEl>
-                                          <p:spTgt spid="226">
-                                            <p:txEl>
-                                              <p:pRg st="1" end="1"/>
-                                            </p:txEl>
-                                          </p:spTgt>
-                                        </p:tgtEl>
-                                        <p:attrNameLst>
-                                          <p:attrName>ppt_x</p:attrName>
-                                        </p:attrNameLst>
-                                      </p:cBhvr>
-                                      <p:tavLst>
-                                        <p:tav tm="0">
-                                          <p:val>
-                                            <p:strVal val="#ppt_x"/>
-                                          </p:val>
-                                        </p:tav>
-                                        <p:tav tm="100000">
-                                          <p:val>
-                                            <p:strVal val="#ppt_x"/>
-                                          </p:val>
-                                        </p:tav>
-                                      </p:tavLst>
-                                    </p:anim>
-                                    <p:anim calcmode="lin" valueType="num">
-                                      <p:cBhvr additive="base">
-                                        <p:cTn id="26" dur="500" fill="hold"/>
-                                        <p:tgtEl>
-                                          <p:spTgt spid="226">
-                                            <p:txEl>
-                                              <p:pRg st="1" end="1"/>
-                                            </p:txEl>
-                                          </p:spTgt>
-                                        </p:tgtEl>
-                                        <p:attrNameLst>
-                                          <p:attrName>ppt_y</p:attrName>
-                                        </p:attrNameLst>
-                                      </p:cBhvr>
-                                      <p:tavLst>
-                                        <p:tav tm="0">
-                                          <p:val>
-                                            <p:strVal val="1+#ppt_h/2"/>
-                                          </p:val>
-                                        </p:tav>
-                                        <p:tav tm="100000">
-                                          <p:val>
-                                            <p:strVal val="#ppt_y"/>
-                                          </p:val>
-                                        </p:tav>
-                                      </p:tavLst>
-                                    </p:anim>
-                                  </p:childTnLst>
-                                </p:cTn>
-                              </p:par>
-                            </p:childTnLst>
-                          </p:cTn>
-                        </p:par>
-                      </p:childTnLst>
-                    </p:cTn>
-                  </p:par>
-                  <p:par>
-                    <p:cTn id="27" fill="hold">
-                      <p:stCondLst>
-                        <p:cond delay="indefinite"/>
-                      </p:stCondLst>
-                      <p:childTnLst>
-                        <p:par>
-                          <p:cTn id="28" fill="hold">
-                            <p:stCondLst>
-                              <p:cond delay="0"/>
-                            </p:stCondLst>
-                            <p:childTnLst>
-                              <p:par>
-                                <p:cTn id="29" presetID="2" presetClass="entr" presetSubtype="4" fill="hold" grpId="0" nodeType="clickEffect">
-                                  <p:stCondLst>
-                                    <p:cond delay="0"/>
-                                  </p:stCondLst>
-                                  <p:childTnLst>
-                                    <p:set>
-                                      <p:cBhvr>
-                                        <p:cTn id="30" dur="1" fill="hold">
-                                          <p:stCondLst>
-                                            <p:cond delay="0"/>
-                                          </p:stCondLst>
-                                        </p:cTn>
-                                        <p:tgtEl>
-                                          <p:spTgt spid="227">
-                                            <p:txEl>
-                                              <p:pRg st="0" end="0"/>
-                                            </p:txEl>
-                                          </p:spTgt>
-                                        </p:tgtEl>
-                                        <p:attrNameLst>
-                                          <p:attrName>style.visibility</p:attrName>
-                                        </p:attrNameLst>
-                                      </p:cBhvr>
-                                      <p:to>
-                                        <p:strVal val="visible"/>
-                                      </p:to>
-                                    </p:set>
-                                    <p:anim calcmode="lin" valueType="num">
-                                      <p:cBhvr additive="base">
-                                        <p:cTn id="31" dur="500" fill="hold"/>
-                                        <p:tgtEl>
-                                          <p:spTgt spid="227">
-                                            <p:txEl>
-                                              <p:pRg st="0" end="0"/>
-                                            </p:txEl>
-                                          </p:spTgt>
-                                        </p:tgtEl>
-                                        <p:attrNameLst>
-                                          <p:attrName>ppt_x</p:attrName>
-                                        </p:attrNameLst>
-                                      </p:cBhvr>
-                                      <p:tavLst>
-                                        <p:tav tm="0">
-                                          <p:val>
-                                            <p:strVal val="#ppt_x"/>
-                                          </p:val>
-                                        </p:tav>
-                                        <p:tav tm="100000">
-                                          <p:val>
-                                            <p:strVal val="#ppt_x"/>
-                                          </p:val>
-                                        </p:tav>
-                                      </p:tavLst>
-                                    </p:anim>
-                                    <p:anim calcmode="lin" valueType="num">
-                                      <p:cBhvr additive="base">
-                                        <p:cTn id="32" dur="500" fill="hold"/>
-                                        <p:tgtEl>
-                                          <p:spTgt spid="227">
-                                            <p:txEl>
-                                              <p:pRg st="0" end="0"/>
-                                            </p:txEl>
-                                          </p:spTgt>
-                                        </p:tgtEl>
-                                        <p:attrNameLst>
-                                          <p:attrName>ppt_y</p:attrName>
-                                        </p:attrNameLst>
-                                      </p:cBhvr>
-                                      <p:tavLst>
-                                        <p:tav tm="0">
-                                          <p:val>
-                                            <p:strVal val="1+#ppt_h/2"/>
-                                          </p:val>
-                                        </p:tav>
-                                        <p:tav tm="100000">
-                                          <p:val>
-                                            <p:strVal val="#ppt_y"/>
-                                          </p:val>
-                                        </p:tav>
-                                      </p:tavLst>
-                                    </p:anim>
-                                  </p:childTnLst>
-                                </p:cTn>
-                              </p:par>
-                            </p:childTnLst>
-                          </p:cTn>
-                        </p:par>
-                      </p:childTnLst>
-                    </p:cTn>
-                  </p:par>
-                  <p:par>
-                    <p:cTn id="33" fill="hold">
-                      <p:stCondLst>
-                        <p:cond delay="indefinite"/>
-                      </p:stCondLst>
-                      <p:childTnLst>
-                        <p:par>
-                          <p:cTn id="34" fill="hold">
-                            <p:stCondLst>
-                              <p:cond delay="0"/>
-                            </p:stCondLst>
-                            <p:childTnLst>
-                              <p:par>
-                                <p:cTn id="35" presetID="2" presetClass="entr" presetSubtype="4" fill="hold" grpId="0" nodeType="clickEffect">
-                                  <p:stCondLst>
-                                    <p:cond delay="0"/>
-                                  </p:stCondLst>
-                                  <p:childTnLst>
-                                    <p:set>
-                                      <p:cBhvr>
-                                        <p:cTn id="36" dur="1" fill="hold">
-                                          <p:stCondLst>
-                                            <p:cond delay="0"/>
-                                          </p:stCondLst>
-                                        </p:cTn>
-                                        <p:tgtEl>
-                                          <p:spTgt spid="227">
-                                            <p:txEl>
-                                              <p:pRg st="1" end="1"/>
-                                            </p:txEl>
-                                          </p:spTgt>
-                                        </p:tgtEl>
-                                        <p:attrNameLst>
-                                          <p:attrName>style.visibility</p:attrName>
-                                        </p:attrNameLst>
-                                      </p:cBhvr>
-                                      <p:to>
-                                        <p:strVal val="visible"/>
-                                      </p:to>
-                                    </p:set>
-                                    <p:anim calcmode="lin" valueType="num">
-                                      <p:cBhvr additive="base">
-                                        <p:cTn id="37" dur="500" fill="hold"/>
-                                        <p:tgtEl>
-                                          <p:spTgt spid="227">
-                                            <p:txEl>
-                                              <p:pRg st="1" end="1"/>
-                                            </p:txEl>
-                                          </p:spTgt>
-                                        </p:tgtEl>
-                                        <p:attrNameLst>
-                                          <p:attrName>ppt_x</p:attrName>
-                                        </p:attrNameLst>
-                                      </p:cBhvr>
-                                      <p:tavLst>
-                                        <p:tav tm="0">
-                                          <p:val>
-                                            <p:strVal val="#ppt_x"/>
-                                          </p:val>
-                                        </p:tav>
-                                        <p:tav tm="100000">
-                                          <p:val>
-                                            <p:strVal val="#ppt_x"/>
-                                          </p:val>
-                                        </p:tav>
-                                      </p:tavLst>
-                                    </p:anim>
-                                    <p:anim calcmode="lin" valueType="num">
-                                      <p:cBhvr additive="base">
-                                        <p:cTn id="38" dur="500" fill="hold"/>
-                                        <p:tgtEl>
-                                          <p:spTgt spid="227">
-                                            <p:txEl>
-                                              <p:pRg st="1" end="1"/>
-                                            </p:txEl>
-                                          </p:spTgt>
-                                        </p:tgtEl>
-                                        <p:attrNameLst>
-                                          <p:attrName>ppt_y</p:attrName>
-                                        </p:attrNameLst>
-                                      </p:cBhvr>
-                                      <p:tavLst>
-                                        <p:tav tm="0">
-                                          <p:val>
-                                            <p:strVal val="1+#ppt_h/2"/>
-                                          </p:val>
-                                        </p:tav>
-                                        <p:tav tm="100000">
-                                          <p:val>
-                                            <p:strVal val="#ppt_y"/>
-                                          </p:val>
-                                        </p:tav>
-                                      </p:tavLst>
-                                    </p:anim>
-                                  </p:childTnLst>
-                                </p:cTn>
-                              </p:par>
-                            </p:childTnLst>
-                          </p:cTn>
-                        </p:par>
-                      </p:childTnLst>
-                    </p:cTn>
-                  </p:par>
-                </p:childTnLst>
-              </p:cTn>
-              <p:prevCondLst>
-                <p:cond evt="onPrev" delay="0">
-                  <p:tgtEl>
-                    <p:sldTgt/>
-                  </p:tgtEl>
-                </p:cond>
-              </p:prevCondLst>
-              <p:nextCondLst>
-                <p:cond evt="onNext" delay="0">
-                  <p:tgtEl>
-                    <p:sldTgt/>
-                  </p:tgtEl>
-                </p:cond>
-              </p:nextCondLst>
-            </p:seq>
-          </p:childTnLst>
-        </p:cTn>
-      </p:par>
-    </p:tnLst>
-    <p:bldLst>
-      <p:bldP spid="225" grpId="0" build="p"/>
-      <p:bldP spid="226" grpId="0" build="p"/>
-      <p:bldP spid="227" grpId="0" uiExpand="1" build="p"/>
-    </p:bldLst>
-  </p:timing>
-</p:sld>
-</file>
-
-<file path=ppt/slides/slide9.xml><?xml version="1.0" encoding="utf-8"?>
 <p:sld xmlns:a="http://schemas.openxmlformats.org/drawingml/2006/main" xmlns:r="http://schemas.openxmlformats.org/officeDocument/2006/relationships" xmlns:p="http://schemas.openxmlformats.org/presentationml/2006/main">
   <p:cSld>
     <p:bg>
@@ -23295,7 +22119,7 @@
         </p:nvSpPr>
         <p:spPr>
           <a:xfrm>
-            <a:off x="685801" y="1115415"/>
+            <a:off x="453697" y="980695"/>
             <a:ext cx="4566300" cy="470700"/>
           </a:xfrm>
           <a:prstGeom prst="rect">
@@ -23314,77 +22138,23 @@
                   <a:schemeClr val="accent5"/>
                 </a:solidFill>
               </a:rPr>
-              <a:t>Site </a:t>
-            </a:r>
-            <a:r>
-              <a:rPr lang="en">
-                <a:solidFill>
-                  <a:schemeClr val="accent5"/>
-                </a:solidFill>
-              </a:rPr>
-              <a:t>institucional </a:t>
+              <a:t>Site institucional </a:t>
             </a:r>
             <a:br>
-              <a:rPr lang="en">
+              <a:rPr lang="en" dirty="0">
                 <a:solidFill>
                   <a:schemeClr val="accent5"/>
                 </a:solidFill>
               </a:rPr>
             </a:br>
             <a:r>
-              <a:rPr lang="en">
-                <a:solidFill>
-                  <a:schemeClr val="accent5"/>
-                </a:solidFill>
-              </a:rPr>
-              <a:t>e</a:t>
-            </a:r>
-            <a:r>
               <a:rPr lang="en" dirty="0">
                 <a:solidFill>
                   <a:schemeClr val="accent5"/>
                 </a:solidFill>
               </a:rPr>
-              <a:t> </a:t>
+              <a:t>Login/Cadastro</a:t>
             </a:r>
-            <a:r>
-              <a:rPr lang="en">
-                <a:solidFill>
-                  <a:schemeClr val="accent5"/>
-                </a:solidFill>
-              </a:rPr>
-              <a:t>Dashboard</a:t>
-            </a:r>
-            <a:endParaRPr dirty="0"/>
-          </a:p>
-        </p:txBody>
-      </p:sp>
-      <p:sp>
-        <p:nvSpPr>
-          <p:cNvPr id="170" name="Google Shape;170;p17"/>
-          <p:cNvSpPr txBox="1">
-            <a:spLocks noGrp="1" noChangeAspect="1"/>
-          </p:cNvSpPr>
-          <p:nvPr>
-            <p:ph type="subTitle" idx="1"/>
-          </p:nvPr>
-        </p:nvSpPr>
-        <p:spPr>
-          <a:xfrm>
-            <a:off x="9144000" y="5143500"/>
-            <a:ext cx="4566300" cy="327300"/>
-          </a:xfrm>
-          <a:prstGeom prst="rect">
-            <a:avLst/>
-          </a:prstGeom>
-        </p:spPr>
-        <p:txBody>
-          <a:bodyPr spcFirstLastPara="1" wrap="square" lIns="0" tIns="0" rIns="0" bIns="0" anchor="t" anchorCtr="0">
-            <a:noAutofit/>
-          </a:bodyPr>
-          <a:lstStyle/>
-          <a:p>
-            <a:pPr marL="0" indent="0"/>
             <a:endParaRPr dirty="0"/>
           </a:p>
         </p:txBody>
@@ -23447,8 +22217,8 @@
         </p:blipFill>
         <p:spPr>
           <a:xfrm>
-            <a:off x="1536705" y="1705688"/>
-            <a:ext cx="3138151" cy="2980613"/>
+            <a:off x="914400" y="1216045"/>
+            <a:ext cx="3644895" cy="3461918"/>
           </a:xfrm>
           <a:prstGeom prst="rect">
             <a:avLst/>
@@ -23477,8 +22247,8 @@
         </p:blipFill>
         <p:spPr>
           <a:xfrm>
-            <a:off x="1885748" y="2356338"/>
-            <a:ext cx="2452009" cy="1383323"/>
+            <a:off x="1319888" y="1957005"/>
+            <a:ext cx="2847956" cy="1651217"/>
           </a:xfrm>
           <a:prstGeom prst="rect">
             <a:avLst/>
@@ -23489,6 +22259,336 @@
     <p:extLst>
       <p:ext uri="{BB962C8B-B14F-4D97-AF65-F5344CB8AC3E}">
         <p14:creationId xmlns:p14="http://schemas.microsoft.com/office/powerpoint/2010/main" val="4112275463"/>
+      </p:ext>
+    </p:extLst>
+  </p:cSld>
+  <p:clrMapOvr>
+    <a:masterClrMapping/>
+  </p:clrMapOvr>
+</p:sld>
+</file>
+
+<file path=ppt/slides/slide8.xml><?xml version="1.0" encoding="utf-8"?>
+<p:sld xmlns:a="http://schemas.openxmlformats.org/drawingml/2006/main" xmlns:r="http://schemas.openxmlformats.org/officeDocument/2006/relationships" xmlns:p="http://schemas.openxmlformats.org/presentationml/2006/main">
+  <p:cSld>
+    <p:spTree>
+      <p:nvGrpSpPr>
+        <p:cNvPr id="1" name="Shape 168"/>
+        <p:cNvGrpSpPr/>
+        <p:nvPr/>
+      </p:nvGrpSpPr>
+      <p:grpSpPr>
+        <a:xfrm>
+          <a:off x="0" y="0"/>
+          <a:ext cx="0" cy="0"/>
+          <a:chOff x="0" y="0"/>
+          <a:chExt cx="0" cy="0"/>
+        </a:xfrm>
+      </p:grpSpPr>
+      <p:sp>
+        <p:nvSpPr>
+          <p:cNvPr id="169" name="Google Shape;169;p17"/>
+          <p:cNvSpPr txBox="1">
+            <a:spLocks noGrp="1"/>
+          </p:cNvSpPr>
+          <p:nvPr>
+            <p:ph type="ctrTitle"/>
+          </p:nvPr>
+        </p:nvSpPr>
+        <p:spPr>
+          <a:xfrm>
+            <a:off x="457200" y="631379"/>
+            <a:ext cx="4566300" cy="470700"/>
+          </a:xfrm>
+          <a:prstGeom prst="rect">
+            <a:avLst/>
+          </a:prstGeom>
+        </p:spPr>
+        <p:txBody>
+          <a:bodyPr spcFirstLastPara="1" wrap="square" lIns="0" tIns="0" rIns="0" bIns="0" anchor="b" anchorCtr="0">
+            <a:noAutofit/>
+          </a:bodyPr>
+          <a:lstStyle/>
+          <a:p>
+            <a:r>
+              <a:rPr lang="en" dirty="0">
+                <a:solidFill>
+                  <a:schemeClr val="accent5"/>
+                </a:solidFill>
+              </a:rPr>
+              <a:t>DashBoard ChartJS</a:t>
+            </a:r>
+            <a:endParaRPr dirty="0">
+              <a:solidFill>
+                <a:schemeClr val="accent5"/>
+              </a:solidFill>
+            </a:endParaRPr>
+          </a:p>
+        </p:txBody>
+      </p:sp>
+      <p:pic>
+        <p:nvPicPr>
+          <p:cNvPr id="3" name="Gráfico 2" descr="Galo estrutura de tópicos">
+            <a:extLst>
+              <a:ext uri="{FF2B5EF4-FFF2-40B4-BE49-F238E27FC236}">
+                <a16:creationId xmlns:a16="http://schemas.microsoft.com/office/drawing/2014/main" id="{86E8DE5E-D280-40F9-94B5-D1354F82BFCE}"/>
+              </a:ext>
+            </a:extLst>
+          </p:cNvPr>
+          <p:cNvPicPr>
+            <a:picLocks noChangeAspect="1"/>
+          </p:cNvPicPr>
+          <p:nvPr/>
+        </p:nvPicPr>
+        <p:blipFill>
+          <a:blip r:embed="rId3">
+            <a:extLst>
+              <a:ext uri="{96DAC541-7B7A-43D3-8B79-37D633B846F1}">
+                <asvg:svgBlip xmlns:asvg="http://schemas.microsoft.com/office/drawing/2016/SVG/main" r:embed="rId4"/>
+              </a:ext>
+            </a:extLst>
+          </a:blip>
+          <a:stretch>
+            <a:fillRect/>
+          </a:stretch>
+        </p:blipFill>
+        <p:spPr>
+          <a:xfrm>
+            <a:off x="0" y="4229101"/>
+            <a:ext cx="914400" cy="914400"/>
+          </a:xfrm>
+          <a:prstGeom prst="rect">
+            <a:avLst/>
+          </a:prstGeom>
+        </p:spPr>
+      </p:pic>
+      <p:pic>
+        <p:nvPicPr>
+          <p:cNvPr id="4" name="Imagem 3">
+            <a:extLst>
+              <a:ext uri="{FF2B5EF4-FFF2-40B4-BE49-F238E27FC236}">
+                <a16:creationId xmlns:a16="http://schemas.microsoft.com/office/drawing/2014/main" id="{2C52534A-70A2-44CE-B0C6-9DBC38ED6B57}"/>
+              </a:ext>
+            </a:extLst>
+          </p:cNvPr>
+          <p:cNvPicPr>
+            <a:picLocks noChangeAspect="1"/>
+          </p:cNvPicPr>
+          <p:nvPr/>
+        </p:nvPicPr>
+        <p:blipFill>
+          <a:blip r:embed="rId5"/>
+          <a:stretch>
+            <a:fillRect/>
+          </a:stretch>
+        </p:blipFill>
+        <p:spPr>
+          <a:xfrm>
+            <a:off x="1078089" y="1435101"/>
+            <a:ext cx="2794000" cy="2794000"/>
+          </a:xfrm>
+          <a:prstGeom prst="rect">
+            <a:avLst/>
+          </a:prstGeom>
+        </p:spPr>
+      </p:pic>
+      <p:pic>
+        <p:nvPicPr>
+          <p:cNvPr id="11" name="Imagem 10">
+            <a:extLst>
+              <a:ext uri="{FF2B5EF4-FFF2-40B4-BE49-F238E27FC236}">
+                <a16:creationId xmlns:a16="http://schemas.microsoft.com/office/drawing/2014/main" id="{46EF847E-140A-4DBD-897C-0742C61C5F19}"/>
+              </a:ext>
+            </a:extLst>
+          </p:cNvPr>
+          <p:cNvPicPr>
+            <a:picLocks noChangeAspect="1"/>
+          </p:cNvPicPr>
+          <p:nvPr/>
+        </p:nvPicPr>
+        <p:blipFill>
+          <a:blip r:embed="rId6"/>
+          <a:stretch>
+            <a:fillRect/>
+          </a:stretch>
+        </p:blipFill>
+        <p:spPr>
+          <a:xfrm>
+            <a:off x="3538112" y="3312444"/>
+            <a:ext cx="1033888" cy="1033888"/>
+          </a:xfrm>
+          <a:prstGeom prst="rect">
+            <a:avLst/>
+          </a:prstGeom>
+        </p:spPr>
+      </p:pic>
+    </p:spTree>
+    <p:extLst>
+      <p:ext uri="{BB962C8B-B14F-4D97-AF65-F5344CB8AC3E}">
+        <p14:creationId xmlns:p14="http://schemas.microsoft.com/office/powerpoint/2010/main" val="463622560"/>
+      </p:ext>
+    </p:extLst>
+  </p:cSld>
+  <p:clrMapOvr>
+    <a:masterClrMapping/>
+  </p:clrMapOvr>
+</p:sld>
+</file>
+
+<file path=ppt/slides/slide9.xml><?xml version="1.0" encoding="utf-8"?>
+<p:sld xmlns:a="http://schemas.openxmlformats.org/drawingml/2006/main" xmlns:r="http://schemas.openxmlformats.org/officeDocument/2006/relationships" xmlns:p="http://schemas.openxmlformats.org/presentationml/2006/main">
+  <p:cSld>
+    <p:spTree>
+      <p:nvGrpSpPr>
+        <p:cNvPr id="1" name=""/>
+        <p:cNvGrpSpPr/>
+        <p:nvPr/>
+      </p:nvGrpSpPr>
+      <p:grpSpPr>
+        <a:xfrm>
+          <a:off x="0" y="0"/>
+          <a:ext cx="0" cy="0"/>
+          <a:chOff x="0" y="0"/>
+          <a:chExt cx="0" cy="0"/>
+        </a:xfrm>
+      </p:grpSpPr>
+      <p:sp>
+        <p:nvSpPr>
+          <p:cNvPr id="2" name="Título 1">
+            <a:extLst>
+              <a:ext uri="{FF2B5EF4-FFF2-40B4-BE49-F238E27FC236}">
+                <a16:creationId xmlns:a16="http://schemas.microsoft.com/office/drawing/2014/main" id="{051FF890-D2ED-40D1-9239-6B3E5B169701}"/>
+              </a:ext>
+            </a:extLst>
+          </p:cNvPr>
+          <p:cNvSpPr>
+            <a:spLocks noGrp="1"/>
+          </p:cNvSpPr>
+          <p:nvPr>
+            <p:ph type="title"/>
+          </p:nvPr>
+        </p:nvSpPr>
+        <p:spPr>
+          <a:xfrm>
+            <a:off x="396688" y="418532"/>
+            <a:ext cx="5215200" cy="716400"/>
+          </a:xfrm>
+        </p:spPr>
+        <p:txBody>
+          <a:bodyPr/>
+          <a:lstStyle/>
+          <a:p>
+            <a:r>
+              <a:rPr lang="pt-BR" sz="3600" dirty="0">
+                <a:solidFill>
+                  <a:schemeClr val="accent5"/>
+                </a:solidFill>
+              </a:rPr>
+              <a:t>Analytics</a:t>
+            </a:r>
+          </a:p>
+        </p:txBody>
+      </p:sp>
+      <p:sp>
+        <p:nvSpPr>
+          <p:cNvPr id="4" name="Espaço Reservado para Número de Slide 3">
+            <a:extLst>
+              <a:ext uri="{FF2B5EF4-FFF2-40B4-BE49-F238E27FC236}">
+                <a16:creationId xmlns:a16="http://schemas.microsoft.com/office/drawing/2014/main" id="{90AFEF2C-A131-450D-9DC0-636FD3578A57}"/>
+              </a:ext>
+            </a:extLst>
+          </p:cNvPr>
+          <p:cNvSpPr>
+            <a:spLocks noGrp="1"/>
+          </p:cNvSpPr>
+          <p:nvPr>
+            <p:ph type="sldNum" idx="12"/>
+          </p:nvPr>
+        </p:nvSpPr>
+        <p:spPr/>
+        <p:txBody>
+          <a:bodyPr/>
+          <a:lstStyle/>
+          <a:p>
+            <a:fld id="{00000000-1234-1234-1234-123412341234}" type="slidenum">
+              <a:rPr lang="pt-BR" smtClean="0"/>
+              <a:pPr/>
+              <a:t>9</a:t>
+            </a:fld>
+            <a:endParaRPr lang="pt-BR" dirty="0"/>
+          </a:p>
+        </p:txBody>
+      </p:sp>
+      <p:pic>
+        <p:nvPicPr>
+          <p:cNvPr id="5" name="Gráfico 4" descr="Galo estrutura de tópicos">
+            <a:extLst>
+              <a:ext uri="{FF2B5EF4-FFF2-40B4-BE49-F238E27FC236}">
+                <a16:creationId xmlns:a16="http://schemas.microsoft.com/office/drawing/2014/main" id="{CC63DB24-6FEF-4851-88B3-FAAAE72DC9CA}"/>
+              </a:ext>
+            </a:extLst>
+          </p:cNvPr>
+          <p:cNvPicPr>
+            <a:picLocks noChangeAspect="1"/>
+          </p:cNvPicPr>
+          <p:nvPr/>
+        </p:nvPicPr>
+        <p:blipFill>
+          <a:blip r:embed="rId2">
+            <a:extLst>
+              <a:ext uri="{96DAC541-7B7A-43D3-8B79-37D633B846F1}">
+                <asvg:svgBlip xmlns:asvg="http://schemas.microsoft.com/office/drawing/2016/SVG/main" r:embed="rId3"/>
+              </a:ext>
+            </a:extLst>
+          </a:blip>
+          <a:stretch>
+            <a:fillRect/>
+          </a:stretch>
+        </p:blipFill>
+        <p:spPr>
+          <a:xfrm>
+            <a:off x="-60512" y="4292651"/>
+            <a:ext cx="914400" cy="914400"/>
+          </a:xfrm>
+          <a:prstGeom prst="rect">
+            <a:avLst/>
+          </a:prstGeom>
+        </p:spPr>
+      </p:pic>
+      <p:pic>
+        <p:nvPicPr>
+          <p:cNvPr id="9" name="Imagem 8">
+            <a:extLst>
+              <a:ext uri="{FF2B5EF4-FFF2-40B4-BE49-F238E27FC236}">
+                <a16:creationId xmlns:a16="http://schemas.microsoft.com/office/drawing/2014/main" id="{FF9C5A34-3344-4DE5-9281-A05297B7F4D3}"/>
+              </a:ext>
+            </a:extLst>
+          </p:cNvPr>
+          <p:cNvPicPr>
+            <a:picLocks noChangeAspect="1"/>
+          </p:cNvPicPr>
+          <p:nvPr/>
+        </p:nvPicPr>
+        <p:blipFill>
+          <a:blip r:embed="rId4"/>
+          <a:stretch>
+            <a:fillRect/>
+          </a:stretch>
+        </p:blipFill>
+        <p:spPr>
+          <a:xfrm>
+            <a:off x="96965" y="1601394"/>
+            <a:ext cx="5627077" cy="741598"/>
+          </a:xfrm>
+          <a:prstGeom prst="rect">
+            <a:avLst/>
+          </a:prstGeom>
+        </p:spPr>
+      </p:pic>
+    </p:spTree>
+    <p:extLst>
+      <p:ext uri="{BB962C8B-B14F-4D97-AF65-F5344CB8AC3E}">
+        <p14:creationId xmlns:p14="http://schemas.microsoft.com/office/powerpoint/2010/main" val="3999652898"/>
       </p:ext>
     </p:extLst>
   </p:cSld>

--- a/SPRINT2/slide pi - Copia.pptx
+++ b/SPRINT2/slide pi - Copia.pptx
@@ -5,7 +5,7 @@
     <p:sldMasterId id="2147483660" r:id="rId1"/>
   </p:sldMasterIdLst>
   <p:notesMasterIdLst>
-    <p:notesMasterId r:id="rId18"/>
+    <p:notesMasterId r:id="rId16"/>
   </p:notesMasterIdLst>
   <p:sldIdLst>
     <p:sldId id="256" r:id="rId2"/>
@@ -21,37 +21,35 @@
     <p:sldId id="295" r:id="rId12"/>
     <p:sldId id="298" r:id="rId13"/>
     <p:sldId id="292" r:id="rId14"/>
-    <p:sldId id="293" r:id="rId15"/>
-    <p:sldId id="299" r:id="rId16"/>
-    <p:sldId id="278" r:id="rId17"/>
+    <p:sldId id="278" r:id="rId15"/>
   </p:sldIdLst>
   <p:sldSz cx="9144000" cy="5143500" type="screen16x9"/>
   <p:notesSz cx="6858000" cy="9144000"/>
   <p:embeddedFontLst>
     <p:embeddedFont>
       <p:font typeface="Calibri" panose="020F0502020204030204" pitchFamily="34" charset="0"/>
-      <p:regular r:id="rId19"/>
-      <p:bold r:id="rId20"/>
-      <p:italic r:id="rId21"/>
-      <p:boldItalic r:id="rId22"/>
+      <p:regular r:id="rId17"/>
+      <p:bold r:id="rId18"/>
+      <p:italic r:id="rId19"/>
+      <p:boldItalic r:id="rId20"/>
     </p:embeddedFont>
     <p:embeddedFont>
       <p:font typeface="Kulim Park" panose="020B0604020202020204" charset="0"/>
-      <p:regular r:id="rId23"/>
-      <p:bold r:id="rId24"/>
-      <p:italic r:id="rId25"/>
-      <p:boldItalic r:id="rId26"/>
+      <p:regular r:id="rId21"/>
+      <p:bold r:id="rId22"/>
+      <p:italic r:id="rId23"/>
+      <p:boldItalic r:id="rId24"/>
     </p:embeddedFont>
     <p:embeddedFont>
       <p:font typeface="Kulim Park Light" panose="020B0604020202020204" charset="0"/>
-      <p:regular r:id="rId27"/>
-      <p:bold r:id="rId28"/>
-      <p:italic r:id="rId29"/>
-      <p:boldItalic r:id="rId30"/>
+      <p:regular r:id="rId25"/>
+      <p:bold r:id="rId26"/>
+      <p:italic r:id="rId27"/>
+      <p:boldItalic r:id="rId28"/>
     </p:embeddedFont>
     <p:embeddedFont>
       <p:font typeface="Poiret One" panose="020B0604020202020204" charset="0"/>
-      <p:regular r:id="rId31"/>
+      <p:regular r:id="rId29"/>
     </p:embeddedFont>
   </p:embeddedFontLst>
   <p:defaultTextStyle>
@@ -301,8 +299,6 @@
             <p14:sldId id="295"/>
             <p14:sldId id="298"/>
             <p14:sldId id="292"/>
-            <p14:sldId id="293"/>
-            <p14:sldId id="299"/>
             <p14:sldId id="278"/>
           </p14:sldIdLst>
         </p14:section>
@@ -14543,6 +14539,28 @@
 <file path=ppt/slides/slide11.xml><?xml version="1.0" encoding="utf-8"?>
 <p:sld xmlns:a="http://schemas.openxmlformats.org/drawingml/2006/main" xmlns:r="http://schemas.openxmlformats.org/officeDocument/2006/relationships" xmlns:p="http://schemas.openxmlformats.org/presentationml/2006/main">
   <p:cSld>
+    <p:bg>
+      <p:bgPr>
+        <a:gradFill>
+          <a:gsLst>
+            <a:gs pos="0">
+              <a:schemeClr val="bg1"/>
+            </a:gs>
+            <a:gs pos="78000">
+              <a:schemeClr val="bg1"/>
+            </a:gs>
+            <a:gs pos="100000">
+              <a:schemeClr val="bg1"/>
+            </a:gs>
+          </a:gsLst>
+          <a:path path="circle">
+            <a:fillToRect l="50000" t="50000" r="50000" b="50000"/>
+          </a:path>
+          <a:tileRect/>
+        </a:gradFill>
+        <a:effectLst/>
+      </p:bgPr>
+    </p:bg>
     <p:spTree>
       <p:nvGrpSpPr>
         <p:cNvPr id="1" name=""/>
@@ -14605,7 +14623,7 @@
         </p:nvSpPr>
         <p:spPr>
           <a:xfrm>
-            <a:off x="0" y="342900"/>
+            <a:off x="0" y="34874"/>
             <a:ext cx="5214938" cy="717550"/>
           </a:xfrm>
         </p:spPr>
@@ -14613,6 +14631,7 @@
           <a:bodyPr/>
           <a:lstStyle/>
           <a:p>
+            <a:pPr algn="ctr"/>
             <a:r>
               <a:rPr lang="pt-BR" sz="3600" dirty="0">
                 <a:solidFill>
@@ -14652,7 +14671,7 @@
         </p:blipFill>
         <p:spPr>
           <a:xfrm>
-            <a:off x="-60512" y="4292651"/>
+            <a:off x="8297735" y="4104017"/>
             <a:ext cx="914400" cy="914400"/>
           </a:xfrm>
           <a:prstGeom prst="rect">
@@ -14682,8 +14701,8 @@
         </p:blipFill>
         <p:spPr>
           <a:xfrm>
-            <a:off x="283799" y="1093487"/>
-            <a:ext cx="5070612" cy="3199164"/>
+            <a:off x="1442990" y="902492"/>
+            <a:ext cx="6097987" cy="3847359"/>
           </a:xfrm>
           <a:prstGeom prst="rect">
             <a:avLst/>
@@ -15225,401 +15244,6 @@
 </file>
 
 <file path=ppt/slides/slide14.xml><?xml version="1.0" encoding="utf-8"?>
-<p:sld xmlns:a="http://schemas.openxmlformats.org/drawingml/2006/main" xmlns:r="http://schemas.openxmlformats.org/officeDocument/2006/relationships" xmlns:p="http://schemas.openxmlformats.org/presentationml/2006/main">
-  <p:cSld>
-    <p:spTree>
-      <p:nvGrpSpPr>
-        <p:cNvPr id="1" name=""/>
-        <p:cNvGrpSpPr/>
-        <p:nvPr/>
-      </p:nvGrpSpPr>
-      <p:grpSpPr>
-        <a:xfrm>
-          <a:off x="0" y="0"/>
-          <a:ext cx="0" cy="0"/>
-          <a:chOff x="0" y="0"/>
-          <a:chExt cx="0" cy="0"/>
-        </a:xfrm>
-      </p:grpSpPr>
-      <p:sp>
-        <p:nvSpPr>
-          <p:cNvPr id="2" name="Título 1">
-            <a:extLst>
-              <a:ext uri="{FF2B5EF4-FFF2-40B4-BE49-F238E27FC236}">
-                <a16:creationId xmlns:a16="http://schemas.microsoft.com/office/drawing/2014/main" id="{051FF890-D2ED-40D1-9239-6B3E5B169701}"/>
-              </a:ext>
-            </a:extLst>
-          </p:cNvPr>
-          <p:cNvSpPr>
-            <a:spLocks noGrp="1"/>
-          </p:cNvSpPr>
-          <p:nvPr>
-            <p:ph type="title"/>
-          </p:nvPr>
-        </p:nvSpPr>
-        <p:spPr>
-          <a:xfrm>
-            <a:off x="457200" y="606101"/>
-            <a:ext cx="5215200" cy="716400"/>
-          </a:xfrm>
-        </p:spPr>
-        <p:txBody>
-          <a:bodyPr/>
-          <a:lstStyle/>
-          <a:p>
-            <a:r>
-              <a:rPr lang="pt-BR" dirty="0">
-                <a:solidFill>
-                  <a:schemeClr val="accent5"/>
-                </a:solidFill>
-              </a:rPr>
-              <a:t>Sensores utilizados</a:t>
-            </a:r>
-          </a:p>
-        </p:txBody>
-      </p:sp>
-      <p:sp>
-        <p:nvSpPr>
-          <p:cNvPr id="3" name="Espaço Reservado para Texto 2">
-            <a:extLst>
-              <a:ext uri="{FF2B5EF4-FFF2-40B4-BE49-F238E27FC236}">
-                <a16:creationId xmlns:a16="http://schemas.microsoft.com/office/drawing/2014/main" id="{C0475109-7880-4C4A-B506-591DD68380BA}"/>
-              </a:ext>
-            </a:extLst>
-          </p:cNvPr>
-          <p:cNvSpPr>
-            <a:spLocks noGrp="1"/>
-          </p:cNvSpPr>
-          <p:nvPr>
-            <p:ph type="body" idx="1"/>
-          </p:nvPr>
-        </p:nvSpPr>
-        <p:spPr>
-          <a:xfrm>
-            <a:off x="457200" y="1605171"/>
-            <a:ext cx="5215200" cy="2944800"/>
-          </a:xfrm>
-        </p:spPr>
-        <p:txBody>
-          <a:bodyPr/>
-          <a:lstStyle/>
-          <a:p>
-            <a:r>
-              <a:rPr lang="pt-BR" dirty="0"/>
-              <a:t>Sensor Utilizado: LM35.</a:t>
-            </a:r>
-          </a:p>
-          <a:p>
-            <a:r>
-              <a:rPr lang="pt-BR" dirty="0"/>
-              <a:t>Configurado para funcionar entre 5</a:t>
-            </a:r>
-            <a:r>
-              <a:rPr lang="pt-BR" b="0" i="0" dirty="0">
-                <a:solidFill>
-                  <a:srgbClr val="202124"/>
-                </a:solidFill>
-                <a:effectLst/>
-                <a:latin typeface="arial" panose="020B0604020202020204" pitchFamily="34" charset="0"/>
-              </a:rPr>
-              <a:t>°</a:t>
-            </a:r>
-            <a:r>
-              <a:rPr lang="pt-BR" dirty="0"/>
-              <a:t> e 50</a:t>
-            </a:r>
-            <a:r>
-              <a:rPr lang="pt-BR" b="0" i="0" dirty="0">
-                <a:solidFill>
-                  <a:srgbClr val="202124"/>
-                </a:solidFill>
-                <a:effectLst/>
-                <a:latin typeface="arial" panose="020B0604020202020204" pitchFamily="34" charset="0"/>
-              </a:rPr>
-              <a:t>°</a:t>
-            </a:r>
-            <a:r>
-              <a:rPr lang="pt-BR" dirty="0"/>
-              <a:t> graus celsius.</a:t>
-            </a:r>
-          </a:p>
-          <a:p>
-            <a:endParaRPr lang="pt-BR" dirty="0"/>
-          </a:p>
-        </p:txBody>
-      </p:sp>
-      <p:sp>
-        <p:nvSpPr>
-          <p:cNvPr id="4" name="Espaço Reservado para Número de Slide 3">
-            <a:extLst>
-              <a:ext uri="{FF2B5EF4-FFF2-40B4-BE49-F238E27FC236}">
-                <a16:creationId xmlns:a16="http://schemas.microsoft.com/office/drawing/2014/main" id="{90AFEF2C-A131-450D-9DC0-636FD3578A57}"/>
-              </a:ext>
-            </a:extLst>
-          </p:cNvPr>
-          <p:cNvSpPr>
-            <a:spLocks noGrp="1"/>
-          </p:cNvSpPr>
-          <p:nvPr>
-            <p:ph type="sldNum" idx="12"/>
-          </p:nvPr>
-        </p:nvSpPr>
-        <p:spPr/>
-        <p:txBody>
-          <a:bodyPr/>
-          <a:lstStyle/>
-          <a:p>
-            <a:fld id="{00000000-1234-1234-1234-123412341234}" type="slidenum">
-              <a:rPr lang="pt-BR" smtClean="0"/>
-              <a:pPr/>
-              <a:t>14</a:t>
-            </a:fld>
-            <a:endParaRPr lang="pt-BR" dirty="0"/>
-          </a:p>
-        </p:txBody>
-      </p:sp>
-      <p:pic>
-        <p:nvPicPr>
-          <p:cNvPr id="5" name="Gráfico 4" descr="Galo estrutura de tópicos">
-            <a:extLst>
-              <a:ext uri="{FF2B5EF4-FFF2-40B4-BE49-F238E27FC236}">
-                <a16:creationId xmlns:a16="http://schemas.microsoft.com/office/drawing/2014/main" id="{CC63DB24-6FEF-4851-88B3-FAAAE72DC9CA}"/>
-              </a:ext>
-            </a:extLst>
-          </p:cNvPr>
-          <p:cNvPicPr>
-            <a:picLocks noChangeAspect="1"/>
-          </p:cNvPicPr>
-          <p:nvPr/>
-        </p:nvPicPr>
-        <p:blipFill>
-          <a:blip r:embed="rId2">
-            <a:extLst>
-              <a:ext uri="{96DAC541-7B7A-43D3-8B79-37D633B846F1}">
-                <asvg:svgBlip xmlns:asvg="http://schemas.microsoft.com/office/drawing/2016/SVG/main" r:embed="rId3"/>
-              </a:ext>
-            </a:extLst>
-          </a:blip>
-          <a:stretch>
-            <a:fillRect/>
-          </a:stretch>
-        </p:blipFill>
-        <p:spPr>
-          <a:xfrm>
-            <a:off x="-60512" y="4292651"/>
-            <a:ext cx="914400" cy="914400"/>
-          </a:xfrm>
-          <a:prstGeom prst="rect">
-            <a:avLst/>
-          </a:prstGeom>
-        </p:spPr>
-      </p:pic>
-    </p:spTree>
-    <p:extLst>
-      <p:ext uri="{BB962C8B-B14F-4D97-AF65-F5344CB8AC3E}">
-        <p14:creationId xmlns:p14="http://schemas.microsoft.com/office/powerpoint/2010/main" val="1885425496"/>
-      </p:ext>
-    </p:extLst>
-  </p:cSld>
-  <p:clrMapOvr>
-    <a:masterClrMapping/>
-  </p:clrMapOvr>
-</p:sld>
-</file>
-
-<file path=ppt/slides/slide15.xml><?xml version="1.0" encoding="utf-8"?>
-<p:sld xmlns:a="http://schemas.openxmlformats.org/drawingml/2006/main" xmlns:r="http://schemas.openxmlformats.org/officeDocument/2006/relationships" xmlns:p="http://schemas.openxmlformats.org/presentationml/2006/main">
-  <p:cSld>
-    <p:spTree>
-      <p:nvGrpSpPr>
-        <p:cNvPr id="1" name=""/>
-        <p:cNvGrpSpPr/>
-        <p:nvPr/>
-      </p:nvGrpSpPr>
-      <p:grpSpPr>
-        <a:xfrm>
-          <a:off x="0" y="0"/>
-          <a:ext cx="0" cy="0"/>
-          <a:chOff x="0" y="0"/>
-          <a:chExt cx="0" cy="0"/>
-        </a:xfrm>
-      </p:grpSpPr>
-      <p:sp>
-        <p:nvSpPr>
-          <p:cNvPr id="2" name="Título 1">
-            <a:extLst>
-              <a:ext uri="{FF2B5EF4-FFF2-40B4-BE49-F238E27FC236}">
-                <a16:creationId xmlns:a16="http://schemas.microsoft.com/office/drawing/2014/main" id="{051FF890-D2ED-40D1-9239-6B3E5B169701}"/>
-              </a:ext>
-            </a:extLst>
-          </p:cNvPr>
-          <p:cNvSpPr>
-            <a:spLocks noGrp="1"/>
-          </p:cNvSpPr>
-          <p:nvPr>
-            <p:ph type="title"/>
-          </p:nvPr>
-        </p:nvSpPr>
-        <p:spPr>
-          <a:xfrm>
-            <a:off x="457200" y="606101"/>
-            <a:ext cx="5215200" cy="716400"/>
-          </a:xfrm>
-        </p:spPr>
-        <p:txBody>
-          <a:bodyPr/>
-          <a:lstStyle/>
-          <a:p>
-            <a:r>
-              <a:rPr lang="pt-BR" dirty="0">
-                <a:solidFill>
-                  <a:schemeClr val="accent5"/>
-                </a:solidFill>
-              </a:rPr>
-              <a:t>API NODE</a:t>
-            </a:r>
-          </a:p>
-        </p:txBody>
-      </p:sp>
-      <p:sp>
-        <p:nvSpPr>
-          <p:cNvPr id="3" name="Espaço Reservado para Texto 2">
-            <a:extLst>
-              <a:ext uri="{FF2B5EF4-FFF2-40B4-BE49-F238E27FC236}">
-                <a16:creationId xmlns:a16="http://schemas.microsoft.com/office/drawing/2014/main" id="{C0475109-7880-4C4A-B506-591DD68380BA}"/>
-              </a:ext>
-            </a:extLst>
-          </p:cNvPr>
-          <p:cNvSpPr>
-            <a:spLocks noGrp="1"/>
-          </p:cNvSpPr>
-          <p:nvPr>
-            <p:ph type="body" idx="1"/>
-          </p:nvPr>
-        </p:nvSpPr>
-        <p:spPr>
-          <a:xfrm>
-            <a:off x="457200" y="1605171"/>
-            <a:ext cx="5215200" cy="2944800"/>
-          </a:xfrm>
-        </p:spPr>
-        <p:txBody>
-          <a:bodyPr/>
-          <a:lstStyle/>
-          <a:p>
-            <a:pPr marL="0" indent="0">
-              <a:buNone/>
-            </a:pPr>
-            <a:r>
-              <a:rPr lang="pt-BR" dirty="0">
-                <a:solidFill>
-                  <a:schemeClr val="tx1"/>
-                </a:solidFill>
-              </a:rPr>
-              <a:t>Ela gera um gráfico, que será incorporado ao nosso site</a:t>
-            </a:r>
-          </a:p>
-          <a:p>
-            <a:pPr marL="0" indent="0">
-              <a:buNone/>
-            </a:pPr>
-            <a:r>
-              <a:rPr lang="pt-BR" dirty="0">
-                <a:solidFill>
-                  <a:schemeClr val="tx1"/>
-                </a:solidFill>
-              </a:rPr>
-              <a:t> </a:t>
-            </a:r>
-          </a:p>
-          <a:p>
-            <a:pPr marL="88898" indent="0">
-              <a:buNone/>
-            </a:pPr>
-            <a:endParaRPr lang="pt-BR" dirty="0"/>
-          </a:p>
-        </p:txBody>
-      </p:sp>
-      <p:sp>
-        <p:nvSpPr>
-          <p:cNvPr id="4" name="Espaço Reservado para Número de Slide 3">
-            <a:extLst>
-              <a:ext uri="{FF2B5EF4-FFF2-40B4-BE49-F238E27FC236}">
-                <a16:creationId xmlns:a16="http://schemas.microsoft.com/office/drawing/2014/main" id="{90AFEF2C-A131-450D-9DC0-636FD3578A57}"/>
-              </a:ext>
-            </a:extLst>
-          </p:cNvPr>
-          <p:cNvSpPr>
-            <a:spLocks noGrp="1"/>
-          </p:cNvSpPr>
-          <p:nvPr>
-            <p:ph type="sldNum" idx="12"/>
-          </p:nvPr>
-        </p:nvSpPr>
-        <p:spPr/>
-        <p:txBody>
-          <a:bodyPr/>
-          <a:lstStyle/>
-          <a:p>
-            <a:fld id="{00000000-1234-1234-1234-123412341234}" type="slidenum">
-              <a:rPr lang="pt-BR" smtClean="0"/>
-              <a:pPr/>
-              <a:t>15</a:t>
-            </a:fld>
-            <a:endParaRPr lang="pt-BR" dirty="0"/>
-          </a:p>
-        </p:txBody>
-      </p:sp>
-      <p:pic>
-        <p:nvPicPr>
-          <p:cNvPr id="5" name="Gráfico 4" descr="Galo estrutura de tópicos">
-            <a:extLst>
-              <a:ext uri="{FF2B5EF4-FFF2-40B4-BE49-F238E27FC236}">
-                <a16:creationId xmlns:a16="http://schemas.microsoft.com/office/drawing/2014/main" id="{CC63DB24-6FEF-4851-88B3-FAAAE72DC9CA}"/>
-              </a:ext>
-            </a:extLst>
-          </p:cNvPr>
-          <p:cNvPicPr>
-            <a:picLocks noChangeAspect="1"/>
-          </p:cNvPicPr>
-          <p:nvPr/>
-        </p:nvPicPr>
-        <p:blipFill>
-          <a:blip r:embed="rId2">
-            <a:extLst>
-              <a:ext uri="{96DAC541-7B7A-43D3-8B79-37D633B846F1}">
-                <asvg:svgBlip xmlns:asvg="http://schemas.microsoft.com/office/drawing/2016/SVG/main" r:embed="rId3"/>
-              </a:ext>
-            </a:extLst>
-          </a:blip>
-          <a:stretch>
-            <a:fillRect/>
-          </a:stretch>
-        </p:blipFill>
-        <p:spPr>
-          <a:xfrm>
-            <a:off x="-60512" y="4292651"/>
-            <a:ext cx="914400" cy="914400"/>
-          </a:xfrm>
-          <a:prstGeom prst="rect">
-            <a:avLst/>
-          </a:prstGeom>
-        </p:spPr>
-      </p:pic>
-    </p:spTree>
-    <p:extLst>
-      <p:ext uri="{BB962C8B-B14F-4D97-AF65-F5344CB8AC3E}">
-        <p14:creationId xmlns:p14="http://schemas.microsoft.com/office/powerpoint/2010/main" val="3113295613"/>
-      </p:ext>
-    </p:extLst>
-  </p:cSld>
-  <p:clrMapOvr>
-    <a:masterClrMapping/>
-  </p:clrMapOvr>
-</p:sld>
-</file>
-
-<file path=ppt/slides/slide16.xml><?xml version="1.0" encoding="utf-8"?>
 <p:sld xmlns:a="http://schemas.openxmlformats.org/drawingml/2006/main" xmlns:r="http://schemas.openxmlformats.org/officeDocument/2006/relationships" xmlns:p="http://schemas.openxmlformats.org/presentationml/2006/main">
   <p:cSld>
     <p:spTree>
@@ -21936,39 +21560,6 @@
       </p:sp>
       <p:sp>
         <p:nvSpPr>
-          <p:cNvPr id="185" name="Google Shape;185;p19"/>
-          <p:cNvSpPr txBox="1">
-            <a:spLocks noGrp="1"/>
-          </p:cNvSpPr>
-          <p:nvPr>
-            <p:ph type="body" idx="1"/>
-          </p:nvPr>
-        </p:nvSpPr>
-        <p:spPr>
-          <a:xfrm>
-            <a:off x="4701822" y="5453400"/>
-            <a:ext cx="5215200" cy="2944800"/>
-          </a:xfrm>
-          <a:prstGeom prst="rect">
-            <a:avLst/>
-          </a:prstGeom>
-        </p:spPr>
-        <p:txBody>
-          <a:bodyPr spcFirstLastPara="1" wrap="square" lIns="0" tIns="0" rIns="0" bIns="0" anchor="t" anchorCtr="0">
-            <a:noAutofit/>
-          </a:bodyPr>
-          <a:lstStyle/>
-          <a:p>
-            <a:endParaRPr lang="pt-BR" b="1" dirty="0">
-              <a:solidFill>
-                <a:schemeClr val="bg2"/>
-              </a:solidFill>
-            </a:endParaRPr>
-          </a:p>
-        </p:txBody>
-      </p:sp>
-      <p:sp>
-        <p:nvSpPr>
           <p:cNvPr id="186" name="Google Shape;186;p19"/>
           <p:cNvSpPr txBox="1">
             <a:spLocks noGrp="1"/>

--- a/SPRINT2/slide pi - Copia.pptx
+++ b/SPRINT2/slide pi - Copia.pptx
@@ -5,7 +5,7 @@
     <p:sldMasterId id="2147483660" r:id="rId1"/>
   </p:sldMasterIdLst>
   <p:notesMasterIdLst>
-    <p:notesMasterId r:id="rId16"/>
+    <p:notesMasterId r:id="rId15"/>
   </p:notesMasterIdLst>
   <p:sldIdLst>
     <p:sldId id="256" r:id="rId2"/>
@@ -20,36 +20,35 @@
     <p:sldId id="264" r:id="rId11"/>
     <p:sldId id="295" r:id="rId12"/>
     <p:sldId id="298" r:id="rId13"/>
-    <p:sldId id="292" r:id="rId14"/>
-    <p:sldId id="278" r:id="rId15"/>
+    <p:sldId id="278" r:id="rId14"/>
   </p:sldIdLst>
   <p:sldSz cx="9144000" cy="5143500" type="screen16x9"/>
   <p:notesSz cx="6858000" cy="9144000"/>
   <p:embeddedFontLst>
     <p:embeddedFont>
       <p:font typeface="Calibri" panose="020F0502020204030204" pitchFamily="34" charset="0"/>
-      <p:regular r:id="rId17"/>
-      <p:bold r:id="rId18"/>
-      <p:italic r:id="rId19"/>
-      <p:boldItalic r:id="rId20"/>
+      <p:regular r:id="rId16"/>
+      <p:bold r:id="rId17"/>
+      <p:italic r:id="rId18"/>
+      <p:boldItalic r:id="rId19"/>
     </p:embeddedFont>
     <p:embeddedFont>
       <p:font typeface="Kulim Park" panose="020B0604020202020204" charset="0"/>
-      <p:regular r:id="rId21"/>
-      <p:bold r:id="rId22"/>
-      <p:italic r:id="rId23"/>
-      <p:boldItalic r:id="rId24"/>
+      <p:regular r:id="rId20"/>
+      <p:bold r:id="rId21"/>
+      <p:italic r:id="rId22"/>
+      <p:boldItalic r:id="rId23"/>
     </p:embeddedFont>
     <p:embeddedFont>
       <p:font typeface="Kulim Park Light" panose="020B0604020202020204" charset="0"/>
-      <p:regular r:id="rId25"/>
-      <p:bold r:id="rId26"/>
-      <p:italic r:id="rId27"/>
-      <p:boldItalic r:id="rId28"/>
+      <p:regular r:id="rId24"/>
+      <p:bold r:id="rId25"/>
+      <p:italic r:id="rId26"/>
+      <p:boldItalic r:id="rId27"/>
     </p:embeddedFont>
     <p:embeddedFont>
       <p:font typeface="Poiret One" panose="020B0604020202020204" charset="0"/>
-      <p:regular r:id="rId29"/>
+      <p:regular r:id="rId28"/>
     </p:embeddedFont>
   </p:embeddedFontLst>
   <p:defaultTextStyle>
@@ -298,7 +297,6 @@
             <p14:sldId id="264"/>
             <p14:sldId id="295"/>
             <p14:sldId id="298"/>
-            <p14:sldId id="292"/>
             <p14:sldId id="278"/>
           </p14:sldIdLst>
         </p14:section>
@@ -14623,7 +14621,7 @@
         </p:nvSpPr>
         <p:spPr>
           <a:xfrm>
-            <a:off x="0" y="34874"/>
+            <a:off x="80512" y="128498"/>
             <a:ext cx="5214938" cy="717550"/>
           </a:xfrm>
         </p:spPr>
@@ -14638,7 +14636,7 @@
                   <a:schemeClr val="accent5"/>
                 </a:solidFill>
               </a:rPr>
-              <a:t>Tabelas e modelo lógico</a:t>
+              <a:t>Modelo lógico e tabelas</a:t>
             </a:r>
           </a:p>
         </p:txBody>
@@ -14701,8 +14699,8 @@
         </p:blipFill>
         <p:spPr>
           <a:xfrm>
-            <a:off x="1442990" y="902492"/>
-            <a:ext cx="6097987" cy="3847359"/>
+            <a:off x="1840089" y="1078494"/>
+            <a:ext cx="6006682" cy="3789753"/>
           </a:xfrm>
           <a:prstGeom prst="rect">
             <a:avLst/>
@@ -14770,8 +14768,8 @@
         </p:nvSpPr>
         <p:spPr>
           <a:xfrm>
-            <a:off x="685801" y="1694975"/>
-            <a:ext cx="4566300" cy="470700"/>
+            <a:off x="143932" y="577376"/>
+            <a:ext cx="4924777" cy="470700"/>
           </a:xfrm>
           <a:prstGeom prst="rect">
             <a:avLst/>
@@ -14786,65 +14784,16 @@
             <a:r>
               <a:rPr lang="pt-BR" dirty="0">
                 <a:solidFill>
-                  <a:srgbClr val="FFC000"/>
-                </a:solidFill>
-              </a:rPr>
-              <a:t>SIMULADOR</a:t>
-            </a:r>
-            <a:r>
-              <a:rPr lang="pt-BR" dirty="0">
-                <a:solidFill>
                   <a:schemeClr val="accent5"/>
                 </a:solidFill>
               </a:rPr>
-              <a:t> FINANCEIRO</a:t>
+              <a:t>Repositórios do Projeto</a:t>
             </a:r>
             <a:endParaRPr dirty="0">
               <a:solidFill>
                 <a:schemeClr val="accent5"/>
               </a:solidFill>
             </a:endParaRPr>
-          </a:p>
-        </p:txBody>
-      </p:sp>
-      <p:sp>
-        <p:nvSpPr>
-          <p:cNvPr id="170" name="Google Shape;170;p17"/>
-          <p:cNvSpPr txBox="1">
-            <a:spLocks noGrp="1" noChangeAspect="1"/>
-          </p:cNvSpPr>
-          <p:nvPr>
-            <p:ph type="subTitle" idx="1"/>
-          </p:nvPr>
-        </p:nvSpPr>
-        <p:spPr>
-          <a:xfrm>
-            <a:off x="685801" y="2408100"/>
-            <a:ext cx="4566300" cy="327300"/>
-          </a:xfrm>
-          <a:prstGeom prst="rect">
-            <a:avLst/>
-          </a:prstGeom>
-        </p:spPr>
-        <p:txBody>
-          <a:bodyPr spcFirstLastPara="1" wrap="square" lIns="0" tIns="0" rIns="0" bIns="0" anchor="t" anchorCtr="0">
-            <a:noAutofit/>
-          </a:bodyPr>
-          <a:lstStyle/>
-          <a:p>
-            <a:pPr marL="0" indent="0"/>
-            <a:r>
-              <a:rPr lang="pt-BR" dirty="0">
-                <a:solidFill>
-                  <a:schemeClr val="bg2"/>
-                </a:solidFill>
-              </a:rPr>
-              <a:t>As opções de plano são anual e mensal, o plano anual é mais vantajoso do que o plano mensal</a:t>
-            </a:r>
-          </a:p>
-          <a:p>
-            <a:pPr marL="0" indent="0"/>
-            <a:endParaRPr dirty="0"/>
           </a:p>
         </p:txBody>
       </p:sp>
@@ -14884,6 +14833,53 @@
           </a:prstGeom>
         </p:spPr>
       </p:pic>
+      <p:pic>
+        <p:nvPicPr>
+          <p:cNvPr id="7" name="Picture 2" descr="GitHub - larabeatrizms/github-explorer: Pesquisa de repositórios no github  com API">
+            <a:extLst>
+              <a:ext uri="{FF2B5EF4-FFF2-40B4-BE49-F238E27FC236}">
+                <a16:creationId xmlns:a16="http://schemas.microsoft.com/office/drawing/2014/main" id="{48E2266C-1EB5-44F4-BB86-CD5B5B93C03B}"/>
+              </a:ext>
+            </a:extLst>
+          </p:cNvPr>
+          <p:cNvPicPr>
+            <a:picLocks noChangeAspect="1" noChangeArrowheads="1"/>
+          </p:cNvPicPr>
+          <p:nvPr/>
+        </p:nvPicPr>
+        <p:blipFill>
+          <a:blip r:embed="rId5">
+            <a:extLst>
+              <a:ext uri="{28A0092B-C50C-407E-A947-70E740481C1C}">
+                <a14:useLocalDpi xmlns:a14="http://schemas.microsoft.com/office/drawing/2010/main" val="0"/>
+              </a:ext>
+            </a:extLst>
+          </a:blip>
+          <a:srcRect/>
+          <a:stretch>
+            <a:fillRect/>
+          </a:stretch>
+        </p:blipFill>
+        <p:spPr bwMode="auto">
+          <a:xfrm>
+            <a:off x="368991" y="1527411"/>
+            <a:ext cx="4474661" cy="2470710"/>
+          </a:xfrm>
+          <a:prstGeom prst="rect">
+            <a:avLst/>
+          </a:prstGeom>
+          <a:noFill/>
+          <a:extLst>
+            <a:ext uri="{909E8E84-426E-40DD-AFC4-6F175D3DCCD1}">
+              <a14:hiddenFill xmlns:a14="http://schemas.microsoft.com/office/drawing/2010/main">
+                <a:solidFill>
+                  <a:srgbClr val="FFFFFF"/>
+                </a:solidFill>
+              </a14:hiddenFill>
+            </a:ext>
+          </a:extLst>
+        </p:spPr>
+      </p:pic>
     </p:spTree>
     <p:extLst>
       <p:ext uri="{BB962C8B-B14F-4D97-AF65-F5344CB8AC3E}">
@@ -14902,352 +14898,6 @@
   <p:cSld>
     <p:spTree>
       <p:nvGrpSpPr>
-        <p:cNvPr id="1" name=""/>
-        <p:cNvGrpSpPr/>
-        <p:nvPr/>
-      </p:nvGrpSpPr>
-      <p:grpSpPr>
-        <a:xfrm>
-          <a:off x="0" y="0"/>
-          <a:ext cx="0" cy="0"/>
-          <a:chOff x="0" y="0"/>
-          <a:chExt cx="0" cy="0"/>
-        </a:xfrm>
-      </p:grpSpPr>
-      <p:sp>
-        <p:nvSpPr>
-          <p:cNvPr id="2" name="Título 1">
-            <a:extLst>
-              <a:ext uri="{FF2B5EF4-FFF2-40B4-BE49-F238E27FC236}">
-                <a16:creationId xmlns:a16="http://schemas.microsoft.com/office/drawing/2014/main" id="{6A4B0BE7-AD53-4115-924A-2B49ECFFB331}"/>
-              </a:ext>
-            </a:extLst>
-          </p:cNvPr>
-          <p:cNvSpPr>
-            <a:spLocks noGrp="1"/>
-          </p:cNvSpPr>
-          <p:nvPr>
-            <p:ph type="title"/>
-          </p:nvPr>
-        </p:nvSpPr>
-        <p:spPr/>
-        <p:txBody>
-          <a:bodyPr/>
-          <a:lstStyle/>
-          <a:p>
-            <a:r>
-              <a:rPr lang="pt-BR" dirty="0">
-                <a:solidFill>
-                  <a:schemeClr val="accent5"/>
-                </a:solidFill>
-              </a:rPr>
-              <a:t>Tabelas do banco de dados</a:t>
-            </a:r>
-          </a:p>
-        </p:txBody>
-      </p:sp>
-      <p:sp>
-        <p:nvSpPr>
-          <p:cNvPr id="3" name="Espaço Reservado para Texto 2">
-            <a:extLst>
-              <a:ext uri="{FF2B5EF4-FFF2-40B4-BE49-F238E27FC236}">
-                <a16:creationId xmlns:a16="http://schemas.microsoft.com/office/drawing/2014/main" id="{1E99C471-03E2-46F6-914A-3F177CD67D13}"/>
-              </a:ext>
-            </a:extLst>
-          </p:cNvPr>
-          <p:cNvSpPr>
-            <a:spLocks noGrp="1"/>
-          </p:cNvSpPr>
-          <p:nvPr>
-            <p:ph type="body" idx="1"/>
-          </p:nvPr>
-        </p:nvSpPr>
-        <p:spPr>
-          <a:xfrm>
-            <a:off x="457200" y="1592600"/>
-            <a:ext cx="1807800" cy="2940900"/>
-          </a:xfrm>
-        </p:spPr>
-        <p:txBody>
-          <a:bodyPr/>
-          <a:lstStyle/>
-          <a:p>
-            <a:pPr marL="126997" indent="0" algn="ctr">
-              <a:buNone/>
-            </a:pPr>
-            <a:r>
-              <a:rPr lang="pt-BR" b="1" dirty="0"/>
-              <a:t>Tabela cliente </a:t>
-            </a:r>
-          </a:p>
-          <a:p>
-            <a:r>
-              <a:rPr lang="pt-BR" dirty="0" err="1"/>
-              <a:t>idCliente</a:t>
-            </a:r>
-            <a:endParaRPr lang="pt-BR" dirty="0"/>
-          </a:p>
-          <a:p>
-            <a:r>
-              <a:rPr lang="pt-BR" dirty="0"/>
-              <a:t>Nome</a:t>
-            </a:r>
-          </a:p>
-          <a:p>
-            <a:r>
-              <a:rPr lang="pt-BR" dirty="0"/>
-              <a:t>CPF</a:t>
-            </a:r>
-          </a:p>
-          <a:p>
-            <a:r>
-              <a:rPr lang="pt-BR" dirty="0"/>
-              <a:t>E-mail</a:t>
-            </a:r>
-          </a:p>
-          <a:p>
-            <a:r>
-              <a:rPr lang="pt-BR" dirty="0"/>
-              <a:t>Telefone</a:t>
-            </a:r>
-          </a:p>
-          <a:p>
-            <a:r>
-              <a:rPr lang="pt-BR" dirty="0"/>
-              <a:t>Senha</a:t>
-            </a:r>
-          </a:p>
-          <a:p>
-            <a:endParaRPr lang="pt-BR" dirty="0"/>
-          </a:p>
-        </p:txBody>
-      </p:sp>
-      <p:sp>
-        <p:nvSpPr>
-          <p:cNvPr id="4" name="Espaço Reservado para Texto 3">
-            <a:extLst>
-              <a:ext uri="{FF2B5EF4-FFF2-40B4-BE49-F238E27FC236}">
-                <a16:creationId xmlns:a16="http://schemas.microsoft.com/office/drawing/2014/main" id="{9D9F508E-6C1E-47B2-B36D-DAFCD2A31BB7}"/>
-              </a:ext>
-            </a:extLst>
-          </p:cNvPr>
-          <p:cNvSpPr>
-            <a:spLocks noGrp="1"/>
-          </p:cNvSpPr>
-          <p:nvPr>
-            <p:ph type="body" idx="2"/>
-          </p:nvPr>
-        </p:nvSpPr>
-        <p:spPr>
-          <a:xfrm>
-            <a:off x="2514600" y="1608175"/>
-            <a:ext cx="1807800" cy="2940900"/>
-          </a:xfrm>
-        </p:spPr>
-        <p:txBody>
-          <a:bodyPr/>
-          <a:lstStyle/>
-          <a:p>
-            <a:pPr marL="126997" indent="0">
-              <a:buNone/>
-            </a:pPr>
-            <a:r>
-              <a:rPr lang="pt-BR" b="1" dirty="0"/>
-              <a:t>  Tabela Sensor</a:t>
-            </a:r>
-          </a:p>
-          <a:p>
-            <a:r>
-              <a:rPr lang="pt-BR" dirty="0" err="1"/>
-              <a:t>idSensor</a:t>
-            </a:r>
-            <a:endParaRPr lang="pt-BR" dirty="0"/>
-          </a:p>
-          <a:p>
-            <a:r>
-              <a:rPr lang="pt-BR" dirty="0" err="1"/>
-              <a:t>tipoSensor</a:t>
-            </a:r>
-            <a:endParaRPr lang="pt-BR" dirty="0"/>
-          </a:p>
-          <a:p>
-            <a:r>
-              <a:rPr lang="pt-BR" dirty="0"/>
-              <a:t>Temperatura</a:t>
-            </a:r>
-          </a:p>
-          <a:p>
-            <a:r>
-              <a:rPr lang="pt-BR" dirty="0" err="1"/>
-              <a:t>Diatempo</a:t>
-            </a:r>
-            <a:endParaRPr lang="pt-BR" dirty="0"/>
-          </a:p>
-          <a:p>
-            <a:endParaRPr lang="pt-BR" dirty="0"/>
-          </a:p>
-        </p:txBody>
-      </p:sp>
-      <p:sp>
-        <p:nvSpPr>
-          <p:cNvPr id="5" name="Espaço Reservado para Texto 4">
-            <a:extLst>
-              <a:ext uri="{FF2B5EF4-FFF2-40B4-BE49-F238E27FC236}">
-                <a16:creationId xmlns:a16="http://schemas.microsoft.com/office/drawing/2014/main" id="{87AB2ED1-25E6-429D-B703-4F46ADA43042}"/>
-              </a:ext>
-            </a:extLst>
-          </p:cNvPr>
-          <p:cNvSpPr>
-            <a:spLocks noGrp="1"/>
-          </p:cNvSpPr>
-          <p:nvPr>
-            <p:ph type="body" idx="3"/>
-          </p:nvPr>
-        </p:nvSpPr>
-        <p:spPr>
-          <a:xfrm>
-            <a:off x="4572000" y="1592600"/>
-            <a:ext cx="1807800" cy="2940900"/>
-          </a:xfrm>
-        </p:spPr>
-        <p:txBody>
-          <a:bodyPr/>
-          <a:lstStyle/>
-          <a:p>
-            <a:pPr marL="126997" indent="0" algn="ctr">
-              <a:buNone/>
-            </a:pPr>
-            <a:r>
-              <a:rPr lang="pt-BR" b="1" dirty="0"/>
-              <a:t>Tabela Granja</a:t>
-            </a:r>
-          </a:p>
-          <a:p>
-            <a:r>
-              <a:rPr lang="pt-BR" dirty="0" err="1"/>
-              <a:t>idGranja</a:t>
-            </a:r>
-            <a:endParaRPr lang="pt-BR" dirty="0"/>
-          </a:p>
-          <a:p>
-            <a:r>
-              <a:rPr lang="pt-BR" dirty="0"/>
-              <a:t>Logradouro</a:t>
-            </a:r>
-          </a:p>
-          <a:p>
-            <a:r>
-              <a:rPr lang="pt-BR" dirty="0"/>
-              <a:t>complemento</a:t>
-            </a:r>
-          </a:p>
-          <a:p>
-            <a:r>
-              <a:rPr lang="pt-BR" dirty="0"/>
-              <a:t>Cidade</a:t>
-            </a:r>
-          </a:p>
-          <a:p>
-            <a:r>
-              <a:rPr lang="pt-BR" dirty="0"/>
-              <a:t>CEP</a:t>
-            </a:r>
-          </a:p>
-          <a:p>
-            <a:r>
-              <a:rPr lang="pt-BR" dirty="0"/>
-              <a:t>Estado</a:t>
-            </a:r>
-          </a:p>
-          <a:p>
-            <a:endParaRPr lang="pt-BR" dirty="0"/>
-          </a:p>
-        </p:txBody>
-      </p:sp>
-      <p:sp>
-        <p:nvSpPr>
-          <p:cNvPr id="6" name="Espaço Reservado para Número de Slide 5">
-            <a:extLst>
-              <a:ext uri="{FF2B5EF4-FFF2-40B4-BE49-F238E27FC236}">
-                <a16:creationId xmlns:a16="http://schemas.microsoft.com/office/drawing/2014/main" id="{7B28D0ED-AA62-43A5-BA09-16C0E05B83C6}"/>
-              </a:ext>
-            </a:extLst>
-          </p:cNvPr>
-          <p:cNvSpPr>
-            <a:spLocks noGrp="1"/>
-          </p:cNvSpPr>
-          <p:nvPr>
-            <p:ph type="sldNum" idx="12"/>
-          </p:nvPr>
-        </p:nvSpPr>
-        <p:spPr/>
-        <p:txBody>
-          <a:bodyPr/>
-          <a:lstStyle/>
-          <a:p>
-            <a:fld id="{00000000-1234-1234-1234-123412341234}" type="slidenum">
-              <a:rPr lang="pt-BR" smtClean="0"/>
-              <a:pPr/>
-              <a:t>13</a:t>
-            </a:fld>
-            <a:endParaRPr lang="pt-BR" dirty="0"/>
-          </a:p>
-        </p:txBody>
-      </p:sp>
-      <p:pic>
-        <p:nvPicPr>
-          <p:cNvPr id="7" name="Gráfico 6" descr="Galo estrutura de tópicos">
-            <a:extLst>
-              <a:ext uri="{FF2B5EF4-FFF2-40B4-BE49-F238E27FC236}">
-                <a16:creationId xmlns:a16="http://schemas.microsoft.com/office/drawing/2014/main" id="{8B603A32-E583-49A5-80EC-A933354600C7}"/>
-              </a:ext>
-            </a:extLst>
-          </p:cNvPr>
-          <p:cNvPicPr>
-            <a:picLocks noChangeAspect="1"/>
-          </p:cNvPicPr>
-          <p:nvPr/>
-        </p:nvPicPr>
-        <p:blipFill>
-          <a:blip r:embed="rId2">
-            <a:extLst>
-              <a:ext uri="{96DAC541-7B7A-43D3-8B79-37D633B846F1}">
-                <asvg:svgBlip xmlns:asvg="http://schemas.microsoft.com/office/drawing/2016/SVG/main" r:embed="rId3"/>
-              </a:ext>
-            </a:extLst>
-          </a:blip>
-          <a:stretch>
-            <a:fillRect/>
-          </a:stretch>
-        </p:blipFill>
-        <p:spPr>
-          <a:xfrm>
-            <a:off x="-60512" y="4292651"/>
-            <a:ext cx="914400" cy="914400"/>
-          </a:xfrm>
-          <a:prstGeom prst="rect">
-            <a:avLst/>
-          </a:prstGeom>
-        </p:spPr>
-      </p:pic>
-    </p:spTree>
-    <p:extLst>
-      <p:ext uri="{BB962C8B-B14F-4D97-AF65-F5344CB8AC3E}">
-        <p14:creationId xmlns:p14="http://schemas.microsoft.com/office/powerpoint/2010/main" val="2490777966"/>
-      </p:ext>
-    </p:extLst>
-  </p:cSld>
-  <p:clrMapOvr>
-    <a:masterClrMapping/>
-  </p:clrMapOvr>
-</p:sld>
-</file>
-
-<file path=ppt/slides/slide14.xml><?xml version="1.0" encoding="utf-8"?>
-<p:sld xmlns:a="http://schemas.openxmlformats.org/drawingml/2006/main" xmlns:r="http://schemas.openxmlformats.org/officeDocument/2006/relationships" xmlns:p="http://schemas.openxmlformats.org/presentationml/2006/main">
-  <p:cSld>
-    <p:spTree>
-      <p:nvGrpSpPr>
         <p:cNvPr id="1" name="Shape 385"/>
         <p:cNvGrpSpPr/>
         <p:nvPr/>
@@ -15260,31 +14910,6 @@
           <a:chExt cx="0" cy="0"/>
         </a:xfrm>
       </p:grpSpPr>
-      <p:sp>
-        <p:nvSpPr>
-          <p:cNvPr id="388" name="Google Shape;388;p36"/>
-          <p:cNvSpPr txBox="1">
-            <a:spLocks noGrp="1"/>
-          </p:cNvSpPr>
-          <p:nvPr>
-            <p:ph type="sldNum" idx="12"/>
-          </p:nvPr>
-        </p:nvSpPr>
-        <p:spPr>
-          <a:prstGeom prst="rect">
-            <a:avLst/>
-          </a:prstGeom>
-        </p:spPr>
-        <p:txBody>
-          <a:bodyPr spcFirstLastPara="1" wrap="square" lIns="0" tIns="0" rIns="0" bIns="0" anchor="ctr" anchorCtr="0">
-            <a:noAutofit/>
-          </a:bodyPr>
-          <a:lstStyle/>
-          <a:p>
-            <a:endParaRPr dirty="0"/>
-          </a:p>
-        </p:txBody>
-      </p:sp>
       <p:sp>
         <p:nvSpPr>
           <p:cNvPr id="386" name="Google Shape;386;p36"/>
@@ -15553,6 +15178,10 @@
           </p:nvPr>
         </p:nvSpPr>
         <p:spPr>
+          <a:xfrm>
+            <a:off x="263448" y="1970777"/>
+            <a:ext cx="2772300" cy="2492700"/>
+          </a:xfrm>
           <a:prstGeom prst="rect">
             <a:avLst/>
           </a:prstGeom>
@@ -15576,7 +15205,7 @@
                 <a:cs typeface="Kulim Park"/>
                 <a:sym typeface="Kulim Park"/>
               </a:rPr>
-              <a:t>Antonio</a:t>
+              <a:t>Antonio Monteiro</a:t>
             </a:r>
             <a:br>
               <a:rPr lang="pt-BR" b="1" dirty="0">
@@ -15599,7 +15228,7 @@
                 <a:cs typeface="Kulim Park"/>
                 <a:sym typeface="Kulim Park"/>
               </a:rPr>
-              <a:t>Brunno</a:t>
+              <a:t>Brunno Castigrini</a:t>
             </a:r>
             <a:br>
               <a:rPr lang="pt-BR" b="1" dirty="0">
@@ -15622,7 +15251,7 @@
                 <a:cs typeface="Kulim Park"/>
                 <a:sym typeface="Kulim Park"/>
               </a:rPr>
-              <a:t>Gustavo</a:t>
+              <a:t>Gustavo Quaresma</a:t>
             </a:r>
             <a:br>
               <a:rPr lang="pt-BR" b="1" dirty="0">
@@ -15645,7 +15274,7 @@
                 <a:cs typeface="Kulim Park"/>
                 <a:sym typeface="Kulim Park"/>
               </a:rPr>
-              <a:t>Luiz</a:t>
+              <a:t>Luiz Henrique</a:t>
             </a:r>
             <a:br>
               <a:rPr lang="pt-BR" b="1" dirty="0">
@@ -15668,7 +15297,7 @@
                 <a:cs typeface="Kulim Park"/>
                 <a:sym typeface="Kulim Park"/>
               </a:rPr>
-              <a:t>Vitória</a:t>
+              <a:t>Vitória Eleutério</a:t>
             </a:r>
           </a:p>
           <a:p>
@@ -15812,7 +15441,7 @@
         </p:nvSpPr>
         <p:spPr>
           <a:xfrm>
-            <a:off x="685800" y="2123600"/>
+            <a:off x="292072" y="501653"/>
             <a:ext cx="4676421" cy="470700"/>
           </a:xfrm>
           <a:prstGeom prst="rect">
@@ -15848,6 +15477,10 @@
           </p:nvPr>
         </p:nvSpPr>
         <p:spPr>
+          <a:xfrm>
+            <a:off x="402193" y="1268676"/>
+            <a:ext cx="4566300" cy="327300"/>
+          </a:xfrm>
           <a:prstGeom prst="rect">
             <a:avLst/>
           </a:prstGeom>
@@ -15858,15 +15491,74 @@
           </a:bodyPr>
           <a:lstStyle/>
           <a:p>
-            <a:pPr marL="0" indent="0"/>
+            <a:pPr marL="342900" indent="-342900">
+              <a:buFont typeface="Arial" panose="020B0604020202020204" pitchFamily="34" charset="0"/>
+              <a:buChar char="•"/>
+            </a:pPr>
             <a:r>
               <a:rPr lang="pt-BR" b="1" dirty="0"/>
-              <a:t>Por que a TecChicken nasceu? </a:t>
+              <a:t>Smart Sensor</a:t>
             </a:r>
           </a:p>
           <a:p>
-            <a:pPr marL="0" indent="0"/>
-            <a:endParaRPr b="1" dirty="0"/>
+            <a:pPr marL="342900" indent="-342900">
+              <a:buFont typeface="Arial" panose="020B0604020202020204" pitchFamily="34" charset="0"/>
+              <a:buChar char="•"/>
+            </a:pPr>
+            <a:r>
+              <a:rPr lang="pt-BR" b="1" dirty="0"/>
+              <a:t>Transformações Climáticas</a:t>
+            </a:r>
+          </a:p>
+          <a:p>
+            <a:pPr marL="342900" indent="-342900">
+              <a:buFont typeface="Arial" panose="020B0604020202020204" pitchFamily="34" charset="0"/>
+              <a:buChar char="•"/>
+            </a:pPr>
+            <a:r>
+              <a:rPr lang="pt-BR" b="1" dirty="0"/>
+              <a:t>Avicultura</a:t>
+            </a:r>
+          </a:p>
+          <a:p>
+            <a:pPr marL="342900" indent="-342900">
+              <a:buFont typeface="Arial" panose="020B0604020202020204" pitchFamily="34" charset="0"/>
+              <a:buChar char="•"/>
+            </a:pPr>
+            <a:r>
+              <a:rPr lang="pt-BR" b="1" dirty="0"/>
+              <a:t>Aves morrendo</a:t>
+            </a:r>
+          </a:p>
+          <a:p>
+            <a:pPr marL="342900" indent="-342900">
+              <a:buFont typeface="Arial" panose="020B0604020202020204" pitchFamily="34" charset="0"/>
+              <a:buChar char="•"/>
+            </a:pPr>
+            <a:r>
+              <a:rPr lang="pt-BR" b="1" dirty="0"/>
+              <a:t>Decisões </a:t>
+            </a:r>
+          </a:p>
+          <a:p>
+            <a:pPr marL="342900" indent="-342900">
+              <a:buFont typeface="Arial" panose="020B0604020202020204" pitchFamily="34" charset="0"/>
+              <a:buChar char="•"/>
+            </a:pPr>
+            <a:r>
+              <a:rPr lang="pt-BR" b="1" dirty="0"/>
+              <a:t>Visão Ampla</a:t>
+            </a:r>
+          </a:p>
+          <a:p>
+            <a:pPr marL="342900" indent="-342900">
+              <a:buFont typeface="Arial" panose="020B0604020202020204" pitchFamily="34" charset="0"/>
+              <a:buChar char="•"/>
+            </a:pPr>
+            <a:r>
+              <a:rPr lang="pt-BR" b="1" dirty="0"/>
+              <a:t>Controle de temperatura</a:t>
+            </a:r>
           </a:p>
         </p:txBody>
       </p:sp>
@@ -16058,7 +15750,7 @@
         </p:nvSpPr>
         <p:spPr>
           <a:xfrm>
-            <a:off x="699513" y="286732"/>
+            <a:off x="972320" y="207868"/>
             <a:ext cx="7704000" cy="572700"/>
           </a:xfrm>
           <a:prstGeom prst="rect">
@@ -22029,6 +21721,28 @@
 <file path=ppt/slides/slide9.xml><?xml version="1.0" encoding="utf-8"?>
 <p:sld xmlns:a="http://schemas.openxmlformats.org/drawingml/2006/main" xmlns:r="http://schemas.openxmlformats.org/officeDocument/2006/relationships" xmlns:p="http://schemas.openxmlformats.org/presentationml/2006/main">
   <p:cSld>
+    <p:bg>
+      <p:bgPr>
+        <a:gradFill>
+          <a:gsLst>
+            <a:gs pos="0">
+              <a:schemeClr val="bg1"/>
+            </a:gs>
+            <a:gs pos="78000">
+              <a:schemeClr val="bg1"/>
+            </a:gs>
+            <a:gs pos="100000">
+              <a:schemeClr val="bg1"/>
+            </a:gs>
+          </a:gsLst>
+          <a:path path="circle">
+            <a:fillToRect l="50000" t="50000" r="50000" b="50000"/>
+          </a:path>
+          <a:tileRect/>
+        </a:gradFill>
+        <a:effectLst/>
+      </p:bgPr>
+    </p:bg>
     <p:spTree>
       <p:nvGrpSpPr>
         <p:cNvPr id="1" name=""/>
@@ -22043,43 +21757,6 @@
           <a:chExt cx="0" cy="0"/>
         </a:xfrm>
       </p:grpSpPr>
-      <p:sp>
-        <p:nvSpPr>
-          <p:cNvPr id="2" name="Título 1">
-            <a:extLst>
-              <a:ext uri="{FF2B5EF4-FFF2-40B4-BE49-F238E27FC236}">
-                <a16:creationId xmlns:a16="http://schemas.microsoft.com/office/drawing/2014/main" id="{051FF890-D2ED-40D1-9239-6B3E5B169701}"/>
-              </a:ext>
-            </a:extLst>
-          </p:cNvPr>
-          <p:cNvSpPr>
-            <a:spLocks noGrp="1"/>
-          </p:cNvSpPr>
-          <p:nvPr>
-            <p:ph type="title"/>
-          </p:nvPr>
-        </p:nvSpPr>
-        <p:spPr>
-          <a:xfrm>
-            <a:off x="396688" y="418532"/>
-            <a:ext cx="5215200" cy="716400"/>
-          </a:xfrm>
-        </p:spPr>
-        <p:txBody>
-          <a:bodyPr/>
-          <a:lstStyle/>
-          <a:p>
-            <a:r>
-              <a:rPr lang="pt-BR" sz="3600" dirty="0">
-                <a:solidFill>
-                  <a:schemeClr val="accent5"/>
-                </a:solidFill>
-              </a:rPr>
-              <a:t>Analytics</a:t>
-            </a:r>
-          </a:p>
-        </p:txBody>
-      </p:sp>
       <p:sp>
         <p:nvSpPr>
           <p:cNvPr id="4" name="Espaço Reservado para Número de Slide 3">
@@ -22107,6 +21784,44 @@
               <a:t>9</a:t>
             </a:fld>
             <a:endParaRPr lang="pt-BR" dirty="0"/>
+          </a:p>
+        </p:txBody>
+      </p:sp>
+      <p:sp>
+        <p:nvSpPr>
+          <p:cNvPr id="2" name="Título 1">
+            <a:extLst>
+              <a:ext uri="{FF2B5EF4-FFF2-40B4-BE49-F238E27FC236}">
+                <a16:creationId xmlns:a16="http://schemas.microsoft.com/office/drawing/2014/main" id="{051FF890-D2ED-40D1-9239-6B3E5B169701}"/>
+              </a:ext>
+            </a:extLst>
+          </p:cNvPr>
+          <p:cNvSpPr>
+            <a:spLocks noGrp="1"/>
+          </p:cNvSpPr>
+          <p:nvPr>
+            <p:ph type="title" idx="4294967295"/>
+          </p:nvPr>
+        </p:nvSpPr>
+        <p:spPr>
+          <a:xfrm>
+            <a:off x="1" y="261055"/>
+            <a:ext cx="9144000" cy="715963"/>
+          </a:xfrm>
+        </p:spPr>
+        <p:txBody>
+          <a:bodyPr/>
+          <a:lstStyle/>
+          <a:p>
+            <a:pPr algn="ctr"/>
+            <a:r>
+              <a:rPr lang="pt-BR" sz="4800" dirty="0">
+                <a:solidFill>
+                  <a:schemeClr val="accent5"/>
+                </a:solidFill>
+              </a:rPr>
+              <a:t>Analytics</a:t>
+            </a:r>
           </a:p>
         </p:txBody>
       </p:sp>
@@ -22138,7 +21853,7 @@
         </p:blipFill>
         <p:spPr>
           <a:xfrm>
-            <a:off x="-60512" y="4292651"/>
+            <a:off x="7943311" y="4292651"/>
             <a:ext cx="914400" cy="914400"/>
           </a:xfrm>
           <a:prstGeom prst="rect">
@@ -22148,32 +21863,49 @@
       </p:pic>
       <p:pic>
         <p:nvPicPr>
-          <p:cNvPr id="9" name="Imagem 8">
+          <p:cNvPr id="1026" name="Picture 2">
             <a:extLst>
               <a:ext uri="{FF2B5EF4-FFF2-40B4-BE49-F238E27FC236}">
-                <a16:creationId xmlns:a16="http://schemas.microsoft.com/office/drawing/2014/main" id="{FF9C5A34-3344-4DE5-9281-A05297B7F4D3}"/>
+                <a16:creationId xmlns:a16="http://schemas.microsoft.com/office/drawing/2014/main" id="{B12F233E-80CF-47F0-ADAD-B9B94D98AE96}"/>
               </a:ext>
             </a:extLst>
           </p:cNvPr>
           <p:cNvPicPr>
-            <a:picLocks noChangeAspect="1"/>
+            <a:picLocks noChangeAspect="1" noChangeArrowheads="1"/>
           </p:cNvPicPr>
           <p:nvPr/>
         </p:nvPicPr>
         <p:blipFill>
-          <a:blip r:embed="rId4"/>
+          <a:blip r:embed="rId4">
+            <a:extLst>
+              <a:ext uri="{28A0092B-C50C-407E-A947-70E740481C1C}">
+                <a14:useLocalDpi xmlns:a14="http://schemas.microsoft.com/office/drawing/2010/main" val="0"/>
+              </a:ext>
+            </a:extLst>
+          </a:blip>
+          <a:srcRect/>
           <a:stretch>
             <a:fillRect/>
           </a:stretch>
         </p:blipFill>
-        <p:spPr>
+        <p:spPr bwMode="auto">
           <a:xfrm>
-            <a:off x="96965" y="1601394"/>
-            <a:ext cx="5627077" cy="741598"/>
+            <a:off x="648888" y="2304065"/>
+            <a:ext cx="8208823" cy="1118738"/>
           </a:xfrm>
           <a:prstGeom prst="rect">
             <a:avLst/>
           </a:prstGeom>
+          <a:noFill/>
+          <a:extLst>
+            <a:ext uri="{909E8E84-426E-40DD-AFC4-6F175D3DCCD1}">
+              <a14:hiddenFill xmlns:a14="http://schemas.microsoft.com/office/drawing/2010/main">
+                <a:solidFill>
+                  <a:srgbClr val="FFFFFF"/>
+                </a:solidFill>
+              </a14:hiddenFill>
+            </a:ext>
+          </a:extLst>
         </p:spPr>
       </p:pic>
     </p:spTree>

--- a/SPRINT2/slide pi - Copia.pptx
+++ b/SPRINT2/slide pi - Copia.pptx
@@ -3773,6 +3773,110 @@
 </p:notes>
 </file>
 
+<file path=ppt/notesSlides/notesSlide10.xml><?xml version="1.0" encoding="utf-8"?>
+<p:notes xmlns:a="http://schemas.openxmlformats.org/drawingml/2006/main" xmlns:r="http://schemas.openxmlformats.org/officeDocument/2006/relationships" xmlns:p="http://schemas.openxmlformats.org/presentationml/2006/main" showMasterSp="0" showMasterPhAnim="0">
+  <p:cSld>
+    <p:spTree>
+      <p:nvGrpSpPr>
+        <p:cNvPr id="1" name="Shape 382"/>
+        <p:cNvGrpSpPr/>
+        <p:nvPr/>
+      </p:nvGrpSpPr>
+      <p:grpSpPr>
+        <a:xfrm>
+          <a:off x="0" y="0"/>
+          <a:ext cx="0" cy="0"/>
+          <a:chOff x="0" y="0"/>
+          <a:chExt cx="0" cy="0"/>
+        </a:xfrm>
+      </p:grpSpPr>
+      <p:sp>
+        <p:nvSpPr>
+          <p:cNvPr id="383" name="Google Shape;383;g35ed75ccf_022:notes"/>
+          <p:cNvSpPr>
+            <a:spLocks noGrp="1" noRot="1" noChangeAspect="1"/>
+          </p:cNvSpPr>
+          <p:nvPr>
+            <p:ph type="sldImg" idx="2"/>
+          </p:nvPr>
+        </p:nvSpPr>
+        <p:spPr>
+          <a:xfrm>
+            <a:off x="381000" y="685800"/>
+            <a:ext cx="6096000" cy="3429000"/>
+          </a:xfrm>
+          <a:custGeom>
+            <a:avLst/>
+            <a:gdLst/>
+            <a:ahLst/>
+            <a:cxnLst/>
+            <a:rect l="l" t="t" r="r" b="b"/>
+            <a:pathLst>
+              <a:path w="120000" h="120000" extrusionOk="0">
+                <a:moveTo>
+                  <a:pt x="0" y="0"/>
+                </a:moveTo>
+                <a:lnTo>
+                  <a:pt x="120000" y="0"/>
+                </a:lnTo>
+                <a:lnTo>
+                  <a:pt x="120000" y="120000"/>
+                </a:lnTo>
+                <a:lnTo>
+                  <a:pt x="0" y="120000"/>
+                </a:lnTo>
+                <a:close/>
+              </a:path>
+            </a:pathLst>
+          </a:custGeom>
+        </p:spPr>
+      </p:sp>
+      <p:sp>
+        <p:nvSpPr>
+          <p:cNvPr id="384" name="Google Shape;384;g35ed75ccf_022:notes"/>
+          <p:cNvSpPr txBox="1">
+            <a:spLocks noGrp="1"/>
+          </p:cNvSpPr>
+          <p:nvPr>
+            <p:ph type="body" idx="1"/>
+          </p:nvPr>
+        </p:nvSpPr>
+        <p:spPr>
+          <a:xfrm>
+            <a:off x="685800" y="4343400"/>
+            <a:ext cx="5486400" cy="4114800"/>
+          </a:xfrm>
+          <a:prstGeom prst="rect">
+            <a:avLst/>
+          </a:prstGeom>
+        </p:spPr>
+        <p:txBody>
+          <a:bodyPr spcFirstLastPara="1" wrap="square" lIns="91425" tIns="91425" rIns="91425" bIns="91425" anchor="t" anchorCtr="0">
+            <a:noAutofit/>
+          </a:bodyPr>
+          <a:lstStyle/>
+          <a:p>
+            <a:pPr marL="0" lvl="0" indent="0" algn="l" rtl="0">
+              <a:spcBef>
+                <a:spcPts val="0"/>
+              </a:spcBef>
+              <a:spcAft>
+                <a:spcPts val="0"/>
+              </a:spcAft>
+              <a:buNone/>
+            </a:pPr>
+            <a:endParaRPr dirty="0"/>
+          </a:p>
+        </p:txBody>
+      </p:sp>
+    </p:spTree>
+  </p:cSld>
+  <p:clrMapOvr>
+    <a:masterClrMapping/>
+  </p:clrMapOvr>
+</p:notes>
+</file>
+
 <file path=ppt/notesSlides/notesSlide2.xml><?xml version="1.0" encoding="utf-8"?>
 <p:notes xmlns:a="http://schemas.openxmlformats.org/drawingml/2006/main" xmlns:r="http://schemas.openxmlformats.org/officeDocument/2006/relationships" xmlns:p="http://schemas.openxmlformats.org/presentationml/2006/main" showMasterSp="0" showMasterPhAnim="0">
   <p:cSld>
@@ -3982,6 +4086,67 @@
 </file>
 
 <file path=ppt/notesSlides/notesSlide4.xml><?xml version="1.0" encoding="utf-8"?>
+<p:notes xmlns:a="http://schemas.openxmlformats.org/drawingml/2006/main" xmlns:r="http://schemas.openxmlformats.org/officeDocument/2006/relationships" xmlns:p="http://schemas.openxmlformats.org/presentationml/2006/main">
+  <p:cSld>
+    <p:spTree>
+      <p:nvGrpSpPr>
+        <p:cNvPr id="1" name=""/>
+        <p:cNvGrpSpPr/>
+        <p:nvPr/>
+      </p:nvGrpSpPr>
+      <p:grpSpPr>
+        <a:xfrm>
+          <a:off x="0" y="0"/>
+          <a:ext cx="0" cy="0"/>
+          <a:chOff x="0" y="0"/>
+          <a:chExt cx="0" cy="0"/>
+        </a:xfrm>
+      </p:grpSpPr>
+      <p:sp>
+        <p:nvSpPr>
+          <p:cNvPr id="2" name="Espaço Reservado para Imagem de Slide 1"/>
+          <p:cNvSpPr>
+            <a:spLocks noGrp="1" noRot="1" noChangeAspect="1"/>
+          </p:cNvSpPr>
+          <p:nvPr>
+            <p:ph type="sldImg"/>
+          </p:nvPr>
+        </p:nvSpPr>
+        <p:spPr/>
+      </p:sp>
+      <p:sp>
+        <p:nvSpPr>
+          <p:cNvPr id="3" name="Espaço Reservado para Anotações 2"/>
+          <p:cNvSpPr>
+            <a:spLocks noGrp="1"/>
+          </p:cNvSpPr>
+          <p:nvPr>
+            <p:ph type="body" idx="1"/>
+          </p:nvPr>
+        </p:nvSpPr>
+        <p:spPr/>
+        <p:txBody>
+          <a:bodyPr/>
+          <a:lstStyle/>
+          <a:p>
+            <a:endParaRPr lang="pt-BR" dirty="0"/>
+          </a:p>
+        </p:txBody>
+      </p:sp>
+    </p:spTree>
+    <p:extLst>
+      <p:ext uri="{BB962C8B-B14F-4D97-AF65-F5344CB8AC3E}">
+        <p14:creationId xmlns:p14="http://schemas.microsoft.com/office/powerpoint/2010/main" val="2889065888"/>
+      </p:ext>
+    </p:extLst>
+  </p:cSld>
+  <p:clrMapOvr>
+    <a:masterClrMapping/>
+  </p:clrMapOvr>
+</p:notes>
+</file>
+
+<file path=ppt/notesSlides/notesSlide5.xml><?xml version="1.0" encoding="utf-8"?>
 <p:notes xmlns:a="http://schemas.openxmlformats.org/drawingml/2006/main" xmlns:r="http://schemas.openxmlformats.org/officeDocument/2006/relationships" xmlns:p="http://schemas.openxmlformats.org/presentationml/2006/main" showMasterSp="0" showMasterPhAnim="0">
   <p:cSld>
     <p:spTree>
@@ -4078,115 +4243,6 @@
         </p:txBody>
       </p:sp>
     </p:spTree>
-  </p:cSld>
-  <p:clrMapOvr>
-    <a:masterClrMapping/>
-  </p:clrMapOvr>
-</p:notes>
-</file>
-
-<file path=ppt/notesSlides/notesSlide5.xml><?xml version="1.0" encoding="utf-8"?>
-<p:notes xmlns:a="http://schemas.openxmlformats.org/drawingml/2006/main" xmlns:r="http://schemas.openxmlformats.org/officeDocument/2006/relationships" xmlns:p="http://schemas.openxmlformats.org/presentationml/2006/main" showMasterSp="0" showMasterPhAnim="0">
-  <p:cSld>
-    <p:spTree>
-      <p:nvGrpSpPr>
-        <p:cNvPr id="1" name="Shape 165"/>
-        <p:cNvGrpSpPr/>
-        <p:nvPr/>
-      </p:nvGrpSpPr>
-      <p:grpSpPr>
-        <a:xfrm>
-          <a:off x="0" y="0"/>
-          <a:ext cx="0" cy="0"/>
-          <a:chOff x="0" y="0"/>
-          <a:chExt cx="0" cy="0"/>
-        </a:xfrm>
-      </p:grpSpPr>
-      <p:sp>
-        <p:nvSpPr>
-          <p:cNvPr id="166" name="Google Shape;166;g35f391192_029:notes"/>
-          <p:cNvSpPr>
-            <a:spLocks noGrp="1" noRot="1" noChangeAspect="1"/>
-          </p:cNvSpPr>
-          <p:nvPr>
-            <p:ph type="sldImg" idx="2"/>
-          </p:nvPr>
-        </p:nvSpPr>
-        <p:spPr>
-          <a:xfrm>
-            <a:off x="381000" y="685800"/>
-            <a:ext cx="6096000" cy="3429000"/>
-          </a:xfrm>
-          <a:custGeom>
-            <a:avLst/>
-            <a:gdLst/>
-            <a:ahLst/>
-            <a:cxnLst/>
-            <a:rect l="l" t="t" r="r" b="b"/>
-            <a:pathLst>
-              <a:path w="120000" h="120000" extrusionOk="0">
-                <a:moveTo>
-                  <a:pt x="0" y="0"/>
-                </a:moveTo>
-                <a:lnTo>
-                  <a:pt x="120000" y="0"/>
-                </a:lnTo>
-                <a:lnTo>
-                  <a:pt x="120000" y="120000"/>
-                </a:lnTo>
-                <a:lnTo>
-                  <a:pt x="0" y="120000"/>
-                </a:lnTo>
-                <a:close/>
-              </a:path>
-            </a:pathLst>
-          </a:custGeom>
-        </p:spPr>
-      </p:sp>
-      <p:sp>
-        <p:nvSpPr>
-          <p:cNvPr id="167" name="Google Shape;167;g35f391192_029:notes"/>
-          <p:cNvSpPr txBox="1">
-            <a:spLocks noGrp="1"/>
-          </p:cNvSpPr>
-          <p:nvPr>
-            <p:ph type="body" idx="1"/>
-          </p:nvPr>
-        </p:nvSpPr>
-        <p:spPr>
-          <a:xfrm>
-            <a:off x="685800" y="4343400"/>
-            <a:ext cx="5486400" cy="4114800"/>
-          </a:xfrm>
-          <a:prstGeom prst="rect">
-            <a:avLst/>
-          </a:prstGeom>
-        </p:spPr>
-        <p:txBody>
-          <a:bodyPr spcFirstLastPara="1" wrap="square" lIns="91425" tIns="91425" rIns="91425" bIns="91425" anchor="t" anchorCtr="0">
-            <a:noAutofit/>
-          </a:bodyPr>
-          <a:lstStyle/>
-          <a:p>
-            <a:pPr marL="0" lvl="0" indent="0" algn="l" rtl="0">
-              <a:spcBef>
-                <a:spcPts val="0"/>
-              </a:spcBef>
-              <a:spcAft>
-                <a:spcPts val="0"/>
-              </a:spcAft>
-              <a:buNone/>
-            </a:pPr>
-            <a:endParaRPr dirty="0"/>
-          </a:p>
-        </p:txBody>
-      </p:sp>
-    </p:spTree>
-    <p:extLst>
-      <p:ext uri="{BB962C8B-B14F-4D97-AF65-F5344CB8AC3E}">
-        <p14:creationId xmlns:p14="http://schemas.microsoft.com/office/powerpoint/2010/main" val="485620763"/>
-      </p:ext>
-    </p:extLst>
   </p:cSld>
   <p:clrMapOvr>
     <a:masterClrMapping/>
@@ -4293,6 +4349,115 @@
     </p:spTree>
     <p:extLst>
       <p:ext uri="{BB962C8B-B14F-4D97-AF65-F5344CB8AC3E}">
+        <p14:creationId xmlns:p14="http://schemas.microsoft.com/office/powerpoint/2010/main" val="485620763"/>
+      </p:ext>
+    </p:extLst>
+  </p:cSld>
+  <p:clrMapOvr>
+    <a:masterClrMapping/>
+  </p:clrMapOvr>
+</p:notes>
+</file>
+
+<file path=ppt/notesSlides/notesSlide7.xml><?xml version="1.0" encoding="utf-8"?>
+<p:notes xmlns:a="http://schemas.openxmlformats.org/drawingml/2006/main" xmlns:r="http://schemas.openxmlformats.org/officeDocument/2006/relationships" xmlns:p="http://schemas.openxmlformats.org/presentationml/2006/main" showMasterSp="0" showMasterPhAnim="0">
+  <p:cSld>
+    <p:spTree>
+      <p:nvGrpSpPr>
+        <p:cNvPr id="1" name="Shape 165"/>
+        <p:cNvGrpSpPr/>
+        <p:nvPr/>
+      </p:nvGrpSpPr>
+      <p:grpSpPr>
+        <a:xfrm>
+          <a:off x="0" y="0"/>
+          <a:ext cx="0" cy="0"/>
+          <a:chOff x="0" y="0"/>
+          <a:chExt cx="0" cy="0"/>
+        </a:xfrm>
+      </p:grpSpPr>
+      <p:sp>
+        <p:nvSpPr>
+          <p:cNvPr id="166" name="Google Shape;166;g35f391192_029:notes"/>
+          <p:cNvSpPr>
+            <a:spLocks noGrp="1" noRot="1" noChangeAspect="1"/>
+          </p:cNvSpPr>
+          <p:nvPr>
+            <p:ph type="sldImg" idx="2"/>
+          </p:nvPr>
+        </p:nvSpPr>
+        <p:spPr>
+          <a:xfrm>
+            <a:off x="381000" y="685800"/>
+            <a:ext cx="6096000" cy="3429000"/>
+          </a:xfrm>
+          <a:custGeom>
+            <a:avLst/>
+            <a:gdLst/>
+            <a:ahLst/>
+            <a:cxnLst/>
+            <a:rect l="l" t="t" r="r" b="b"/>
+            <a:pathLst>
+              <a:path w="120000" h="120000" extrusionOk="0">
+                <a:moveTo>
+                  <a:pt x="0" y="0"/>
+                </a:moveTo>
+                <a:lnTo>
+                  <a:pt x="120000" y="0"/>
+                </a:lnTo>
+                <a:lnTo>
+                  <a:pt x="120000" y="120000"/>
+                </a:lnTo>
+                <a:lnTo>
+                  <a:pt x="0" y="120000"/>
+                </a:lnTo>
+                <a:close/>
+              </a:path>
+            </a:pathLst>
+          </a:custGeom>
+        </p:spPr>
+      </p:sp>
+      <p:sp>
+        <p:nvSpPr>
+          <p:cNvPr id="167" name="Google Shape;167;g35f391192_029:notes"/>
+          <p:cNvSpPr txBox="1">
+            <a:spLocks noGrp="1"/>
+          </p:cNvSpPr>
+          <p:nvPr>
+            <p:ph type="body" idx="1"/>
+          </p:nvPr>
+        </p:nvSpPr>
+        <p:spPr>
+          <a:xfrm>
+            <a:off x="685800" y="4343400"/>
+            <a:ext cx="5486400" cy="4114800"/>
+          </a:xfrm>
+          <a:prstGeom prst="rect">
+            <a:avLst/>
+          </a:prstGeom>
+        </p:spPr>
+        <p:txBody>
+          <a:bodyPr spcFirstLastPara="1" wrap="square" lIns="91425" tIns="91425" rIns="91425" bIns="91425" anchor="t" anchorCtr="0">
+            <a:noAutofit/>
+          </a:bodyPr>
+          <a:lstStyle/>
+          <a:p>
+            <a:pPr marL="0" lvl="0" indent="0" algn="l" rtl="0">
+              <a:spcBef>
+                <a:spcPts val="0"/>
+              </a:spcBef>
+              <a:spcAft>
+                <a:spcPts val="0"/>
+              </a:spcAft>
+              <a:buNone/>
+            </a:pPr>
+            <a:endParaRPr dirty="0"/>
+          </a:p>
+        </p:txBody>
+      </p:sp>
+    </p:spTree>
+    <p:extLst>
+      <p:ext uri="{BB962C8B-B14F-4D97-AF65-F5344CB8AC3E}">
         <p14:creationId xmlns:p14="http://schemas.microsoft.com/office/powerpoint/2010/main" val="3362424792"/>
       </p:ext>
     </p:extLst>
@@ -4303,7 +4468,7 @@
 </p:notes>
 </file>
 
-<file path=ppt/notesSlides/notesSlide7.xml><?xml version="1.0" encoding="utf-8"?>
+<file path=ppt/notesSlides/notesSlide8.xml><?xml version="1.0" encoding="utf-8"?>
 <p:notes xmlns:a="http://schemas.openxmlformats.org/drawingml/2006/main" xmlns:r="http://schemas.openxmlformats.org/officeDocument/2006/relationships" xmlns:p="http://schemas.openxmlformats.org/presentationml/2006/main" showMasterSp="0" showMasterPhAnim="0">
   <p:cSld>
     <p:spTree>
@@ -4407,7 +4572,7 @@
 </p:notes>
 </file>
 
-<file path=ppt/notesSlides/notesSlide8.xml><?xml version="1.0" encoding="utf-8"?>
+<file path=ppt/notesSlides/notesSlide9.xml><?xml version="1.0" encoding="utf-8"?>
 <p:notes xmlns:a="http://schemas.openxmlformats.org/drawingml/2006/main" xmlns:r="http://schemas.openxmlformats.org/officeDocument/2006/relationships" xmlns:p="http://schemas.openxmlformats.org/presentationml/2006/main" showMasterSp="0" showMasterPhAnim="0">
   <p:cSld>
     <p:spTree>
@@ -4509,110 +4674,6 @@
         <p14:creationId xmlns:p14="http://schemas.microsoft.com/office/powerpoint/2010/main" val="383694586"/>
       </p:ext>
     </p:extLst>
-  </p:cSld>
-  <p:clrMapOvr>
-    <a:masterClrMapping/>
-  </p:clrMapOvr>
-</p:notes>
-</file>
-
-<file path=ppt/notesSlides/notesSlide9.xml><?xml version="1.0" encoding="utf-8"?>
-<p:notes xmlns:a="http://schemas.openxmlformats.org/drawingml/2006/main" xmlns:r="http://schemas.openxmlformats.org/officeDocument/2006/relationships" xmlns:p="http://schemas.openxmlformats.org/presentationml/2006/main" showMasterSp="0" showMasterPhAnim="0">
-  <p:cSld>
-    <p:spTree>
-      <p:nvGrpSpPr>
-        <p:cNvPr id="1" name="Shape 382"/>
-        <p:cNvGrpSpPr/>
-        <p:nvPr/>
-      </p:nvGrpSpPr>
-      <p:grpSpPr>
-        <a:xfrm>
-          <a:off x="0" y="0"/>
-          <a:ext cx="0" cy="0"/>
-          <a:chOff x="0" y="0"/>
-          <a:chExt cx="0" cy="0"/>
-        </a:xfrm>
-      </p:grpSpPr>
-      <p:sp>
-        <p:nvSpPr>
-          <p:cNvPr id="383" name="Google Shape;383;g35ed75ccf_022:notes"/>
-          <p:cNvSpPr>
-            <a:spLocks noGrp="1" noRot="1" noChangeAspect="1"/>
-          </p:cNvSpPr>
-          <p:nvPr>
-            <p:ph type="sldImg" idx="2"/>
-          </p:nvPr>
-        </p:nvSpPr>
-        <p:spPr>
-          <a:xfrm>
-            <a:off x="381000" y="685800"/>
-            <a:ext cx="6096000" cy="3429000"/>
-          </a:xfrm>
-          <a:custGeom>
-            <a:avLst/>
-            <a:gdLst/>
-            <a:ahLst/>
-            <a:cxnLst/>
-            <a:rect l="l" t="t" r="r" b="b"/>
-            <a:pathLst>
-              <a:path w="120000" h="120000" extrusionOk="0">
-                <a:moveTo>
-                  <a:pt x="0" y="0"/>
-                </a:moveTo>
-                <a:lnTo>
-                  <a:pt x="120000" y="0"/>
-                </a:lnTo>
-                <a:lnTo>
-                  <a:pt x="120000" y="120000"/>
-                </a:lnTo>
-                <a:lnTo>
-                  <a:pt x="0" y="120000"/>
-                </a:lnTo>
-                <a:close/>
-              </a:path>
-            </a:pathLst>
-          </a:custGeom>
-        </p:spPr>
-      </p:sp>
-      <p:sp>
-        <p:nvSpPr>
-          <p:cNvPr id="384" name="Google Shape;384;g35ed75ccf_022:notes"/>
-          <p:cNvSpPr txBox="1">
-            <a:spLocks noGrp="1"/>
-          </p:cNvSpPr>
-          <p:nvPr>
-            <p:ph type="body" idx="1"/>
-          </p:nvPr>
-        </p:nvSpPr>
-        <p:spPr>
-          <a:xfrm>
-            <a:off x="685800" y="4343400"/>
-            <a:ext cx="5486400" cy="4114800"/>
-          </a:xfrm>
-          <a:prstGeom prst="rect">
-            <a:avLst/>
-          </a:prstGeom>
-        </p:spPr>
-        <p:txBody>
-          <a:bodyPr spcFirstLastPara="1" wrap="square" lIns="91425" tIns="91425" rIns="91425" bIns="91425" anchor="t" anchorCtr="0">
-            <a:noAutofit/>
-          </a:bodyPr>
-          <a:lstStyle/>
-          <a:p>
-            <a:pPr marL="0" lvl="0" indent="0" algn="l" rtl="0">
-              <a:spcBef>
-                <a:spcPts val="0"/>
-              </a:spcBef>
-              <a:spcAft>
-                <a:spcPts val="0"/>
-              </a:spcAft>
-              <a:buNone/>
-            </a:pPr>
-            <a:endParaRPr dirty="0"/>
-          </a:p>
-        </p:txBody>
-      </p:sp>
-    </p:spTree>
   </p:cSld>
   <p:clrMapOvr>
     <a:masterClrMapping/>
@@ -14890,6 +14951,89 @@
   <p:clrMapOvr>
     <a:masterClrMapping/>
   </p:clrMapOvr>
+  <p:timing>
+    <p:tnLst>
+      <p:par>
+        <p:cTn id="1" dur="indefinite" restart="never" nodeType="tmRoot">
+          <p:childTnLst>
+            <p:seq concurrent="1" nextAc="seek">
+              <p:cTn id="2" dur="indefinite" nodeType="mainSeq">
+                <p:childTnLst>
+                  <p:par>
+                    <p:cTn id="3" fill="hold">
+                      <p:stCondLst>
+                        <p:cond delay="indefinite"/>
+                      </p:stCondLst>
+                      <p:childTnLst>
+                        <p:par>
+                          <p:cTn id="4" fill="hold">
+                            <p:stCondLst>
+                              <p:cond delay="0"/>
+                            </p:stCondLst>
+                            <p:childTnLst>
+                              <p:par>
+                                <p:cTn id="5" presetID="10" presetClass="entr" presetSubtype="0" fill="hold" nodeType="clickEffect">
+                                  <p:stCondLst>
+                                    <p:cond delay="0"/>
+                                  </p:stCondLst>
+                                  <p:childTnLst>
+                                    <p:set>
+                                      <p:cBhvr>
+                                        <p:cTn id="6" dur="1" fill="hold">
+                                          <p:stCondLst>
+                                            <p:cond delay="0"/>
+                                          </p:stCondLst>
+                                        </p:cTn>
+                                        <p:tgtEl>
+                                          <p:spTgt spid="7"/>
+                                        </p:tgtEl>
+                                        <p:attrNameLst>
+                                          <p:attrName>style.visibility</p:attrName>
+                                        </p:attrNameLst>
+                                      </p:cBhvr>
+                                      <p:to>
+                                        <p:strVal val="visible"/>
+                                      </p:to>
+                                    </p:set>
+                                    <p:animEffect transition="in" filter="fade">
+                                      <p:cBhvr>
+                                        <p:cTn id="7" dur="500"/>
+                                        <p:tgtEl>
+                                          <p:spTgt spid="7"/>
+                                        </p:tgtEl>
+                                      </p:cBhvr>
+                                    </p:animEffect>
+                                  </p:childTnLst>
+                                </p:cTn>
+                              </p:par>
+                            </p:childTnLst>
+                          </p:cTn>
+                        </p:par>
+                      </p:childTnLst>
+                    </p:cTn>
+                  </p:par>
+                </p:childTnLst>
+              </p:cTn>
+              <p:prevCondLst>
+                <p:cond evt="onPrev" delay="0">
+                  <p:tgtEl>
+                    <p:sldTgt/>
+                  </p:tgtEl>
+                </p:cond>
+              </p:prevCondLst>
+              <p:nextCondLst>
+                <p:cond evt="onNext" delay="0">
+                  <p:tgtEl>
+                    <p:sldTgt/>
+                  </p:tgtEl>
+                </p:cond>
+              </p:nextCondLst>
+            </p:seq>
+          </p:childTnLst>
+        </p:cTn>
+      </p:par>
+    </p:tnLst>
+  </p:timing>
 </p:sld>
 </file>
 
@@ -15603,6 +15747,466 @@
   <p:clrMapOvr>
     <a:masterClrMapping/>
   </p:clrMapOvr>
+  <p:timing>
+    <p:tnLst>
+      <p:par>
+        <p:cTn id="1" dur="indefinite" restart="never" nodeType="tmRoot">
+          <p:childTnLst>
+            <p:seq concurrent="1" nextAc="seek">
+              <p:cTn id="2" dur="indefinite" nodeType="mainSeq">
+                <p:childTnLst>
+                  <p:par>
+                    <p:cTn id="3" fill="hold">
+                      <p:stCondLst>
+                        <p:cond delay="indefinite"/>
+                      </p:stCondLst>
+                      <p:childTnLst>
+                        <p:par>
+                          <p:cTn id="4" fill="hold">
+                            <p:stCondLst>
+                              <p:cond delay="0"/>
+                            </p:stCondLst>
+                            <p:childTnLst>
+                              <p:par>
+                                <p:cTn id="5" presetID="10" presetClass="entr" presetSubtype="0" fill="hold" grpId="0" nodeType="clickEffect">
+                                  <p:stCondLst>
+                                    <p:cond delay="0"/>
+                                  </p:stCondLst>
+                                  <p:childTnLst>
+                                    <p:set>
+                                      <p:cBhvr>
+                                        <p:cTn id="6" dur="1" fill="hold">
+                                          <p:stCondLst>
+                                            <p:cond delay="0"/>
+                                          </p:stCondLst>
+                                        </p:cTn>
+                                        <p:tgtEl>
+                                          <p:spTgt spid="170">
+                                            <p:txEl>
+                                              <p:pRg st="0" end="0"/>
+                                            </p:txEl>
+                                          </p:spTgt>
+                                        </p:tgtEl>
+                                        <p:attrNameLst>
+                                          <p:attrName>style.visibility</p:attrName>
+                                        </p:attrNameLst>
+                                      </p:cBhvr>
+                                      <p:to>
+                                        <p:strVal val="visible"/>
+                                      </p:to>
+                                    </p:set>
+                                    <p:animEffect transition="in" filter="fade">
+                                      <p:cBhvr>
+                                        <p:cTn id="7" dur="500"/>
+                                        <p:tgtEl>
+                                          <p:spTgt spid="170">
+                                            <p:txEl>
+                                              <p:pRg st="0" end="0"/>
+                                            </p:txEl>
+                                          </p:spTgt>
+                                        </p:tgtEl>
+                                      </p:cBhvr>
+                                    </p:animEffect>
+                                  </p:childTnLst>
+                                </p:cTn>
+                              </p:par>
+                            </p:childTnLst>
+                          </p:cTn>
+                        </p:par>
+                      </p:childTnLst>
+                    </p:cTn>
+                  </p:par>
+                  <p:par>
+                    <p:cTn id="8" fill="hold">
+                      <p:stCondLst>
+                        <p:cond delay="indefinite"/>
+                      </p:stCondLst>
+                      <p:childTnLst>
+                        <p:par>
+                          <p:cTn id="9" fill="hold">
+                            <p:stCondLst>
+                              <p:cond delay="0"/>
+                            </p:stCondLst>
+                            <p:childTnLst>
+                              <p:par>
+                                <p:cTn id="10" presetID="10" presetClass="entr" presetSubtype="0" fill="hold" grpId="0" nodeType="clickEffect">
+                                  <p:stCondLst>
+                                    <p:cond delay="0"/>
+                                  </p:stCondLst>
+                                  <p:childTnLst>
+                                    <p:set>
+                                      <p:cBhvr>
+                                        <p:cTn id="11" dur="1" fill="hold">
+                                          <p:stCondLst>
+                                            <p:cond delay="0"/>
+                                          </p:stCondLst>
+                                        </p:cTn>
+                                        <p:tgtEl>
+                                          <p:spTgt spid="170">
+                                            <p:txEl>
+                                              <p:pRg st="1" end="1"/>
+                                            </p:txEl>
+                                          </p:spTgt>
+                                        </p:tgtEl>
+                                        <p:attrNameLst>
+                                          <p:attrName>style.visibility</p:attrName>
+                                        </p:attrNameLst>
+                                      </p:cBhvr>
+                                      <p:to>
+                                        <p:strVal val="visible"/>
+                                      </p:to>
+                                    </p:set>
+                                    <p:animEffect transition="in" filter="fade">
+                                      <p:cBhvr>
+                                        <p:cTn id="12" dur="500"/>
+                                        <p:tgtEl>
+                                          <p:spTgt spid="170">
+                                            <p:txEl>
+                                              <p:pRg st="1" end="1"/>
+                                            </p:txEl>
+                                          </p:spTgt>
+                                        </p:tgtEl>
+                                      </p:cBhvr>
+                                    </p:animEffect>
+                                  </p:childTnLst>
+                                </p:cTn>
+                              </p:par>
+                            </p:childTnLst>
+                          </p:cTn>
+                        </p:par>
+                      </p:childTnLst>
+                    </p:cTn>
+                  </p:par>
+                  <p:par>
+                    <p:cTn id="13" fill="hold">
+                      <p:stCondLst>
+                        <p:cond delay="indefinite"/>
+                      </p:stCondLst>
+                      <p:childTnLst>
+                        <p:par>
+                          <p:cTn id="14" fill="hold">
+                            <p:stCondLst>
+                              <p:cond delay="0"/>
+                            </p:stCondLst>
+                            <p:childTnLst>
+                              <p:par>
+                                <p:cTn id="15" presetID="10" presetClass="entr" presetSubtype="0" fill="hold" grpId="0" nodeType="clickEffect">
+                                  <p:stCondLst>
+                                    <p:cond delay="0"/>
+                                  </p:stCondLst>
+                                  <p:childTnLst>
+                                    <p:set>
+                                      <p:cBhvr>
+                                        <p:cTn id="16" dur="1" fill="hold">
+                                          <p:stCondLst>
+                                            <p:cond delay="0"/>
+                                          </p:stCondLst>
+                                        </p:cTn>
+                                        <p:tgtEl>
+                                          <p:spTgt spid="170">
+                                            <p:txEl>
+                                              <p:pRg st="2" end="2"/>
+                                            </p:txEl>
+                                          </p:spTgt>
+                                        </p:tgtEl>
+                                        <p:attrNameLst>
+                                          <p:attrName>style.visibility</p:attrName>
+                                        </p:attrNameLst>
+                                      </p:cBhvr>
+                                      <p:to>
+                                        <p:strVal val="visible"/>
+                                      </p:to>
+                                    </p:set>
+                                    <p:animEffect transition="in" filter="fade">
+                                      <p:cBhvr>
+                                        <p:cTn id="17" dur="500"/>
+                                        <p:tgtEl>
+                                          <p:spTgt spid="170">
+                                            <p:txEl>
+                                              <p:pRg st="2" end="2"/>
+                                            </p:txEl>
+                                          </p:spTgt>
+                                        </p:tgtEl>
+                                      </p:cBhvr>
+                                    </p:animEffect>
+                                  </p:childTnLst>
+                                </p:cTn>
+                              </p:par>
+                            </p:childTnLst>
+                          </p:cTn>
+                        </p:par>
+                      </p:childTnLst>
+                    </p:cTn>
+                  </p:par>
+                  <p:par>
+                    <p:cTn id="18" fill="hold">
+                      <p:stCondLst>
+                        <p:cond delay="indefinite"/>
+                      </p:stCondLst>
+                      <p:childTnLst>
+                        <p:par>
+                          <p:cTn id="19" fill="hold">
+                            <p:stCondLst>
+                              <p:cond delay="0"/>
+                            </p:stCondLst>
+                            <p:childTnLst>
+                              <p:par>
+                                <p:cTn id="20" presetID="10" presetClass="entr" presetSubtype="0" fill="hold" grpId="0" nodeType="clickEffect">
+                                  <p:stCondLst>
+                                    <p:cond delay="0"/>
+                                  </p:stCondLst>
+                                  <p:childTnLst>
+                                    <p:set>
+                                      <p:cBhvr>
+                                        <p:cTn id="21" dur="1" fill="hold">
+                                          <p:stCondLst>
+                                            <p:cond delay="0"/>
+                                          </p:stCondLst>
+                                        </p:cTn>
+                                        <p:tgtEl>
+                                          <p:spTgt spid="170">
+                                            <p:txEl>
+                                              <p:pRg st="3" end="3"/>
+                                            </p:txEl>
+                                          </p:spTgt>
+                                        </p:tgtEl>
+                                        <p:attrNameLst>
+                                          <p:attrName>style.visibility</p:attrName>
+                                        </p:attrNameLst>
+                                      </p:cBhvr>
+                                      <p:to>
+                                        <p:strVal val="visible"/>
+                                      </p:to>
+                                    </p:set>
+                                    <p:animEffect transition="in" filter="fade">
+                                      <p:cBhvr>
+                                        <p:cTn id="22" dur="500"/>
+                                        <p:tgtEl>
+                                          <p:spTgt spid="170">
+                                            <p:txEl>
+                                              <p:pRg st="3" end="3"/>
+                                            </p:txEl>
+                                          </p:spTgt>
+                                        </p:tgtEl>
+                                      </p:cBhvr>
+                                    </p:animEffect>
+                                  </p:childTnLst>
+                                </p:cTn>
+                              </p:par>
+                            </p:childTnLst>
+                          </p:cTn>
+                        </p:par>
+                      </p:childTnLst>
+                    </p:cTn>
+                  </p:par>
+                  <p:par>
+                    <p:cTn id="23" fill="hold">
+                      <p:stCondLst>
+                        <p:cond delay="indefinite"/>
+                      </p:stCondLst>
+                      <p:childTnLst>
+                        <p:par>
+                          <p:cTn id="24" fill="hold">
+                            <p:stCondLst>
+                              <p:cond delay="0"/>
+                            </p:stCondLst>
+                            <p:childTnLst>
+                              <p:par>
+                                <p:cTn id="25" presetID="10" presetClass="entr" presetSubtype="0" fill="hold" grpId="0" nodeType="clickEffect">
+                                  <p:stCondLst>
+                                    <p:cond delay="0"/>
+                                  </p:stCondLst>
+                                  <p:childTnLst>
+                                    <p:set>
+                                      <p:cBhvr>
+                                        <p:cTn id="26" dur="1" fill="hold">
+                                          <p:stCondLst>
+                                            <p:cond delay="0"/>
+                                          </p:stCondLst>
+                                        </p:cTn>
+                                        <p:tgtEl>
+                                          <p:spTgt spid="170">
+                                            <p:txEl>
+                                              <p:pRg st="4" end="4"/>
+                                            </p:txEl>
+                                          </p:spTgt>
+                                        </p:tgtEl>
+                                        <p:attrNameLst>
+                                          <p:attrName>style.visibility</p:attrName>
+                                        </p:attrNameLst>
+                                      </p:cBhvr>
+                                      <p:to>
+                                        <p:strVal val="visible"/>
+                                      </p:to>
+                                    </p:set>
+                                    <p:animEffect transition="in" filter="fade">
+                                      <p:cBhvr>
+                                        <p:cTn id="27" dur="500"/>
+                                        <p:tgtEl>
+                                          <p:spTgt spid="170">
+                                            <p:txEl>
+                                              <p:pRg st="4" end="4"/>
+                                            </p:txEl>
+                                          </p:spTgt>
+                                        </p:tgtEl>
+                                      </p:cBhvr>
+                                    </p:animEffect>
+                                  </p:childTnLst>
+                                </p:cTn>
+                              </p:par>
+                            </p:childTnLst>
+                          </p:cTn>
+                        </p:par>
+                      </p:childTnLst>
+                    </p:cTn>
+                  </p:par>
+                  <p:par>
+                    <p:cTn id="28" fill="hold">
+                      <p:stCondLst>
+                        <p:cond delay="indefinite"/>
+                      </p:stCondLst>
+                      <p:childTnLst>
+                        <p:par>
+                          <p:cTn id="29" fill="hold">
+                            <p:stCondLst>
+                              <p:cond delay="0"/>
+                            </p:stCondLst>
+                            <p:childTnLst>
+                              <p:par>
+                                <p:cTn id="30" presetID="10" presetClass="entr" presetSubtype="0" fill="hold" grpId="0" nodeType="clickEffect">
+                                  <p:stCondLst>
+                                    <p:cond delay="0"/>
+                                  </p:stCondLst>
+                                  <p:childTnLst>
+                                    <p:set>
+                                      <p:cBhvr>
+                                        <p:cTn id="31" dur="1" fill="hold">
+                                          <p:stCondLst>
+                                            <p:cond delay="0"/>
+                                          </p:stCondLst>
+                                        </p:cTn>
+                                        <p:tgtEl>
+                                          <p:spTgt spid="170">
+                                            <p:txEl>
+                                              <p:pRg st="5" end="5"/>
+                                            </p:txEl>
+                                          </p:spTgt>
+                                        </p:tgtEl>
+                                        <p:attrNameLst>
+                                          <p:attrName>style.visibility</p:attrName>
+                                        </p:attrNameLst>
+                                      </p:cBhvr>
+                                      <p:to>
+                                        <p:strVal val="visible"/>
+                                      </p:to>
+                                    </p:set>
+                                    <p:animEffect transition="in" filter="fade">
+                                      <p:cBhvr>
+                                        <p:cTn id="32" dur="500"/>
+                                        <p:tgtEl>
+                                          <p:spTgt spid="170">
+                                            <p:txEl>
+                                              <p:pRg st="5" end="5"/>
+                                            </p:txEl>
+                                          </p:spTgt>
+                                        </p:tgtEl>
+                                      </p:cBhvr>
+                                    </p:animEffect>
+                                  </p:childTnLst>
+                                </p:cTn>
+                              </p:par>
+                            </p:childTnLst>
+                          </p:cTn>
+                        </p:par>
+                      </p:childTnLst>
+                    </p:cTn>
+                  </p:par>
+                  <p:par>
+                    <p:cTn id="33" fill="hold">
+                      <p:stCondLst>
+                        <p:cond delay="indefinite"/>
+                      </p:stCondLst>
+                      <p:childTnLst>
+                        <p:par>
+                          <p:cTn id="34" fill="hold">
+                            <p:stCondLst>
+                              <p:cond delay="0"/>
+                            </p:stCondLst>
+                            <p:childTnLst>
+                              <p:par>
+                                <p:cTn id="35" presetID="10" presetClass="entr" presetSubtype="0" fill="hold" grpId="0" nodeType="clickEffect">
+                                  <p:stCondLst>
+                                    <p:cond delay="0"/>
+                                  </p:stCondLst>
+                                  <p:childTnLst>
+                                    <p:set>
+                                      <p:cBhvr>
+                                        <p:cTn id="36" dur="1" fill="hold">
+                                          <p:stCondLst>
+                                            <p:cond delay="0"/>
+                                          </p:stCondLst>
+                                        </p:cTn>
+                                        <p:tgtEl>
+                                          <p:spTgt spid="170">
+                                            <p:txEl>
+                                              <p:pRg st="6" end="6"/>
+                                            </p:txEl>
+                                          </p:spTgt>
+                                        </p:tgtEl>
+                                        <p:attrNameLst>
+                                          <p:attrName>style.visibility</p:attrName>
+                                        </p:attrNameLst>
+                                      </p:cBhvr>
+                                      <p:to>
+                                        <p:strVal val="visible"/>
+                                      </p:to>
+                                    </p:set>
+                                    <p:animEffect transition="in" filter="fade">
+                                      <p:cBhvr>
+                                        <p:cTn id="37" dur="500"/>
+                                        <p:tgtEl>
+                                          <p:spTgt spid="170">
+                                            <p:txEl>
+                                              <p:pRg st="6" end="6"/>
+                                            </p:txEl>
+                                          </p:spTgt>
+                                        </p:tgtEl>
+                                      </p:cBhvr>
+                                    </p:animEffect>
+                                  </p:childTnLst>
+                                </p:cTn>
+                              </p:par>
+                            </p:childTnLst>
+                          </p:cTn>
+                        </p:par>
+                      </p:childTnLst>
+                    </p:cTn>
+                  </p:par>
+                </p:childTnLst>
+              </p:cTn>
+              <p:prevCondLst>
+                <p:cond evt="onPrev" delay="0">
+                  <p:tgtEl>
+                    <p:sldTgt/>
+                  </p:tgtEl>
+                </p:cond>
+              </p:prevCondLst>
+              <p:nextCondLst>
+                <p:cond evt="onNext" delay="0">
+                  <p:tgtEl>
+                    <p:sldTgt/>
+                  </p:tgtEl>
+                </p:cond>
+              </p:nextCondLst>
+            </p:seq>
+          </p:childTnLst>
+        </p:cTn>
+      </p:par>
+    </p:tnLst>
+    <p:bldLst>
+      <p:bldP spid="170" grpId="0" build="p"/>
+    </p:bldLst>
+  </p:timing>
 </p:sld>
 </file>
 
@@ -17519,8 +18123,8 @@
         </p:nvSpPr>
         <p:spPr>
           <a:xfrm>
-            <a:off x="-958852" y="3227011"/>
-            <a:ext cx="4572000" cy="307777"/>
+            <a:off x="950621" y="3209377"/>
+            <a:ext cx="923004" cy="307777"/>
           </a:xfrm>
           <a:prstGeom prst="rect">
             <a:avLst/>
@@ -18434,6 +19038,924 @@
   <p:clrMapOvr>
     <a:masterClrMapping/>
   </p:clrMapOvr>
+  <p:timing>
+    <p:tnLst>
+      <p:par>
+        <p:cTn id="1" dur="indefinite" restart="never" nodeType="tmRoot">
+          <p:childTnLst>
+            <p:seq concurrent="1" nextAc="seek">
+              <p:cTn id="2" dur="indefinite" nodeType="mainSeq">
+                <p:childTnLst>
+                  <p:par>
+                    <p:cTn id="3" fill="hold">
+                      <p:stCondLst>
+                        <p:cond delay="indefinite"/>
+                      </p:stCondLst>
+                      <p:childTnLst>
+                        <p:par>
+                          <p:cTn id="4" fill="hold">
+                            <p:stCondLst>
+                              <p:cond delay="0"/>
+                            </p:stCondLst>
+                            <p:childTnLst>
+                              <p:par>
+                                <p:cTn id="5" presetID="10" presetClass="entr" presetSubtype="0" fill="hold" nodeType="clickEffect">
+                                  <p:stCondLst>
+                                    <p:cond delay="0"/>
+                                  </p:stCondLst>
+                                  <p:childTnLst>
+                                    <p:set>
+                                      <p:cBhvr>
+                                        <p:cTn id="6" dur="1" fill="hold">
+                                          <p:stCondLst>
+                                            <p:cond delay="0"/>
+                                          </p:stCondLst>
+                                        </p:cTn>
+                                        <p:tgtEl>
+                                          <p:spTgt spid="6"/>
+                                        </p:tgtEl>
+                                        <p:attrNameLst>
+                                          <p:attrName>style.visibility</p:attrName>
+                                        </p:attrNameLst>
+                                      </p:cBhvr>
+                                      <p:to>
+                                        <p:strVal val="visible"/>
+                                      </p:to>
+                                    </p:set>
+                                    <p:animEffect transition="in" filter="fade">
+                                      <p:cBhvr>
+                                        <p:cTn id="7" dur="500"/>
+                                        <p:tgtEl>
+                                          <p:spTgt spid="6"/>
+                                        </p:tgtEl>
+                                      </p:cBhvr>
+                                    </p:animEffect>
+                                  </p:childTnLst>
+                                </p:cTn>
+                              </p:par>
+                              <p:par>
+                                <p:cTn id="8" presetID="10" presetClass="entr" presetSubtype="0" fill="hold" grpId="0" nodeType="withEffect">
+                                  <p:stCondLst>
+                                    <p:cond delay="0"/>
+                                  </p:stCondLst>
+                                  <p:childTnLst>
+                                    <p:set>
+                                      <p:cBhvr>
+                                        <p:cTn id="9" dur="1" fill="hold">
+                                          <p:stCondLst>
+                                            <p:cond delay="0"/>
+                                          </p:stCondLst>
+                                        </p:cTn>
+                                        <p:tgtEl>
+                                          <p:spTgt spid="15"/>
+                                        </p:tgtEl>
+                                        <p:attrNameLst>
+                                          <p:attrName>style.visibility</p:attrName>
+                                        </p:attrNameLst>
+                                      </p:cBhvr>
+                                      <p:to>
+                                        <p:strVal val="visible"/>
+                                      </p:to>
+                                    </p:set>
+                                    <p:animEffect transition="in" filter="fade">
+                                      <p:cBhvr>
+                                        <p:cTn id="10" dur="500"/>
+                                        <p:tgtEl>
+                                          <p:spTgt spid="15"/>
+                                        </p:tgtEl>
+                                      </p:cBhvr>
+                                    </p:animEffect>
+                                  </p:childTnLst>
+                                </p:cTn>
+                              </p:par>
+                              <p:par>
+                                <p:cTn id="11" presetID="10" presetClass="entr" presetSubtype="0" fill="hold" nodeType="withEffect">
+                                  <p:stCondLst>
+                                    <p:cond delay="0"/>
+                                  </p:stCondLst>
+                                  <p:childTnLst>
+                                    <p:set>
+                                      <p:cBhvr>
+                                        <p:cTn id="12" dur="1" fill="hold">
+                                          <p:stCondLst>
+                                            <p:cond delay="0"/>
+                                          </p:stCondLst>
+                                        </p:cTn>
+                                        <p:tgtEl>
+                                          <p:spTgt spid="13"/>
+                                        </p:tgtEl>
+                                        <p:attrNameLst>
+                                          <p:attrName>style.visibility</p:attrName>
+                                        </p:attrNameLst>
+                                      </p:cBhvr>
+                                      <p:to>
+                                        <p:strVal val="visible"/>
+                                      </p:to>
+                                    </p:set>
+                                    <p:animEffect transition="in" filter="fade">
+                                      <p:cBhvr>
+                                        <p:cTn id="13" dur="500"/>
+                                        <p:tgtEl>
+                                          <p:spTgt spid="13"/>
+                                        </p:tgtEl>
+                                      </p:cBhvr>
+                                    </p:animEffect>
+                                  </p:childTnLst>
+                                </p:cTn>
+                              </p:par>
+                              <p:par>
+                                <p:cTn id="14" presetID="10" presetClass="entr" presetSubtype="0" fill="hold" grpId="0" nodeType="withEffect">
+                                  <p:stCondLst>
+                                    <p:cond delay="0"/>
+                                  </p:stCondLst>
+                                  <p:childTnLst>
+                                    <p:set>
+                                      <p:cBhvr>
+                                        <p:cTn id="15" dur="1" fill="hold">
+                                          <p:stCondLst>
+                                            <p:cond delay="0"/>
+                                          </p:stCondLst>
+                                        </p:cTn>
+                                        <p:tgtEl>
+                                          <p:spTgt spid="3"/>
+                                        </p:tgtEl>
+                                        <p:attrNameLst>
+                                          <p:attrName>style.visibility</p:attrName>
+                                        </p:attrNameLst>
+                                      </p:cBhvr>
+                                      <p:to>
+                                        <p:strVal val="visible"/>
+                                      </p:to>
+                                    </p:set>
+                                    <p:animEffect transition="in" filter="fade">
+                                      <p:cBhvr>
+                                        <p:cTn id="16" dur="500"/>
+                                        <p:tgtEl>
+                                          <p:spTgt spid="3"/>
+                                        </p:tgtEl>
+                                      </p:cBhvr>
+                                    </p:animEffect>
+                                  </p:childTnLst>
+                                </p:cTn>
+                              </p:par>
+                              <p:par>
+                                <p:cTn id="17" presetID="10" presetClass="entr" presetSubtype="0" fill="hold" grpId="0" nodeType="withEffect">
+                                  <p:stCondLst>
+                                    <p:cond delay="0"/>
+                                  </p:stCondLst>
+                                  <p:childTnLst>
+                                    <p:set>
+                                      <p:cBhvr>
+                                        <p:cTn id="18" dur="1" fill="hold">
+                                          <p:stCondLst>
+                                            <p:cond delay="0"/>
+                                          </p:stCondLst>
+                                        </p:cTn>
+                                        <p:tgtEl>
+                                          <p:spTgt spid="14"/>
+                                        </p:tgtEl>
+                                        <p:attrNameLst>
+                                          <p:attrName>style.visibility</p:attrName>
+                                        </p:attrNameLst>
+                                      </p:cBhvr>
+                                      <p:to>
+                                        <p:strVal val="visible"/>
+                                      </p:to>
+                                    </p:set>
+                                    <p:animEffect transition="in" filter="fade">
+                                      <p:cBhvr>
+                                        <p:cTn id="19" dur="500"/>
+                                        <p:tgtEl>
+                                          <p:spTgt spid="14"/>
+                                        </p:tgtEl>
+                                      </p:cBhvr>
+                                    </p:animEffect>
+                                  </p:childTnLst>
+                                </p:cTn>
+                              </p:par>
+                              <p:par>
+                                <p:cTn id="20" presetID="10" presetClass="entr" presetSubtype="0" fill="hold" nodeType="withEffect">
+                                  <p:stCondLst>
+                                    <p:cond delay="0"/>
+                                  </p:stCondLst>
+                                  <p:childTnLst>
+                                    <p:set>
+                                      <p:cBhvr>
+                                        <p:cTn id="21" dur="1" fill="hold">
+                                          <p:stCondLst>
+                                            <p:cond delay="0"/>
+                                          </p:stCondLst>
+                                        </p:cTn>
+                                        <p:tgtEl>
+                                          <p:spTgt spid="7"/>
+                                        </p:tgtEl>
+                                        <p:attrNameLst>
+                                          <p:attrName>style.visibility</p:attrName>
+                                        </p:attrNameLst>
+                                      </p:cBhvr>
+                                      <p:to>
+                                        <p:strVal val="visible"/>
+                                      </p:to>
+                                    </p:set>
+                                    <p:animEffect transition="in" filter="fade">
+                                      <p:cBhvr>
+                                        <p:cTn id="22" dur="500"/>
+                                        <p:tgtEl>
+                                          <p:spTgt spid="7"/>
+                                        </p:tgtEl>
+                                      </p:cBhvr>
+                                    </p:animEffect>
+                                  </p:childTnLst>
+                                </p:cTn>
+                              </p:par>
+                              <p:par>
+                                <p:cTn id="23" presetID="10" presetClass="entr" presetSubtype="0" fill="hold" nodeType="withEffect">
+                                  <p:stCondLst>
+                                    <p:cond delay="0"/>
+                                  </p:stCondLst>
+                                  <p:childTnLst>
+                                    <p:set>
+                                      <p:cBhvr>
+                                        <p:cTn id="24" dur="1" fill="hold">
+                                          <p:stCondLst>
+                                            <p:cond delay="0"/>
+                                          </p:stCondLst>
+                                        </p:cTn>
+                                        <p:tgtEl>
+                                          <p:spTgt spid="5"/>
+                                        </p:tgtEl>
+                                        <p:attrNameLst>
+                                          <p:attrName>style.visibility</p:attrName>
+                                        </p:attrNameLst>
+                                      </p:cBhvr>
+                                      <p:to>
+                                        <p:strVal val="visible"/>
+                                      </p:to>
+                                    </p:set>
+                                    <p:animEffect transition="in" filter="fade">
+                                      <p:cBhvr>
+                                        <p:cTn id="25" dur="500"/>
+                                        <p:tgtEl>
+                                          <p:spTgt spid="5"/>
+                                        </p:tgtEl>
+                                      </p:cBhvr>
+                                    </p:animEffect>
+                                  </p:childTnLst>
+                                </p:cTn>
+                              </p:par>
+                              <p:par>
+                                <p:cTn id="26" presetID="10" presetClass="entr" presetSubtype="0" fill="hold" nodeType="withEffect">
+                                  <p:stCondLst>
+                                    <p:cond delay="0"/>
+                                  </p:stCondLst>
+                                  <p:childTnLst>
+                                    <p:set>
+                                      <p:cBhvr>
+                                        <p:cTn id="27" dur="1" fill="hold">
+                                          <p:stCondLst>
+                                            <p:cond delay="0"/>
+                                          </p:stCondLst>
+                                        </p:cTn>
+                                        <p:tgtEl>
+                                          <p:spTgt spid="12"/>
+                                        </p:tgtEl>
+                                        <p:attrNameLst>
+                                          <p:attrName>style.visibility</p:attrName>
+                                        </p:attrNameLst>
+                                      </p:cBhvr>
+                                      <p:to>
+                                        <p:strVal val="visible"/>
+                                      </p:to>
+                                    </p:set>
+                                    <p:animEffect transition="in" filter="fade">
+                                      <p:cBhvr>
+                                        <p:cTn id="28" dur="500"/>
+                                        <p:tgtEl>
+                                          <p:spTgt spid="12"/>
+                                        </p:tgtEl>
+                                      </p:cBhvr>
+                                    </p:animEffect>
+                                  </p:childTnLst>
+                                </p:cTn>
+                              </p:par>
+                              <p:par>
+                                <p:cTn id="29" presetID="10" presetClass="entr" presetSubtype="0" fill="hold" grpId="0" nodeType="withEffect">
+                                  <p:stCondLst>
+                                    <p:cond delay="0"/>
+                                  </p:stCondLst>
+                                  <p:childTnLst>
+                                    <p:set>
+                                      <p:cBhvr>
+                                        <p:cTn id="30" dur="1" fill="hold">
+                                          <p:stCondLst>
+                                            <p:cond delay="0"/>
+                                          </p:stCondLst>
+                                        </p:cTn>
+                                        <p:tgtEl>
+                                          <p:spTgt spid="29"/>
+                                        </p:tgtEl>
+                                        <p:attrNameLst>
+                                          <p:attrName>style.visibility</p:attrName>
+                                        </p:attrNameLst>
+                                      </p:cBhvr>
+                                      <p:to>
+                                        <p:strVal val="visible"/>
+                                      </p:to>
+                                    </p:set>
+                                    <p:animEffect transition="in" filter="fade">
+                                      <p:cBhvr>
+                                        <p:cTn id="31" dur="500"/>
+                                        <p:tgtEl>
+                                          <p:spTgt spid="29"/>
+                                        </p:tgtEl>
+                                      </p:cBhvr>
+                                    </p:animEffect>
+                                  </p:childTnLst>
+                                </p:cTn>
+                              </p:par>
+                            </p:childTnLst>
+                          </p:cTn>
+                        </p:par>
+                      </p:childTnLst>
+                    </p:cTn>
+                  </p:par>
+                  <p:par>
+                    <p:cTn id="32" fill="hold">
+                      <p:stCondLst>
+                        <p:cond delay="indefinite"/>
+                      </p:stCondLst>
+                      <p:childTnLst>
+                        <p:par>
+                          <p:cTn id="33" fill="hold">
+                            <p:stCondLst>
+                              <p:cond delay="0"/>
+                            </p:stCondLst>
+                            <p:childTnLst>
+                              <p:par>
+                                <p:cTn id="34" presetID="10" presetClass="entr" presetSubtype="0" fill="hold" nodeType="clickEffect">
+                                  <p:stCondLst>
+                                    <p:cond delay="0"/>
+                                  </p:stCondLst>
+                                  <p:childTnLst>
+                                    <p:set>
+                                      <p:cBhvr>
+                                        <p:cTn id="35" dur="1" fill="hold">
+                                          <p:stCondLst>
+                                            <p:cond delay="0"/>
+                                          </p:stCondLst>
+                                        </p:cTn>
+                                        <p:tgtEl>
+                                          <p:spTgt spid="27"/>
+                                        </p:tgtEl>
+                                        <p:attrNameLst>
+                                          <p:attrName>style.visibility</p:attrName>
+                                        </p:attrNameLst>
+                                      </p:cBhvr>
+                                      <p:to>
+                                        <p:strVal val="visible"/>
+                                      </p:to>
+                                    </p:set>
+                                    <p:animEffect transition="in" filter="fade">
+                                      <p:cBhvr>
+                                        <p:cTn id="36" dur="500"/>
+                                        <p:tgtEl>
+                                          <p:spTgt spid="27"/>
+                                        </p:tgtEl>
+                                      </p:cBhvr>
+                                    </p:animEffect>
+                                  </p:childTnLst>
+                                </p:cTn>
+                              </p:par>
+                              <p:par>
+                                <p:cTn id="37" presetID="10" presetClass="entr" presetSubtype="0" fill="hold" nodeType="withEffect">
+                                  <p:stCondLst>
+                                    <p:cond delay="0"/>
+                                  </p:stCondLst>
+                                  <p:childTnLst>
+                                    <p:set>
+                                      <p:cBhvr>
+                                        <p:cTn id="38" dur="1" fill="hold">
+                                          <p:stCondLst>
+                                            <p:cond delay="0"/>
+                                          </p:stCondLst>
+                                        </p:cTn>
+                                        <p:tgtEl>
+                                          <p:spTgt spid="43"/>
+                                        </p:tgtEl>
+                                        <p:attrNameLst>
+                                          <p:attrName>style.visibility</p:attrName>
+                                        </p:attrNameLst>
+                                      </p:cBhvr>
+                                      <p:to>
+                                        <p:strVal val="visible"/>
+                                      </p:to>
+                                    </p:set>
+                                    <p:animEffect transition="in" filter="fade">
+                                      <p:cBhvr>
+                                        <p:cTn id="39" dur="500"/>
+                                        <p:tgtEl>
+                                          <p:spTgt spid="43"/>
+                                        </p:tgtEl>
+                                      </p:cBhvr>
+                                    </p:animEffect>
+                                  </p:childTnLst>
+                                </p:cTn>
+                              </p:par>
+                              <p:par>
+                                <p:cTn id="40" presetID="10" presetClass="entr" presetSubtype="0" fill="hold" nodeType="withEffect">
+                                  <p:stCondLst>
+                                    <p:cond delay="0"/>
+                                  </p:stCondLst>
+                                  <p:childTnLst>
+                                    <p:set>
+                                      <p:cBhvr>
+                                        <p:cTn id="41" dur="1" fill="hold">
+                                          <p:stCondLst>
+                                            <p:cond delay="0"/>
+                                          </p:stCondLst>
+                                        </p:cTn>
+                                        <p:tgtEl>
+                                          <p:spTgt spid="16"/>
+                                        </p:tgtEl>
+                                        <p:attrNameLst>
+                                          <p:attrName>style.visibility</p:attrName>
+                                        </p:attrNameLst>
+                                      </p:cBhvr>
+                                      <p:to>
+                                        <p:strVal val="visible"/>
+                                      </p:to>
+                                    </p:set>
+                                    <p:animEffect transition="in" filter="fade">
+                                      <p:cBhvr>
+                                        <p:cTn id="42" dur="500"/>
+                                        <p:tgtEl>
+                                          <p:spTgt spid="16"/>
+                                        </p:tgtEl>
+                                      </p:cBhvr>
+                                    </p:animEffect>
+                                  </p:childTnLst>
+                                </p:cTn>
+                              </p:par>
+                              <p:par>
+                                <p:cTn id="43" presetID="10" presetClass="entr" presetSubtype="0" fill="hold" grpId="0" nodeType="withEffect">
+                                  <p:stCondLst>
+                                    <p:cond delay="0"/>
+                                  </p:stCondLst>
+                                  <p:childTnLst>
+                                    <p:set>
+                                      <p:cBhvr>
+                                        <p:cTn id="44" dur="1" fill="hold">
+                                          <p:stCondLst>
+                                            <p:cond delay="0"/>
+                                          </p:stCondLst>
+                                        </p:cTn>
+                                        <p:tgtEl>
+                                          <p:spTgt spid="17"/>
+                                        </p:tgtEl>
+                                        <p:attrNameLst>
+                                          <p:attrName>style.visibility</p:attrName>
+                                        </p:attrNameLst>
+                                      </p:cBhvr>
+                                      <p:to>
+                                        <p:strVal val="visible"/>
+                                      </p:to>
+                                    </p:set>
+                                    <p:animEffect transition="in" filter="fade">
+                                      <p:cBhvr>
+                                        <p:cTn id="45" dur="500"/>
+                                        <p:tgtEl>
+                                          <p:spTgt spid="17"/>
+                                        </p:tgtEl>
+                                      </p:cBhvr>
+                                    </p:animEffect>
+                                  </p:childTnLst>
+                                </p:cTn>
+                              </p:par>
+                            </p:childTnLst>
+                          </p:cTn>
+                        </p:par>
+                      </p:childTnLst>
+                    </p:cTn>
+                  </p:par>
+                  <p:par>
+                    <p:cTn id="46" fill="hold">
+                      <p:stCondLst>
+                        <p:cond delay="indefinite"/>
+                      </p:stCondLst>
+                      <p:childTnLst>
+                        <p:par>
+                          <p:cTn id="47" fill="hold">
+                            <p:stCondLst>
+                              <p:cond delay="0"/>
+                            </p:stCondLst>
+                            <p:childTnLst>
+                              <p:par>
+                                <p:cTn id="48" presetID="10" presetClass="entr" presetSubtype="0" fill="hold" grpId="0" nodeType="clickEffect">
+                                  <p:stCondLst>
+                                    <p:cond delay="0"/>
+                                  </p:stCondLst>
+                                  <p:childTnLst>
+                                    <p:set>
+                                      <p:cBhvr>
+                                        <p:cTn id="49" dur="1" fill="hold">
+                                          <p:stCondLst>
+                                            <p:cond delay="0"/>
+                                          </p:stCondLst>
+                                        </p:cTn>
+                                        <p:tgtEl>
+                                          <p:spTgt spid="19"/>
+                                        </p:tgtEl>
+                                        <p:attrNameLst>
+                                          <p:attrName>style.visibility</p:attrName>
+                                        </p:attrNameLst>
+                                      </p:cBhvr>
+                                      <p:to>
+                                        <p:strVal val="visible"/>
+                                      </p:to>
+                                    </p:set>
+                                    <p:animEffect transition="in" filter="fade">
+                                      <p:cBhvr>
+                                        <p:cTn id="50" dur="500"/>
+                                        <p:tgtEl>
+                                          <p:spTgt spid="19"/>
+                                        </p:tgtEl>
+                                      </p:cBhvr>
+                                    </p:animEffect>
+                                  </p:childTnLst>
+                                </p:cTn>
+                              </p:par>
+                              <p:par>
+                                <p:cTn id="51" presetID="10" presetClass="entr" presetSubtype="0" fill="hold" nodeType="withEffect">
+                                  <p:stCondLst>
+                                    <p:cond delay="0"/>
+                                  </p:stCondLst>
+                                  <p:childTnLst>
+                                    <p:set>
+                                      <p:cBhvr>
+                                        <p:cTn id="52" dur="1" fill="hold">
+                                          <p:stCondLst>
+                                            <p:cond delay="0"/>
+                                          </p:stCondLst>
+                                        </p:cTn>
+                                        <p:tgtEl>
+                                          <p:spTgt spid="22"/>
+                                        </p:tgtEl>
+                                        <p:attrNameLst>
+                                          <p:attrName>style.visibility</p:attrName>
+                                        </p:attrNameLst>
+                                      </p:cBhvr>
+                                      <p:to>
+                                        <p:strVal val="visible"/>
+                                      </p:to>
+                                    </p:set>
+                                    <p:animEffect transition="in" filter="fade">
+                                      <p:cBhvr>
+                                        <p:cTn id="53" dur="500"/>
+                                        <p:tgtEl>
+                                          <p:spTgt spid="22"/>
+                                        </p:tgtEl>
+                                      </p:cBhvr>
+                                    </p:animEffect>
+                                  </p:childTnLst>
+                                </p:cTn>
+                              </p:par>
+                              <p:par>
+                                <p:cTn id="54" presetID="10" presetClass="entr" presetSubtype="0" fill="hold" nodeType="withEffect">
+                                  <p:stCondLst>
+                                    <p:cond delay="0"/>
+                                  </p:stCondLst>
+                                  <p:childTnLst>
+                                    <p:set>
+                                      <p:cBhvr>
+                                        <p:cTn id="55" dur="1" fill="hold">
+                                          <p:stCondLst>
+                                            <p:cond delay="0"/>
+                                          </p:stCondLst>
+                                        </p:cTn>
+                                        <p:tgtEl>
+                                          <p:spTgt spid="23"/>
+                                        </p:tgtEl>
+                                        <p:attrNameLst>
+                                          <p:attrName>style.visibility</p:attrName>
+                                        </p:attrNameLst>
+                                      </p:cBhvr>
+                                      <p:to>
+                                        <p:strVal val="visible"/>
+                                      </p:to>
+                                    </p:set>
+                                    <p:animEffect transition="in" filter="fade">
+                                      <p:cBhvr>
+                                        <p:cTn id="56" dur="500"/>
+                                        <p:tgtEl>
+                                          <p:spTgt spid="23"/>
+                                        </p:tgtEl>
+                                      </p:cBhvr>
+                                    </p:animEffect>
+                                  </p:childTnLst>
+                                </p:cTn>
+                              </p:par>
+                              <p:par>
+                                <p:cTn id="57" presetID="10" presetClass="entr" presetSubtype="0" fill="hold" grpId="0" nodeType="withEffect">
+                                  <p:stCondLst>
+                                    <p:cond delay="0"/>
+                                  </p:stCondLst>
+                                  <p:childTnLst>
+                                    <p:set>
+                                      <p:cBhvr>
+                                        <p:cTn id="58" dur="1" fill="hold">
+                                          <p:stCondLst>
+                                            <p:cond delay="0"/>
+                                          </p:stCondLst>
+                                        </p:cTn>
+                                        <p:tgtEl>
+                                          <p:spTgt spid="21"/>
+                                        </p:tgtEl>
+                                        <p:attrNameLst>
+                                          <p:attrName>style.visibility</p:attrName>
+                                        </p:attrNameLst>
+                                      </p:cBhvr>
+                                      <p:to>
+                                        <p:strVal val="visible"/>
+                                      </p:to>
+                                    </p:set>
+                                    <p:animEffect transition="in" filter="fade">
+                                      <p:cBhvr>
+                                        <p:cTn id="59" dur="500"/>
+                                        <p:tgtEl>
+                                          <p:spTgt spid="21"/>
+                                        </p:tgtEl>
+                                      </p:cBhvr>
+                                    </p:animEffect>
+                                  </p:childTnLst>
+                                </p:cTn>
+                              </p:par>
+                            </p:childTnLst>
+                          </p:cTn>
+                        </p:par>
+                      </p:childTnLst>
+                    </p:cTn>
+                  </p:par>
+                  <p:par>
+                    <p:cTn id="60" fill="hold">
+                      <p:stCondLst>
+                        <p:cond delay="indefinite"/>
+                      </p:stCondLst>
+                      <p:childTnLst>
+                        <p:par>
+                          <p:cTn id="61" fill="hold">
+                            <p:stCondLst>
+                              <p:cond delay="0"/>
+                            </p:stCondLst>
+                            <p:childTnLst>
+                              <p:par>
+                                <p:cTn id="62" presetID="10" presetClass="entr" presetSubtype="0" fill="hold" nodeType="clickEffect">
+                                  <p:stCondLst>
+                                    <p:cond delay="0"/>
+                                  </p:stCondLst>
+                                  <p:childTnLst>
+                                    <p:set>
+                                      <p:cBhvr>
+                                        <p:cTn id="63" dur="1" fill="hold">
+                                          <p:stCondLst>
+                                            <p:cond delay="0"/>
+                                          </p:stCondLst>
+                                        </p:cTn>
+                                        <p:tgtEl>
+                                          <p:spTgt spid="33"/>
+                                        </p:tgtEl>
+                                        <p:attrNameLst>
+                                          <p:attrName>style.visibility</p:attrName>
+                                        </p:attrNameLst>
+                                      </p:cBhvr>
+                                      <p:to>
+                                        <p:strVal val="visible"/>
+                                      </p:to>
+                                    </p:set>
+                                    <p:animEffect transition="in" filter="fade">
+                                      <p:cBhvr>
+                                        <p:cTn id="64" dur="500"/>
+                                        <p:tgtEl>
+                                          <p:spTgt spid="33"/>
+                                        </p:tgtEl>
+                                      </p:cBhvr>
+                                    </p:animEffect>
+                                  </p:childTnLst>
+                                </p:cTn>
+                              </p:par>
+                              <p:par>
+                                <p:cTn id="65" presetID="10" presetClass="entr" presetSubtype="0" fill="hold" nodeType="withEffect">
+                                  <p:stCondLst>
+                                    <p:cond delay="0"/>
+                                  </p:stCondLst>
+                                  <p:childTnLst>
+                                    <p:set>
+                                      <p:cBhvr>
+                                        <p:cTn id="66" dur="1" fill="hold">
+                                          <p:stCondLst>
+                                            <p:cond delay="0"/>
+                                          </p:stCondLst>
+                                        </p:cTn>
+                                        <p:tgtEl>
+                                          <p:spTgt spid="32"/>
+                                        </p:tgtEl>
+                                        <p:attrNameLst>
+                                          <p:attrName>style.visibility</p:attrName>
+                                        </p:attrNameLst>
+                                      </p:cBhvr>
+                                      <p:to>
+                                        <p:strVal val="visible"/>
+                                      </p:to>
+                                    </p:set>
+                                    <p:animEffect transition="in" filter="fade">
+                                      <p:cBhvr>
+                                        <p:cTn id="67" dur="500"/>
+                                        <p:tgtEl>
+                                          <p:spTgt spid="32"/>
+                                        </p:tgtEl>
+                                      </p:cBhvr>
+                                    </p:animEffect>
+                                  </p:childTnLst>
+                                </p:cTn>
+                              </p:par>
+                              <p:par>
+                                <p:cTn id="68" presetID="10" presetClass="entr" presetSubtype="0" fill="hold" grpId="0" nodeType="withEffect">
+                                  <p:stCondLst>
+                                    <p:cond delay="0"/>
+                                  </p:stCondLst>
+                                  <p:childTnLst>
+                                    <p:set>
+                                      <p:cBhvr>
+                                        <p:cTn id="69" dur="1" fill="hold">
+                                          <p:stCondLst>
+                                            <p:cond delay="0"/>
+                                          </p:stCondLst>
+                                        </p:cTn>
+                                        <p:tgtEl>
+                                          <p:spTgt spid="18"/>
+                                        </p:tgtEl>
+                                        <p:attrNameLst>
+                                          <p:attrName>style.visibility</p:attrName>
+                                        </p:attrNameLst>
+                                      </p:cBhvr>
+                                      <p:to>
+                                        <p:strVal val="visible"/>
+                                      </p:to>
+                                    </p:set>
+                                    <p:animEffect transition="in" filter="fade">
+                                      <p:cBhvr>
+                                        <p:cTn id="70" dur="500"/>
+                                        <p:tgtEl>
+                                          <p:spTgt spid="18"/>
+                                        </p:tgtEl>
+                                      </p:cBhvr>
+                                    </p:animEffect>
+                                  </p:childTnLst>
+                                </p:cTn>
+                              </p:par>
+                              <p:par>
+                                <p:cTn id="71" presetID="10" presetClass="entr" presetSubtype="0" fill="hold" nodeType="withEffect">
+                                  <p:stCondLst>
+                                    <p:cond delay="0"/>
+                                  </p:stCondLst>
+                                  <p:childTnLst>
+                                    <p:set>
+                                      <p:cBhvr>
+                                        <p:cTn id="72" dur="1" fill="hold">
+                                          <p:stCondLst>
+                                            <p:cond delay="0"/>
+                                          </p:stCondLst>
+                                        </p:cTn>
+                                        <p:tgtEl>
+                                          <p:spTgt spid="25"/>
+                                        </p:tgtEl>
+                                        <p:attrNameLst>
+                                          <p:attrName>style.visibility</p:attrName>
+                                        </p:attrNameLst>
+                                      </p:cBhvr>
+                                      <p:to>
+                                        <p:strVal val="visible"/>
+                                      </p:to>
+                                    </p:set>
+                                    <p:animEffect transition="in" filter="fade">
+                                      <p:cBhvr>
+                                        <p:cTn id="73" dur="500"/>
+                                        <p:tgtEl>
+                                          <p:spTgt spid="25"/>
+                                        </p:tgtEl>
+                                      </p:cBhvr>
+                                    </p:animEffect>
+                                  </p:childTnLst>
+                                </p:cTn>
+                              </p:par>
+                              <p:par>
+                                <p:cTn id="74" presetID="10" presetClass="entr" presetSubtype="0" fill="hold" nodeType="withEffect">
+                                  <p:stCondLst>
+                                    <p:cond delay="0"/>
+                                  </p:stCondLst>
+                                  <p:childTnLst>
+                                    <p:set>
+                                      <p:cBhvr>
+                                        <p:cTn id="75" dur="1" fill="hold">
+                                          <p:stCondLst>
+                                            <p:cond delay="0"/>
+                                          </p:stCondLst>
+                                        </p:cTn>
+                                        <p:tgtEl>
+                                          <p:spTgt spid="24"/>
+                                        </p:tgtEl>
+                                        <p:attrNameLst>
+                                          <p:attrName>style.visibility</p:attrName>
+                                        </p:attrNameLst>
+                                      </p:cBhvr>
+                                      <p:to>
+                                        <p:strVal val="visible"/>
+                                      </p:to>
+                                    </p:set>
+                                    <p:animEffect transition="in" filter="fade">
+                                      <p:cBhvr>
+                                        <p:cTn id="76" dur="500"/>
+                                        <p:tgtEl>
+                                          <p:spTgt spid="24"/>
+                                        </p:tgtEl>
+                                      </p:cBhvr>
+                                    </p:animEffect>
+                                  </p:childTnLst>
+                                </p:cTn>
+                              </p:par>
+                              <p:par>
+                                <p:cTn id="77" presetID="10" presetClass="entr" presetSubtype="0" fill="hold" grpId="0" nodeType="withEffect">
+                                  <p:stCondLst>
+                                    <p:cond delay="0"/>
+                                  </p:stCondLst>
+                                  <p:childTnLst>
+                                    <p:set>
+                                      <p:cBhvr>
+                                        <p:cTn id="78" dur="1" fill="hold">
+                                          <p:stCondLst>
+                                            <p:cond delay="0"/>
+                                          </p:stCondLst>
+                                        </p:cTn>
+                                        <p:tgtEl>
+                                          <p:spTgt spid="20"/>
+                                        </p:tgtEl>
+                                        <p:attrNameLst>
+                                          <p:attrName>style.visibility</p:attrName>
+                                        </p:attrNameLst>
+                                      </p:cBhvr>
+                                      <p:to>
+                                        <p:strVal val="visible"/>
+                                      </p:to>
+                                    </p:set>
+                                    <p:animEffect transition="in" filter="fade">
+                                      <p:cBhvr>
+                                        <p:cTn id="79" dur="500"/>
+                                        <p:tgtEl>
+                                          <p:spTgt spid="20"/>
+                                        </p:tgtEl>
+                                      </p:cBhvr>
+                                    </p:animEffect>
+                                  </p:childTnLst>
+                                </p:cTn>
+                              </p:par>
+                            </p:childTnLst>
+                          </p:cTn>
+                        </p:par>
+                      </p:childTnLst>
+                    </p:cTn>
+                  </p:par>
+                </p:childTnLst>
+              </p:cTn>
+              <p:prevCondLst>
+                <p:cond evt="onPrev" delay="0">
+                  <p:tgtEl>
+                    <p:sldTgt/>
+                  </p:tgtEl>
+                </p:cond>
+              </p:prevCondLst>
+              <p:nextCondLst>
+                <p:cond evt="onNext" delay="0">
+                  <p:tgtEl>
+                    <p:sldTgt/>
+                  </p:tgtEl>
+                </p:cond>
+              </p:nextCondLst>
+            </p:seq>
+          </p:childTnLst>
+        </p:cTn>
+      </p:par>
+    </p:tnLst>
+    <p:bldLst>
+      <p:bldP spid="3" grpId="0" animBg="1"/>
+      <p:bldP spid="14" grpId="0" animBg="1"/>
+      <p:bldP spid="15" grpId="0" animBg="1"/>
+      <p:bldP spid="17" grpId="0"/>
+      <p:bldP spid="18" grpId="0" animBg="1"/>
+      <p:bldP spid="19" grpId="0" animBg="1"/>
+      <p:bldP spid="20" grpId="0"/>
+      <p:bldP spid="21" grpId="0"/>
+      <p:bldP spid="29" grpId="0"/>
+    </p:bldLst>
+  </p:timing>
 </p:sld>
 </file>
 
@@ -19874,7 +21396,7 @@
           <p:nvPr/>
         </p:nvPicPr>
         <p:blipFill>
-          <a:blip r:embed="rId2"/>
+          <a:blip r:embed="rId3"/>
           <a:stretch>
             <a:fillRect/>
           </a:stretch>
@@ -19904,7 +21426,7 @@
           <p:nvPr/>
         </p:nvPicPr>
         <p:blipFill>
-          <a:blip r:embed="rId3"/>
+          <a:blip r:embed="rId4"/>
           <a:stretch>
             <a:fillRect/>
           </a:stretch>
@@ -19934,7 +21456,7 @@
           <p:nvPr/>
         </p:nvPicPr>
         <p:blipFill>
-          <a:blip r:embed="rId4"/>
+          <a:blip r:embed="rId5"/>
           <a:stretch>
             <a:fillRect/>
           </a:stretch>
@@ -19964,7 +21486,7 @@
           <p:nvPr/>
         </p:nvPicPr>
         <p:blipFill>
-          <a:blip r:embed="rId5"/>
+          <a:blip r:embed="rId6"/>
           <a:stretch>
             <a:fillRect/>
           </a:stretch>
@@ -19994,7 +21516,7 @@
           <p:nvPr/>
         </p:nvPicPr>
         <p:blipFill>
-          <a:blip r:embed="rId6"/>
+          <a:blip r:embed="rId7"/>
           <a:stretch>
             <a:fillRect/>
           </a:stretch>
@@ -20080,7 +21602,7 @@
           <p:nvPr/>
         </p:nvPicPr>
         <p:blipFill>
-          <a:blip r:embed="rId7"/>
+          <a:blip r:embed="rId8"/>
           <a:stretch>
             <a:fillRect/>
           </a:stretch>
@@ -20110,7 +21632,7 @@
           <p:nvPr/>
         </p:nvPicPr>
         <p:blipFill>
-          <a:blip r:embed="rId8"/>
+          <a:blip r:embed="rId9"/>
           <a:stretch>
             <a:fillRect/>
           </a:stretch>
@@ -20196,7 +21718,7 @@
           <p:nvPr/>
         </p:nvPicPr>
         <p:blipFill>
-          <a:blip r:embed="rId9"/>
+          <a:blip r:embed="rId10"/>
           <a:stretch>
             <a:fillRect/>
           </a:stretch>
@@ -20282,7 +21804,7 @@
           <p:nvPr/>
         </p:nvPicPr>
         <p:blipFill>
-          <a:blip r:embed="rId10"/>
+          <a:blip r:embed="rId11"/>
           <a:stretch>
             <a:fillRect/>
           </a:stretch>
@@ -20424,7 +21946,7 @@
           <p:nvPr/>
         </p:nvPicPr>
         <p:blipFill>
-          <a:blip r:embed="rId11"/>
+          <a:blip r:embed="rId12"/>
           <a:stretch>
             <a:fillRect/>
           </a:stretch>
@@ -20454,7 +21976,7 @@
           <p:nvPr/>
         </p:nvPicPr>
         <p:blipFill>
-          <a:blip r:embed="rId12"/>
+          <a:blip r:embed="rId13"/>
           <a:stretch>
             <a:fillRect/>
           </a:stretch>
@@ -20540,7 +22062,7 @@
           <p:nvPr/>
         </p:nvPicPr>
         <p:blipFill>
-          <a:blip r:embed="rId13"/>
+          <a:blip r:embed="rId14"/>
           <a:stretch>
             <a:fillRect/>
           </a:stretch>
@@ -20906,7 +22428,7 @@
           <p:nvPr/>
         </p:nvPicPr>
         <p:blipFill>
-          <a:blip r:embed="rId14"/>
+          <a:blip r:embed="rId15"/>
           <a:stretch>
             <a:fillRect/>
           </a:stretch>
@@ -20936,7 +22458,7 @@
           <p:nvPr/>
         </p:nvPicPr>
         <p:blipFill>
-          <a:blip r:embed="rId15"/>
+          <a:blip r:embed="rId16"/>
           <a:stretch>
             <a:fillRect/>
           </a:stretch>
@@ -20966,7 +22488,7 @@
           <p:nvPr/>
         </p:nvPicPr>
         <p:blipFill>
-          <a:blip r:embed="rId16"/>
+          <a:blip r:embed="rId17"/>
           <a:stretch>
             <a:fillRect/>
           </a:stretch>
@@ -20996,7 +22518,7 @@
           <p:nvPr/>
         </p:nvPicPr>
         <p:blipFill>
-          <a:blip r:embed="rId17"/>
+          <a:blip r:embed="rId18"/>
           <a:stretch>
             <a:fillRect/>
           </a:stretch>
@@ -21026,7 +22548,7 @@
           <p:nvPr/>
         </p:nvPicPr>
         <p:blipFill>
-          <a:blip r:embed="rId18"/>
+          <a:blip r:embed="rId19"/>
           <a:stretch>
             <a:fillRect/>
           </a:stretch>
@@ -21112,7 +22634,7 @@
           <p:nvPr/>
         </p:nvPicPr>
         <p:blipFill>
-          <a:blip r:embed="rId19"/>
+          <a:blip r:embed="rId20"/>
           <a:stretch>
             <a:fillRect/>
           </a:stretch>
@@ -21142,7 +22664,7 @@
           <p:nvPr/>
         </p:nvPicPr>
         <p:blipFill>
-          <a:blip r:embed="rId20"/>
+          <a:blip r:embed="rId21"/>
           <a:stretch>
             <a:fillRect/>
           </a:stretch>
@@ -21167,6 +22689,2189 @@
   <p:clrMapOvr>
     <a:masterClrMapping/>
   </p:clrMapOvr>
+  <p:timing>
+    <p:tnLst>
+      <p:par>
+        <p:cTn id="1" dur="indefinite" restart="never" nodeType="tmRoot">
+          <p:childTnLst>
+            <p:seq concurrent="1" nextAc="seek">
+              <p:cTn id="2" dur="indefinite" nodeType="mainSeq">
+                <p:childTnLst>
+                  <p:par>
+                    <p:cTn id="3" fill="hold">
+                      <p:stCondLst>
+                        <p:cond delay="indefinite"/>
+                      </p:stCondLst>
+                      <p:childTnLst>
+                        <p:par>
+                          <p:cTn id="4" fill="hold">
+                            <p:stCondLst>
+                              <p:cond delay="0"/>
+                            </p:stCondLst>
+                            <p:childTnLst>
+                              <p:par>
+                                <p:cTn id="5" presetID="10" presetClass="entr" presetSubtype="0" fill="hold" nodeType="clickEffect">
+                                  <p:stCondLst>
+                                    <p:cond delay="0"/>
+                                  </p:stCondLst>
+                                  <p:childTnLst>
+                                    <p:set>
+                                      <p:cBhvr>
+                                        <p:cTn id="6" dur="1" fill="hold">
+                                          <p:stCondLst>
+                                            <p:cond delay="0"/>
+                                          </p:stCondLst>
+                                        </p:cTn>
+                                        <p:tgtEl>
+                                          <p:spTgt spid="12"/>
+                                        </p:tgtEl>
+                                        <p:attrNameLst>
+                                          <p:attrName>style.visibility</p:attrName>
+                                        </p:attrNameLst>
+                                      </p:cBhvr>
+                                      <p:to>
+                                        <p:strVal val="visible"/>
+                                      </p:to>
+                                    </p:set>
+                                    <p:animEffect transition="in" filter="fade">
+                                      <p:cBhvr>
+                                        <p:cTn id="7" dur="500"/>
+                                        <p:tgtEl>
+                                          <p:spTgt spid="12"/>
+                                        </p:tgtEl>
+                                      </p:cBhvr>
+                                    </p:animEffect>
+                                  </p:childTnLst>
+                                </p:cTn>
+                              </p:par>
+                              <p:par>
+                                <p:cTn id="8" presetID="10" presetClass="entr" presetSubtype="0" fill="hold" grpId="0" nodeType="withEffect">
+                                  <p:stCondLst>
+                                    <p:cond delay="0"/>
+                                  </p:stCondLst>
+                                  <p:childTnLst>
+                                    <p:set>
+                                      <p:cBhvr>
+                                        <p:cTn id="9" dur="1" fill="hold">
+                                          <p:stCondLst>
+                                            <p:cond delay="0"/>
+                                          </p:stCondLst>
+                                        </p:cTn>
+                                        <p:tgtEl>
+                                          <p:spTgt spid="8"/>
+                                        </p:tgtEl>
+                                        <p:attrNameLst>
+                                          <p:attrName>style.visibility</p:attrName>
+                                        </p:attrNameLst>
+                                      </p:cBhvr>
+                                      <p:to>
+                                        <p:strVal val="visible"/>
+                                      </p:to>
+                                    </p:set>
+                                    <p:animEffect transition="in" filter="fade">
+                                      <p:cBhvr>
+                                        <p:cTn id="10" dur="500"/>
+                                        <p:tgtEl>
+                                          <p:spTgt spid="8"/>
+                                        </p:tgtEl>
+                                      </p:cBhvr>
+                                    </p:animEffect>
+                                  </p:childTnLst>
+                                </p:cTn>
+                              </p:par>
+                              <p:par>
+                                <p:cTn id="11" presetID="10" presetClass="entr" presetSubtype="0" fill="hold" grpId="0" nodeType="withEffect">
+                                  <p:stCondLst>
+                                    <p:cond delay="0"/>
+                                  </p:stCondLst>
+                                  <p:childTnLst>
+                                    <p:set>
+                                      <p:cBhvr>
+                                        <p:cTn id="12" dur="1" fill="hold">
+                                          <p:stCondLst>
+                                            <p:cond delay="0"/>
+                                          </p:stCondLst>
+                                        </p:cTn>
+                                        <p:tgtEl>
+                                          <p:spTgt spid="5"/>
+                                        </p:tgtEl>
+                                        <p:attrNameLst>
+                                          <p:attrName>style.visibility</p:attrName>
+                                        </p:attrNameLst>
+                                      </p:cBhvr>
+                                      <p:to>
+                                        <p:strVal val="visible"/>
+                                      </p:to>
+                                    </p:set>
+                                    <p:animEffect transition="in" filter="fade">
+                                      <p:cBhvr>
+                                        <p:cTn id="13" dur="500"/>
+                                        <p:tgtEl>
+                                          <p:spTgt spid="5"/>
+                                        </p:tgtEl>
+                                      </p:cBhvr>
+                                    </p:animEffect>
+                                  </p:childTnLst>
+                                </p:cTn>
+                              </p:par>
+                              <p:par>
+                                <p:cTn id="14" presetID="10" presetClass="entr" presetSubtype="0" fill="hold" grpId="0" nodeType="withEffect">
+                                  <p:stCondLst>
+                                    <p:cond delay="0"/>
+                                  </p:stCondLst>
+                                  <p:childTnLst>
+                                    <p:set>
+                                      <p:cBhvr>
+                                        <p:cTn id="15" dur="1" fill="hold">
+                                          <p:stCondLst>
+                                            <p:cond delay="0"/>
+                                          </p:stCondLst>
+                                        </p:cTn>
+                                        <p:tgtEl>
+                                          <p:spTgt spid="4"/>
+                                        </p:tgtEl>
+                                        <p:attrNameLst>
+                                          <p:attrName>style.visibility</p:attrName>
+                                        </p:attrNameLst>
+                                      </p:cBhvr>
+                                      <p:to>
+                                        <p:strVal val="visible"/>
+                                      </p:to>
+                                    </p:set>
+                                    <p:animEffect transition="in" filter="fade">
+                                      <p:cBhvr>
+                                        <p:cTn id="16" dur="500"/>
+                                        <p:tgtEl>
+                                          <p:spTgt spid="4"/>
+                                        </p:tgtEl>
+                                      </p:cBhvr>
+                                    </p:animEffect>
+                                  </p:childTnLst>
+                                </p:cTn>
+                              </p:par>
+                              <p:par>
+                                <p:cTn id="17" presetID="10" presetClass="entr" presetSubtype="0" fill="hold" nodeType="withEffect">
+                                  <p:stCondLst>
+                                    <p:cond delay="0"/>
+                                  </p:stCondLst>
+                                  <p:childTnLst>
+                                    <p:set>
+                                      <p:cBhvr>
+                                        <p:cTn id="18" dur="1" fill="hold">
+                                          <p:stCondLst>
+                                            <p:cond delay="0"/>
+                                          </p:stCondLst>
+                                        </p:cTn>
+                                        <p:tgtEl>
+                                          <p:spTgt spid="47"/>
+                                        </p:tgtEl>
+                                        <p:attrNameLst>
+                                          <p:attrName>style.visibility</p:attrName>
+                                        </p:attrNameLst>
+                                      </p:cBhvr>
+                                      <p:to>
+                                        <p:strVal val="visible"/>
+                                      </p:to>
+                                    </p:set>
+                                    <p:animEffect transition="in" filter="fade">
+                                      <p:cBhvr>
+                                        <p:cTn id="19" dur="500"/>
+                                        <p:tgtEl>
+                                          <p:spTgt spid="47"/>
+                                        </p:tgtEl>
+                                      </p:cBhvr>
+                                    </p:animEffect>
+                                  </p:childTnLst>
+                                </p:cTn>
+                              </p:par>
+                              <p:par>
+                                <p:cTn id="20" presetID="10" presetClass="entr" presetSubtype="0" fill="hold" grpId="0" nodeType="withEffect">
+                                  <p:stCondLst>
+                                    <p:cond delay="0"/>
+                                  </p:stCondLst>
+                                  <p:childTnLst>
+                                    <p:set>
+                                      <p:cBhvr>
+                                        <p:cTn id="21" dur="1" fill="hold">
+                                          <p:stCondLst>
+                                            <p:cond delay="0"/>
+                                          </p:stCondLst>
+                                        </p:cTn>
+                                        <p:tgtEl>
+                                          <p:spTgt spid="41"/>
+                                        </p:tgtEl>
+                                        <p:attrNameLst>
+                                          <p:attrName>style.visibility</p:attrName>
+                                        </p:attrNameLst>
+                                      </p:cBhvr>
+                                      <p:to>
+                                        <p:strVal val="visible"/>
+                                      </p:to>
+                                    </p:set>
+                                    <p:animEffect transition="in" filter="fade">
+                                      <p:cBhvr>
+                                        <p:cTn id="22" dur="500"/>
+                                        <p:tgtEl>
+                                          <p:spTgt spid="41"/>
+                                        </p:tgtEl>
+                                      </p:cBhvr>
+                                    </p:animEffect>
+                                  </p:childTnLst>
+                                </p:cTn>
+                              </p:par>
+                            </p:childTnLst>
+                          </p:cTn>
+                        </p:par>
+                      </p:childTnLst>
+                    </p:cTn>
+                  </p:par>
+                  <p:par>
+                    <p:cTn id="23" fill="hold">
+                      <p:stCondLst>
+                        <p:cond delay="indefinite"/>
+                      </p:stCondLst>
+                      <p:childTnLst>
+                        <p:par>
+                          <p:cTn id="24" fill="hold">
+                            <p:stCondLst>
+                              <p:cond delay="0"/>
+                            </p:stCondLst>
+                            <p:childTnLst>
+                              <p:par>
+                                <p:cTn id="25" presetID="10" presetClass="entr" presetSubtype="0" fill="hold" grpId="0" nodeType="clickEffect">
+                                  <p:stCondLst>
+                                    <p:cond delay="0"/>
+                                  </p:stCondLst>
+                                  <p:childTnLst>
+                                    <p:set>
+                                      <p:cBhvr>
+                                        <p:cTn id="26" dur="1" fill="hold">
+                                          <p:stCondLst>
+                                            <p:cond delay="0"/>
+                                          </p:stCondLst>
+                                        </p:cTn>
+                                        <p:tgtEl>
+                                          <p:spTgt spid="7"/>
+                                        </p:tgtEl>
+                                        <p:attrNameLst>
+                                          <p:attrName>style.visibility</p:attrName>
+                                        </p:attrNameLst>
+                                      </p:cBhvr>
+                                      <p:to>
+                                        <p:strVal val="visible"/>
+                                      </p:to>
+                                    </p:set>
+                                    <p:animEffect transition="in" filter="fade">
+                                      <p:cBhvr>
+                                        <p:cTn id="27" dur="500"/>
+                                        <p:tgtEl>
+                                          <p:spTgt spid="7"/>
+                                        </p:tgtEl>
+                                      </p:cBhvr>
+                                    </p:animEffect>
+                                  </p:childTnLst>
+                                </p:cTn>
+                              </p:par>
+                            </p:childTnLst>
+                          </p:cTn>
+                        </p:par>
+                      </p:childTnLst>
+                    </p:cTn>
+                  </p:par>
+                  <p:par>
+                    <p:cTn id="28" fill="hold">
+                      <p:stCondLst>
+                        <p:cond delay="indefinite"/>
+                      </p:stCondLst>
+                      <p:childTnLst>
+                        <p:par>
+                          <p:cTn id="29" fill="hold">
+                            <p:stCondLst>
+                              <p:cond delay="0"/>
+                            </p:stCondLst>
+                            <p:childTnLst>
+                              <p:par>
+                                <p:cTn id="30" presetID="10" presetClass="entr" presetSubtype="0" fill="hold" nodeType="clickEffect">
+                                  <p:stCondLst>
+                                    <p:cond delay="0"/>
+                                  </p:stCondLst>
+                                  <p:childTnLst>
+                                    <p:set>
+                                      <p:cBhvr>
+                                        <p:cTn id="31" dur="1" fill="hold">
+                                          <p:stCondLst>
+                                            <p:cond delay="0"/>
+                                          </p:stCondLst>
+                                        </p:cTn>
+                                        <p:tgtEl>
+                                          <p:spTgt spid="45"/>
+                                        </p:tgtEl>
+                                        <p:attrNameLst>
+                                          <p:attrName>style.visibility</p:attrName>
+                                        </p:attrNameLst>
+                                      </p:cBhvr>
+                                      <p:to>
+                                        <p:strVal val="visible"/>
+                                      </p:to>
+                                    </p:set>
+                                    <p:animEffect transition="in" filter="fade">
+                                      <p:cBhvr>
+                                        <p:cTn id="32" dur="500"/>
+                                        <p:tgtEl>
+                                          <p:spTgt spid="45"/>
+                                        </p:tgtEl>
+                                      </p:cBhvr>
+                                    </p:animEffect>
+                                  </p:childTnLst>
+                                </p:cTn>
+                              </p:par>
+                              <p:par>
+                                <p:cTn id="33" presetID="10" presetClass="entr" presetSubtype="0" fill="hold" grpId="0" nodeType="withEffect">
+                                  <p:stCondLst>
+                                    <p:cond delay="0"/>
+                                  </p:stCondLst>
+                                  <p:childTnLst>
+                                    <p:set>
+                                      <p:cBhvr>
+                                        <p:cTn id="34" dur="1" fill="hold">
+                                          <p:stCondLst>
+                                            <p:cond delay="0"/>
+                                          </p:stCondLst>
+                                        </p:cTn>
+                                        <p:tgtEl>
+                                          <p:spTgt spid="21"/>
+                                        </p:tgtEl>
+                                        <p:attrNameLst>
+                                          <p:attrName>style.visibility</p:attrName>
+                                        </p:attrNameLst>
+                                      </p:cBhvr>
+                                      <p:to>
+                                        <p:strVal val="visible"/>
+                                      </p:to>
+                                    </p:set>
+                                    <p:animEffect transition="in" filter="fade">
+                                      <p:cBhvr>
+                                        <p:cTn id="35" dur="500"/>
+                                        <p:tgtEl>
+                                          <p:spTgt spid="21"/>
+                                        </p:tgtEl>
+                                      </p:cBhvr>
+                                    </p:animEffect>
+                                  </p:childTnLst>
+                                </p:cTn>
+                              </p:par>
+                              <p:par>
+                                <p:cTn id="36" presetID="10" presetClass="entr" presetSubtype="0" fill="hold" grpId="0" nodeType="withEffect">
+                                  <p:stCondLst>
+                                    <p:cond delay="0"/>
+                                  </p:stCondLst>
+                                  <p:childTnLst>
+                                    <p:set>
+                                      <p:cBhvr>
+                                        <p:cTn id="37" dur="1" fill="hold">
+                                          <p:stCondLst>
+                                            <p:cond delay="0"/>
+                                          </p:stCondLst>
+                                        </p:cTn>
+                                        <p:tgtEl>
+                                          <p:spTgt spid="15"/>
+                                        </p:tgtEl>
+                                        <p:attrNameLst>
+                                          <p:attrName>style.visibility</p:attrName>
+                                        </p:attrNameLst>
+                                      </p:cBhvr>
+                                      <p:to>
+                                        <p:strVal val="visible"/>
+                                      </p:to>
+                                    </p:set>
+                                    <p:animEffect transition="in" filter="fade">
+                                      <p:cBhvr>
+                                        <p:cTn id="38" dur="500"/>
+                                        <p:tgtEl>
+                                          <p:spTgt spid="15"/>
+                                        </p:tgtEl>
+                                      </p:cBhvr>
+                                    </p:animEffect>
+                                  </p:childTnLst>
+                                </p:cTn>
+                              </p:par>
+                            </p:childTnLst>
+                          </p:cTn>
+                        </p:par>
+                      </p:childTnLst>
+                    </p:cTn>
+                  </p:par>
+                  <p:par>
+                    <p:cTn id="39" fill="hold">
+                      <p:stCondLst>
+                        <p:cond delay="indefinite"/>
+                      </p:stCondLst>
+                      <p:childTnLst>
+                        <p:par>
+                          <p:cTn id="40" fill="hold">
+                            <p:stCondLst>
+                              <p:cond delay="0"/>
+                            </p:stCondLst>
+                            <p:childTnLst>
+                              <p:par>
+                                <p:cTn id="41" presetID="10" presetClass="entr" presetSubtype="0" fill="hold" grpId="0" nodeType="clickEffect">
+                                  <p:stCondLst>
+                                    <p:cond delay="0"/>
+                                  </p:stCondLst>
+                                  <p:childTnLst>
+                                    <p:set>
+                                      <p:cBhvr>
+                                        <p:cTn id="42" dur="1" fill="hold">
+                                          <p:stCondLst>
+                                            <p:cond delay="0"/>
+                                          </p:stCondLst>
+                                        </p:cTn>
+                                        <p:tgtEl>
+                                          <p:spTgt spid="26"/>
+                                        </p:tgtEl>
+                                        <p:attrNameLst>
+                                          <p:attrName>style.visibility</p:attrName>
+                                        </p:attrNameLst>
+                                      </p:cBhvr>
+                                      <p:to>
+                                        <p:strVal val="visible"/>
+                                      </p:to>
+                                    </p:set>
+                                    <p:animEffect transition="in" filter="fade">
+                                      <p:cBhvr>
+                                        <p:cTn id="43" dur="500"/>
+                                        <p:tgtEl>
+                                          <p:spTgt spid="26"/>
+                                        </p:tgtEl>
+                                      </p:cBhvr>
+                                    </p:animEffect>
+                                  </p:childTnLst>
+                                </p:cTn>
+                              </p:par>
+                            </p:childTnLst>
+                          </p:cTn>
+                        </p:par>
+                      </p:childTnLst>
+                    </p:cTn>
+                  </p:par>
+                  <p:par>
+                    <p:cTn id="44" fill="hold">
+                      <p:stCondLst>
+                        <p:cond delay="indefinite"/>
+                      </p:stCondLst>
+                      <p:childTnLst>
+                        <p:par>
+                          <p:cTn id="45" fill="hold">
+                            <p:stCondLst>
+                              <p:cond delay="0"/>
+                            </p:stCondLst>
+                            <p:childTnLst>
+                              <p:par>
+                                <p:cTn id="46" presetID="10" presetClass="entr" presetSubtype="0" fill="hold" grpId="0" nodeType="clickEffect">
+                                  <p:stCondLst>
+                                    <p:cond delay="0"/>
+                                  </p:stCondLst>
+                                  <p:childTnLst>
+                                    <p:set>
+                                      <p:cBhvr>
+                                        <p:cTn id="47" dur="1" fill="hold">
+                                          <p:stCondLst>
+                                            <p:cond delay="0"/>
+                                          </p:stCondLst>
+                                        </p:cTn>
+                                        <p:tgtEl>
+                                          <p:spTgt spid="11"/>
+                                        </p:tgtEl>
+                                        <p:attrNameLst>
+                                          <p:attrName>style.visibility</p:attrName>
+                                        </p:attrNameLst>
+                                      </p:cBhvr>
+                                      <p:to>
+                                        <p:strVal val="visible"/>
+                                      </p:to>
+                                    </p:set>
+                                    <p:animEffect transition="in" filter="fade">
+                                      <p:cBhvr>
+                                        <p:cTn id="48" dur="500"/>
+                                        <p:tgtEl>
+                                          <p:spTgt spid="11"/>
+                                        </p:tgtEl>
+                                      </p:cBhvr>
+                                    </p:animEffect>
+                                  </p:childTnLst>
+                                </p:cTn>
+                              </p:par>
+                              <p:par>
+                                <p:cTn id="49" presetID="10" presetClass="entr" presetSubtype="0" fill="hold" grpId="0" nodeType="withEffect">
+                                  <p:stCondLst>
+                                    <p:cond delay="0"/>
+                                  </p:stCondLst>
+                                  <p:childTnLst>
+                                    <p:set>
+                                      <p:cBhvr>
+                                        <p:cTn id="50" dur="1" fill="hold">
+                                          <p:stCondLst>
+                                            <p:cond delay="0"/>
+                                          </p:stCondLst>
+                                        </p:cTn>
+                                        <p:tgtEl>
+                                          <p:spTgt spid="22"/>
+                                        </p:tgtEl>
+                                        <p:attrNameLst>
+                                          <p:attrName>style.visibility</p:attrName>
+                                        </p:attrNameLst>
+                                      </p:cBhvr>
+                                      <p:to>
+                                        <p:strVal val="visible"/>
+                                      </p:to>
+                                    </p:set>
+                                    <p:animEffect transition="in" filter="fade">
+                                      <p:cBhvr>
+                                        <p:cTn id="51" dur="500"/>
+                                        <p:tgtEl>
+                                          <p:spTgt spid="22"/>
+                                        </p:tgtEl>
+                                      </p:cBhvr>
+                                    </p:animEffect>
+                                  </p:childTnLst>
+                                </p:cTn>
+                              </p:par>
+                              <p:par>
+                                <p:cTn id="52" presetID="10" presetClass="entr" presetSubtype="0" fill="hold" nodeType="withEffect">
+                                  <p:stCondLst>
+                                    <p:cond delay="0"/>
+                                  </p:stCondLst>
+                                  <p:childTnLst>
+                                    <p:set>
+                                      <p:cBhvr>
+                                        <p:cTn id="53" dur="1" fill="hold">
+                                          <p:stCondLst>
+                                            <p:cond delay="0"/>
+                                          </p:stCondLst>
+                                        </p:cTn>
+                                        <p:tgtEl>
+                                          <p:spTgt spid="14"/>
+                                        </p:tgtEl>
+                                        <p:attrNameLst>
+                                          <p:attrName>style.visibility</p:attrName>
+                                        </p:attrNameLst>
+                                      </p:cBhvr>
+                                      <p:to>
+                                        <p:strVal val="visible"/>
+                                      </p:to>
+                                    </p:set>
+                                    <p:animEffect transition="in" filter="fade">
+                                      <p:cBhvr>
+                                        <p:cTn id="54" dur="500"/>
+                                        <p:tgtEl>
+                                          <p:spTgt spid="14"/>
+                                        </p:tgtEl>
+                                      </p:cBhvr>
+                                    </p:animEffect>
+                                  </p:childTnLst>
+                                </p:cTn>
+                              </p:par>
+                            </p:childTnLst>
+                          </p:cTn>
+                        </p:par>
+                      </p:childTnLst>
+                    </p:cTn>
+                  </p:par>
+                  <p:par>
+                    <p:cTn id="55" fill="hold">
+                      <p:stCondLst>
+                        <p:cond delay="indefinite"/>
+                      </p:stCondLst>
+                      <p:childTnLst>
+                        <p:par>
+                          <p:cTn id="56" fill="hold">
+                            <p:stCondLst>
+                              <p:cond delay="0"/>
+                            </p:stCondLst>
+                            <p:childTnLst>
+                              <p:par>
+                                <p:cTn id="57" presetID="10" presetClass="entr" presetSubtype="0" fill="hold" grpId="0" nodeType="clickEffect">
+                                  <p:stCondLst>
+                                    <p:cond delay="0"/>
+                                  </p:stCondLst>
+                                  <p:childTnLst>
+                                    <p:set>
+                                      <p:cBhvr>
+                                        <p:cTn id="58" dur="1" fill="hold">
+                                          <p:stCondLst>
+                                            <p:cond delay="0"/>
+                                          </p:stCondLst>
+                                        </p:cTn>
+                                        <p:tgtEl>
+                                          <p:spTgt spid="28"/>
+                                        </p:tgtEl>
+                                        <p:attrNameLst>
+                                          <p:attrName>style.visibility</p:attrName>
+                                        </p:attrNameLst>
+                                      </p:cBhvr>
+                                      <p:to>
+                                        <p:strVal val="visible"/>
+                                      </p:to>
+                                    </p:set>
+                                    <p:animEffect transition="in" filter="fade">
+                                      <p:cBhvr>
+                                        <p:cTn id="59" dur="500"/>
+                                        <p:tgtEl>
+                                          <p:spTgt spid="28"/>
+                                        </p:tgtEl>
+                                      </p:cBhvr>
+                                    </p:animEffect>
+                                  </p:childTnLst>
+                                </p:cTn>
+                              </p:par>
+                              <p:par>
+                                <p:cTn id="60" presetID="10" presetClass="entr" presetSubtype="0" fill="hold" grpId="0" nodeType="withEffect">
+                                  <p:stCondLst>
+                                    <p:cond delay="0"/>
+                                  </p:stCondLst>
+                                  <p:childTnLst>
+                                    <p:set>
+                                      <p:cBhvr>
+                                        <p:cTn id="61" dur="1" fill="hold">
+                                          <p:stCondLst>
+                                            <p:cond delay="0"/>
+                                          </p:stCondLst>
+                                        </p:cTn>
+                                        <p:tgtEl>
+                                          <p:spTgt spid="50"/>
+                                        </p:tgtEl>
+                                        <p:attrNameLst>
+                                          <p:attrName>style.visibility</p:attrName>
+                                        </p:attrNameLst>
+                                      </p:cBhvr>
+                                      <p:to>
+                                        <p:strVal val="visible"/>
+                                      </p:to>
+                                    </p:set>
+                                    <p:animEffect transition="in" filter="fade">
+                                      <p:cBhvr>
+                                        <p:cTn id="62" dur="500"/>
+                                        <p:tgtEl>
+                                          <p:spTgt spid="50"/>
+                                        </p:tgtEl>
+                                      </p:cBhvr>
+                                    </p:animEffect>
+                                  </p:childTnLst>
+                                </p:cTn>
+                              </p:par>
+                              <p:par>
+                                <p:cTn id="63" presetID="10" presetClass="entr" presetSubtype="0" fill="hold" nodeType="withEffect">
+                                  <p:stCondLst>
+                                    <p:cond delay="0"/>
+                                  </p:stCondLst>
+                                  <p:childTnLst>
+                                    <p:set>
+                                      <p:cBhvr>
+                                        <p:cTn id="64" dur="1" fill="hold">
+                                          <p:stCondLst>
+                                            <p:cond delay="0"/>
+                                          </p:stCondLst>
+                                        </p:cTn>
+                                        <p:tgtEl>
+                                          <p:spTgt spid="52"/>
+                                        </p:tgtEl>
+                                        <p:attrNameLst>
+                                          <p:attrName>style.visibility</p:attrName>
+                                        </p:attrNameLst>
+                                      </p:cBhvr>
+                                      <p:to>
+                                        <p:strVal val="visible"/>
+                                      </p:to>
+                                    </p:set>
+                                    <p:animEffect transition="in" filter="fade">
+                                      <p:cBhvr>
+                                        <p:cTn id="65" dur="500"/>
+                                        <p:tgtEl>
+                                          <p:spTgt spid="52"/>
+                                        </p:tgtEl>
+                                      </p:cBhvr>
+                                    </p:animEffect>
+                                  </p:childTnLst>
+                                </p:cTn>
+                              </p:par>
+                            </p:childTnLst>
+                          </p:cTn>
+                        </p:par>
+                      </p:childTnLst>
+                    </p:cTn>
+                  </p:par>
+                  <p:par>
+                    <p:cTn id="66" fill="hold">
+                      <p:stCondLst>
+                        <p:cond delay="indefinite"/>
+                      </p:stCondLst>
+                      <p:childTnLst>
+                        <p:par>
+                          <p:cTn id="67" fill="hold">
+                            <p:stCondLst>
+                              <p:cond delay="0"/>
+                            </p:stCondLst>
+                            <p:childTnLst>
+                              <p:par>
+                                <p:cTn id="68" presetID="10" presetClass="entr" presetSubtype="0" fill="hold" nodeType="clickEffect">
+                                  <p:stCondLst>
+                                    <p:cond delay="0"/>
+                                  </p:stCondLst>
+                                  <p:childTnLst>
+                                    <p:set>
+                                      <p:cBhvr>
+                                        <p:cTn id="69" dur="1" fill="hold">
+                                          <p:stCondLst>
+                                            <p:cond delay="0"/>
+                                          </p:stCondLst>
+                                        </p:cTn>
+                                        <p:tgtEl>
+                                          <p:spTgt spid="18"/>
+                                        </p:tgtEl>
+                                        <p:attrNameLst>
+                                          <p:attrName>style.visibility</p:attrName>
+                                        </p:attrNameLst>
+                                      </p:cBhvr>
+                                      <p:to>
+                                        <p:strVal val="visible"/>
+                                      </p:to>
+                                    </p:set>
+                                    <p:animEffect transition="in" filter="fade">
+                                      <p:cBhvr>
+                                        <p:cTn id="70" dur="500"/>
+                                        <p:tgtEl>
+                                          <p:spTgt spid="18"/>
+                                        </p:tgtEl>
+                                      </p:cBhvr>
+                                    </p:animEffect>
+                                  </p:childTnLst>
+                                </p:cTn>
+                              </p:par>
+                              <p:par>
+                                <p:cTn id="71" presetID="10" presetClass="entr" presetSubtype="0" fill="hold" grpId="0" nodeType="withEffect">
+                                  <p:stCondLst>
+                                    <p:cond delay="0"/>
+                                  </p:stCondLst>
+                                  <p:childTnLst>
+                                    <p:set>
+                                      <p:cBhvr>
+                                        <p:cTn id="72" dur="1" fill="hold">
+                                          <p:stCondLst>
+                                            <p:cond delay="0"/>
+                                          </p:stCondLst>
+                                        </p:cTn>
+                                        <p:tgtEl>
+                                          <p:spTgt spid="27"/>
+                                        </p:tgtEl>
+                                        <p:attrNameLst>
+                                          <p:attrName>style.visibility</p:attrName>
+                                        </p:attrNameLst>
+                                      </p:cBhvr>
+                                      <p:to>
+                                        <p:strVal val="visible"/>
+                                      </p:to>
+                                    </p:set>
+                                    <p:animEffect transition="in" filter="fade">
+                                      <p:cBhvr>
+                                        <p:cTn id="73" dur="500"/>
+                                        <p:tgtEl>
+                                          <p:spTgt spid="27"/>
+                                        </p:tgtEl>
+                                      </p:cBhvr>
+                                    </p:animEffect>
+                                  </p:childTnLst>
+                                </p:cTn>
+                              </p:par>
+                              <p:par>
+                                <p:cTn id="74" presetID="10" presetClass="entr" presetSubtype="0" fill="hold" grpId="0" nodeType="withEffect">
+                                  <p:stCondLst>
+                                    <p:cond delay="0"/>
+                                  </p:stCondLst>
+                                  <p:childTnLst>
+                                    <p:set>
+                                      <p:cBhvr>
+                                        <p:cTn id="75" dur="1" fill="hold">
+                                          <p:stCondLst>
+                                            <p:cond delay="0"/>
+                                          </p:stCondLst>
+                                        </p:cTn>
+                                        <p:tgtEl>
+                                          <p:spTgt spid="3"/>
+                                        </p:tgtEl>
+                                        <p:attrNameLst>
+                                          <p:attrName>style.visibility</p:attrName>
+                                        </p:attrNameLst>
+                                      </p:cBhvr>
+                                      <p:to>
+                                        <p:strVal val="visible"/>
+                                      </p:to>
+                                    </p:set>
+                                    <p:animEffect transition="in" filter="fade">
+                                      <p:cBhvr>
+                                        <p:cTn id="76" dur="500"/>
+                                        <p:tgtEl>
+                                          <p:spTgt spid="3"/>
+                                        </p:tgtEl>
+                                      </p:cBhvr>
+                                    </p:animEffect>
+                                  </p:childTnLst>
+                                </p:cTn>
+                              </p:par>
+                              <p:par>
+                                <p:cTn id="77" presetID="10" presetClass="entr" presetSubtype="0" fill="hold" grpId="0" nodeType="withEffect">
+                                  <p:stCondLst>
+                                    <p:cond delay="0"/>
+                                  </p:stCondLst>
+                                  <p:childTnLst>
+                                    <p:set>
+                                      <p:cBhvr>
+                                        <p:cTn id="78" dur="1" fill="hold">
+                                          <p:stCondLst>
+                                            <p:cond delay="0"/>
+                                          </p:stCondLst>
+                                        </p:cTn>
+                                        <p:tgtEl>
+                                          <p:spTgt spid="16"/>
+                                        </p:tgtEl>
+                                        <p:attrNameLst>
+                                          <p:attrName>style.visibility</p:attrName>
+                                        </p:attrNameLst>
+                                      </p:cBhvr>
+                                      <p:to>
+                                        <p:strVal val="visible"/>
+                                      </p:to>
+                                    </p:set>
+                                    <p:animEffect transition="in" filter="fade">
+                                      <p:cBhvr>
+                                        <p:cTn id="79" dur="500"/>
+                                        <p:tgtEl>
+                                          <p:spTgt spid="16"/>
+                                        </p:tgtEl>
+                                      </p:cBhvr>
+                                    </p:animEffect>
+                                  </p:childTnLst>
+                                </p:cTn>
+                              </p:par>
+                              <p:par>
+                                <p:cTn id="80" presetID="10" presetClass="entr" presetSubtype="0" fill="hold" grpId="0" nodeType="withEffect">
+                                  <p:stCondLst>
+                                    <p:cond delay="0"/>
+                                  </p:stCondLst>
+                                  <p:childTnLst>
+                                    <p:set>
+                                      <p:cBhvr>
+                                        <p:cTn id="81" dur="1" fill="hold">
+                                          <p:stCondLst>
+                                            <p:cond delay="0"/>
+                                          </p:stCondLst>
+                                        </p:cTn>
+                                        <p:tgtEl>
+                                          <p:spTgt spid="25"/>
+                                        </p:tgtEl>
+                                        <p:attrNameLst>
+                                          <p:attrName>style.visibility</p:attrName>
+                                        </p:attrNameLst>
+                                      </p:cBhvr>
+                                      <p:to>
+                                        <p:strVal val="visible"/>
+                                      </p:to>
+                                    </p:set>
+                                    <p:animEffect transition="in" filter="fade">
+                                      <p:cBhvr>
+                                        <p:cTn id="82" dur="500"/>
+                                        <p:tgtEl>
+                                          <p:spTgt spid="25"/>
+                                        </p:tgtEl>
+                                      </p:cBhvr>
+                                    </p:animEffect>
+                                  </p:childTnLst>
+                                </p:cTn>
+                              </p:par>
+                              <p:par>
+                                <p:cTn id="83" presetID="10" presetClass="entr" presetSubtype="0" fill="hold" nodeType="withEffect">
+                                  <p:stCondLst>
+                                    <p:cond delay="0"/>
+                                  </p:stCondLst>
+                                  <p:childTnLst>
+                                    <p:set>
+                                      <p:cBhvr>
+                                        <p:cTn id="84" dur="1" fill="hold">
+                                          <p:stCondLst>
+                                            <p:cond delay="0"/>
+                                          </p:stCondLst>
+                                        </p:cTn>
+                                        <p:tgtEl>
+                                          <p:spTgt spid="36"/>
+                                        </p:tgtEl>
+                                        <p:attrNameLst>
+                                          <p:attrName>style.visibility</p:attrName>
+                                        </p:attrNameLst>
+                                      </p:cBhvr>
+                                      <p:to>
+                                        <p:strVal val="visible"/>
+                                      </p:to>
+                                    </p:set>
+                                    <p:animEffect transition="in" filter="fade">
+                                      <p:cBhvr>
+                                        <p:cTn id="85" dur="500"/>
+                                        <p:tgtEl>
+                                          <p:spTgt spid="36"/>
+                                        </p:tgtEl>
+                                      </p:cBhvr>
+                                    </p:animEffect>
+                                  </p:childTnLst>
+                                </p:cTn>
+                              </p:par>
+                              <p:par>
+                                <p:cTn id="86" presetID="10" presetClass="entr" presetSubtype="0" fill="hold" grpId="0" nodeType="withEffect">
+                                  <p:stCondLst>
+                                    <p:cond delay="0"/>
+                                  </p:stCondLst>
+                                  <p:childTnLst>
+                                    <p:set>
+                                      <p:cBhvr>
+                                        <p:cTn id="87" dur="1" fill="hold">
+                                          <p:stCondLst>
+                                            <p:cond delay="0"/>
+                                          </p:stCondLst>
+                                        </p:cTn>
+                                        <p:tgtEl>
+                                          <p:spTgt spid="32"/>
+                                        </p:tgtEl>
+                                        <p:attrNameLst>
+                                          <p:attrName>style.visibility</p:attrName>
+                                        </p:attrNameLst>
+                                      </p:cBhvr>
+                                      <p:to>
+                                        <p:strVal val="visible"/>
+                                      </p:to>
+                                    </p:set>
+                                    <p:animEffect transition="in" filter="fade">
+                                      <p:cBhvr>
+                                        <p:cTn id="88" dur="500"/>
+                                        <p:tgtEl>
+                                          <p:spTgt spid="32"/>
+                                        </p:tgtEl>
+                                      </p:cBhvr>
+                                    </p:animEffect>
+                                  </p:childTnLst>
+                                </p:cTn>
+                              </p:par>
+                            </p:childTnLst>
+                          </p:cTn>
+                        </p:par>
+                      </p:childTnLst>
+                    </p:cTn>
+                  </p:par>
+                  <p:par>
+                    <p:cTn id="89" fill="hold">
+                      <p:stCondLst>
+                        <p:cond delay="indefinite"/>
+                      </p:stCondLst>
+                      <p:childTnLst>
+                        <p:par>
+                          <p:cTn id="90" fill="hold">
+                            <p:stCondLst>
+                              <p:cond delay="0"/>
+                            </p:stCondLst>
+                            <p:childTnLst>
+                              <p:par>
+                                <p:cTn id="91" presetID="10" presetClass="entr" presetSubtype="0" fill="hold" grpId="0" nodeType="clickEffect">
+                                  <p:stCondLst>
+                                    <p:cond delay="0"/>
+                                  </p:stCondLst>
+                                  <p:childTnLst>
+                                    <p:set>
+                                      <p:cBhvr>
+                                        <p:cTn id="92" dur="1" fill="hold">
+                                          <p:stCondLst>
+                                            <p:cond delay="0"/>
+                                          </p:stCondLst>
+                                        </p:cTn>
+                                        <p:tgtEl>
+                                          <p:spTgt spid="29"/>
+                                        </p:tgtEl>
+                                        <p:attrNameLst>
+                                          <p:attrName>style.visibility</p:attrName>
+                                        </p:attrNameLst>
+                                      </p:cBhvr>
+                                      <p:to>
+                                        <p:strVal val="visible"/>
+                                      </p:to>
+                                    </p:set>
+                                    <p:animEffect transition="in" filter="fade">
+                                      <p:cBhvr>
+                                        <p:cTn id="93" dur="500"/>
+                                        <p:tgtEl>
+                                          <p:spTgt spid="29"/>
+                                        </p:tgtEl>
+                                      </p:cBhvr>
+                                    </p:animEffect>
+                                  </p:childTnLst>
+                                </p:cTn>
+                              </p:par>
+                              <p:par>
+                                <p:cTn id="94" presetID="10" presetClass="entr" presetSubtype="0" fill="hold" nodeType="withEffect">
+                                  <p:stCondLst>
+                                    <p:cond delay="0"/>
+                                  </p:stCondLst>
+                                  <p:childTnLst>
+                                    <p:set>
+                                      <p:cBhvr>
+                                        <p:cTn id="95" dur="1" fill="hold">
+                                          <p:stCondLst>
+                                            <p:cond delay="0"/>
+                                          </p:stCondLst>
+                                        </p:cTn>
+                                        <p:tgtEl>
+                                          <p:spTgt spid="66"/>
+                                        </p:tgtEl>
+                                        <p:attrNameLst>
+                                          <p:attrName>style.visibility</p:attrName>
+                                        </p:attrNameLst>
+                                      </p:cBhvr>
+                                      <p:to>
+                                        <p:strVal val="visible"/>
+                                      </p:to>
+                                    </p:set>
+                                    <p:animEffect transition="in" filter="fade">
+                                      <p:cBhvr>
+                                        <p:cTn id="96" dur="500"/>
+                                        <p:tgtEl>
+                                          <p:spTgt spid="66"/>
+                                        </p:tgtEl>
+                                      </p:cBhvr>
+                                    </p:animEffect>
+                                  </p:childTnLst>
+                                </p:cTn>
+                              </p:par>
+                              <p:par>
+                                <p:cTn id="97" presetID="10" presetClass="entr" presetSubtype="0" fill="hold" grpId="0" nodeType="withEffect">
+                                  <p:stCondLst>
+                                    <p:cond delay="0"/>
+                                  </p:stCondLst>
+                                  <p:childTnLst>
+                                    <p:set>
+                                      <p:cBhvr>
+                                        <p:cTn id="98" dur="1" fill="hold">
+                                          <p:stCondLst>
+                                            <p:cond delay="0"/>
+                                          </p:stCondLst>
+                                        </p:cTn>
+                                        <p:tgtEl>
+                                          <p:spTgt spid="64"/>
+                                        </p:tgtEl>
+                                        <p:attrNameLst>
+                                          <p:attrName>style.visibility</p:attrName>
+                                        </p:attrNameLst>
+                                      </p:cBhvr>
+                                      <p:to>
+                                        <p:strVal val="visible"/>
+                                      </p:to>
+                                    </p:set>
+                                    <p:animEffect transition="in" filter="fade">
+                                      <p:cBhvr>
+                                        <p:cTn id="99" dur="500"/>
+                                        <p:tgtEl>
+                                          <p:spTgt spid="64"/>
+                                        </p:tgtEl>
+                                      </p:cBhvr>
+                                    </p:animEffect>
+                                  </p:childTnLst>
+                                </p:cTn>
+                              </p:par>
+                            </p:childTnLst>
+                          </p:cTn>
+                        </p:par>
+                      </p:childTnLst>
+                    </p:cTn>
+                  </p:par>
+                  <p:par>
+                    <p:cTn id="100" fill="hold">
+                      <p:stCondLst>
+                        <p:cond delay="indefinite"/>
+                      </p:stCondLst>
+                      <p:childTnLst>
+                        <p:par>
+                          <p:cTn id="101" fill="hold">
+                            <p:stCondLst>
+                              <p:cond delay="0"/>
+                            </p:stCondLst>
+                            <p:childTnLst>
+                              <p:par>
+                                <p:cTn id="102" presetID="10" presetClass="entr" presetSubtype="0" fill="hold" grpId="0" nodeType="clickEffect">
+                                  <p:stCondLst>
+                                    <p:cond delay="0"/>
+                                  </p:stCondLst>
+                                  <p:childTnLst>
+                                    <p:set>
+                                      <p:cBhvr>
+                                        <p:cTn id="103" dur="1" fill="hold">
+                                          <p:stCondLst>
+                                            <p:cond delay="0"/>
+                                          </p:stCondLst>
+                                        </p:cTn>
+                                        <p:tgtEl>
+                                          <p:spTgt spid="23"/>
+                                        </p:tgtEl>
+                                        <p:attrNameLst>
+                                          <p:attrName>style.visibility</p:attrName>
+                                        </p:attrNameLst>
+                                      </p:cBhvr>
+                                      <p:to>
+                                        <p:strVal val="visible"/>
+                                      </p:to>
+                                    </p:set>
+                                    <p:animEffect transition="in" filter="fade">
+                                      <p:cBhvr>
+                                        <p:cTn id="104" dur="500"/>
+                                        <p:tgtEl>
+                                          <p:spTgt spid="23"/>
+                                        </p:tgtEl>
+                                      </p:cBhvr>
+                                    </p:animEffect>
+                                  </p:childTnLst>
+                                </p:cTn>
+                              </p:par>
+                              <p:par>
+                                <p:cTn id="105" presetID="10" presetClass="entr" presetSubtype="0" fill="hold" grpId="0" nodeType="withEffect">
+                                  <p:stCondLst>
+                                    <p:cond delay="0"/>
+                                  </p:stCondLst>
+                                  <p:childTnLst>
+                                    <p:set>
+                                      <p:cBhvr>
+                                        <p:cTn id="106" dur="1" fill="hold">
+                                          <p:stCondLst>
+                                            <p:cond delay="0"/>
+                                          </p:stCondLst>
+                                        </p:cTn>
+                                        <p:tgtEl>
+                                          <p:spTgt spid="55"/>
+                                        </p:tgtEl>
+                                        <p:attrNameLst>
+                                          <p:attrName>style.visibility</p:attrName>
+                                        </p:attrNameLst>
+                                      </p:cBhvr>
+                                      <p:to>
+                                        <p:strVal val="visible"/>
+                                      </p:to>
+                                    </p:set>
+                                    <p:animEffect transition="in" filter="fade">
+                                      <p:cBhvr>
+                                        <p:cTn id="107" dur="500"/>
+                                        <p:tgtEl>
+                                          <p:spTgt spid="55"/>
+                                        </p:tgtEl>
+                                      </p:cBhvr>
+                                    </p:animEffect>
+                                  </p:childTnLst>
+                                </p:cTn>
+                              </p:par>
+                              <p:par>
+                                <p:cTn id="108" presetID="10" presetClass="entr" presetSubtype="0" fill="hold" nodeType="withEffect">
+                                  <p:stCondLst>
+                                    <p:cond delay="0"/>
+                                  </p:stCondLst>
+                                  <p:childTnLst>
+                                    <p:set>
+                                      <p:cBhvr>
+                                        <p:cTn id="109" dur="1" fill="hold">
+                                          <p:stCondLst>
+                                            <p:cond delay="0"/>
+                                          </p:stCondLst>
+                                        </p:cTn>
+                                        <p:tgtEl>
+                                          <p:spTgt spid="57"/>
+                                        </p:tgtEl>
+                                        <p:attrNameLst>
+                                          <p:attrName>style.visibility</p:attrName>
+                                        </p:attrNameLst>
+                                      </p:cBhvr>
+                                      <p:to>
+                                        <p:strVal val="visible"/>
+                                      </p:to>
+                                    </p:set>
+                                    <p:animEffect transition="in" filter="fade">
+                                      <p:cBhvr>
+                                        <p:cTn id="110" dur="500"/>
+                                        <p:tgtEl>
+                                          <p:spTgt spid="57"/>
+                                        </p:tgtEl>
+                                      </p:cBhvr>
+                                    </p:animEffect>
+                                  </p:childTnLst>
+                                </p:cTn>
+                              </p:par>
+                              <p:par>
+                                <p:cTn id="111" presetID="10" presetClass="entr" presetSubtype="0" fill="hold" grpId="0" nodeType="withEffect">
+                                  <p:stCondLst>
+                                    <p:cond delay="0"/>
+                                  </p:stCondLst>
+                                  <p:childTnLst>
+                                    <p:set>
+                                      <p:cBhvr>
+                                        <p:cTn id="112" dur="1" fill="hold">
+                                          <p:stCondLst>
+                                            <p:cond delay="0"/>
+                                          </p:stCondLst>
+                                        </p:cTn>
+                                        <p:tgtEl>
+                                          <p:spTgt spid="58"/>
+                                        </p:tgtEl>
+                                        <p:attrNameLst>
+                                          <p:attrName>style.visibility</p:attrName>
+                                        </p:attrNameLst>
+                                      </p:cBhvr>
+                                      <p:to>
+                                        <p:strVal val="visible"/>
+                                      </p:to>
+                                    </p:set>
+                                    <p:animEffect transition="in" filter="fade">
+                                      <p:cBhvr>
+                                        <p:cTn id="113" dur="500"/>
+                                        <p:tgtEl>
+                                          <p:spTgt spid="58"/>
+                                        </p:tgtEl>
+                                      </p:cBhvr>
+                                    </p:animEffect>
+                                  </p:childTnLst>
+                                </p:cTn>
+                              </p:par>
+                              <p:par>
+                                <p:cTn id="114" presetID="10" presetClass="entr" presetSubtype="0" fill="hold" grpId="0" nodeType="withEffect">
+                                  <p:stCondLst>
+                                    <p:cond delay="0"/>
+                                  </p:stCondLst>
+                                  <p:childTnLst>
+                                    <p:set>
+                                      <p:cBhvr>
+                                        <p:cTn id="115" dur="1" fill="hold">
+                                          <p:stCondLst>
+                                            <p:cond delay="0"/>
+                                          </p:stCondLst>
+                                        </p:cTn>
+                                        <p:tgtEl>
+                                          <p:spTgt spid="59"/>
+                                        </p:tgtEl>
+                                        <p:attrNameLst>
+                                          <p:attrName>style.visibility</p:attrName>
+                                        </p:attrNameLst>
+                                      </p:cBhvr>
+                                      <p:to>
+                                        <p:strVal val="visible"/>
+                                      </p:to>
+                                    </p:set>
+                                    <p:animEffect transition="in" filter="fade">
+                                      <p:cBhvr>
+                                        <p:cTn id="116" dur="500"/>
+                                        <p:tgtEl>
+                                          <p:spTgt spid="59"/>
+                                        </p:tgtEl>
+                                      </p:cBhvr>
+                                    </p:animEffect>
+                                  </p:childTnLst>
+                                </p:cTn>
+                              </p:par>
+                              <p:par>
+                                <p:cTn id="117" presetID="10" presetClass="entr" presetSubtype="0" fill="hold" nodeType="withEffect">
+                                  <p:stCondLst>
+                                    <p:cond delay="0"/>
+                                  </p:stCondLst>
+                                  <p:childTnLst>
+                                    <p:set>
+                                      <p:cBhvr>
+                                        <p:cTn id="118" dur="1" fill="hold">
+                                          <p:stCondLst>
+                                            <p:cond delay="0"/>
+                                          </p:stCondLst>
+                                        </p:cTn>
+                                        <p:tgtEl>
+                                          <p:spTgt spid="61"/>
+                                        </p:tgtEl>
+                                        <p:attrNameLst>
+                                          <p:attrName>style.visibility</p:attrName>
+                                        </p:attrNameLst>
+                                      </p:cBhvr>
+                                      <p:to>
+                                        <p:strVal val="visible"/>
+                                      </p:to>
+                                    </p:set>
+                                    <p:animEffect transition="in" filter="fade">
+                                      <p:cBhvr>
+                                        <p:cTn id="119" dur="500"/>
+                                        <p:tgtEl>
+                                          <p:spTgt spid="61"/>
+                                        </p:tgtEl>
+                                      </p:cBhvr>
+                                    </p:animEffect>
+                                  </p:childTnLst>
+                                </p:cTn>
+                              </p:par>
+                              <p:par>
+                                <p:cTn id="120" presetID="10" presetClass="entr" presetSubtype="0" fill="hold" nodeType="withEffect">
+                                  <p:stCondLst>
+                                    <p:cond delay="0"/>
+                                  </p:stCondLst>
+                                  <p:childTnLst>
+                                    <p:set>
+                                      <p:cBhvr>
+                                        <p:cTn id="121" dur="1" fill="hold">
+                                          <p:stCondLst>
+                                            <p:cond delay="0"/>
+                                          </p:stCondLst>
+                                        </p:cTn>
+                                        <p:tgtEl>
+                                          <p:spTgt spid="63"/>
+                                        </p:tgtEl>
+                                        <p:attrNameLst>
+                                          <p:attrName>style.visibility</p:attrName>
+                                        </p:attrNameLst>
+                                      </p:cBhvr>
+                                      <p:to>
+                                        <p:strVal val="visible"/>
+                                      </p:to>
+                                    </p:set>
+                                    <p:animEffect transition="in" filter="fade">
+                                      <p:cBhvr>
+                                        <p:cTn id="122" dur="500"/>
+                                        <p:tgtEl>
+                                          <p:spTgt spid="63"/>
+                                        </p:tgtEl>
+                                      </p:cBhvr>
+                                    </p:animEffect>
+                                  </p:childTnLst>
+                                </p:cTn>
+                              </p:par>
+                            </p:childTnLst>
+                          </p:cTn>
+                        </p:par>
+                      </p:childTnLst>
+                    </p:cTn>
+                  </p:par>
+                  <p:par>
+                    <p:cTn id="123" fill="hold">
+                      <p:stCondLst>
+                        <p:cond delay="indefinite"/>
+                      </p:stCondLst>
+                      <p:childTnLst>
+                        <p:par>
+                          <p:cTn id="124" fill="hold">
+                            <p:stCondLst>
+                              <p:cond delay="0"/>
+                            </p:stCondLst>
+                            <p:childTnLst>
+                              <p:par>
+                                <p:cTn id="125" presetID="10" presetClass="entr" presetSubtype="0" fill="hold" grpId="0" nodeType="clickEffect">
+                                  <p:stCondLst>
+                                    <p:cond delay="0"/>
+                                  </p:stCondLst>
+                                  <p:childTnLst>
+                                    <p:set>
+                                      <p:cBhvr>
+                                        <p:cTn id="126" dur="1" fill="hold">
+                                          <p:stCondLst>
+                                            <p:cond delay="0"/>
+                                          </p:stCondLst>
+                                        </p:cTn>
+                                        <p:tgtEl>
+                                          <p:spTgt spid="30"/>
+                                        </p:tgtEl>
+                                        <p:attrNameLst>
+                                          <p:attrName>style.visibility</p:attrName>
+                                        </p:attrNameLst>
+                                      </p:cBhvr>
+                                      <p:to>
+                                        <p:strVal val="visible"/>
+                                      </p:to>
+                                    </p:set>
+                                    <p:animEffect transition="in" filter="fade">
+                                      <p:cBhvr>
+                                        <p:cTn id="127" dur="500"/>
+                                        <p:tgtEl>
+                                          <p:spTgt spid="30"/>
+                                        </p:tgtEl>
+                                      </p:cBhvr>
+                                    </p:animEffect>
+                                  </p:childTnLst>
+                                </p:cTn>
+                              </p:par>
+                            </p:childTnLst>
+                          </p:cTn>
+                        </p:par>
+                      </p:childTnLst>
+                    </p:cTn>
+                  </p:par>
+                  <p:par>
+                    <p:cTn id="128" fill="hold">
+                      <p:stCondLst>
+                        <p:cond delay="indefinite"/>
+                      </p:stCondLst>
+                      <p:childTnLst>
+                        <p:par>
+                          <p:cTn id="129" fill="hold">
+                            <p:stCondLst>
+                              <p:cond delay="0"/>
+                            </p:stCondLst>
+                            <p:childTnLst>
+                              <p:par>
+                                <p:cTn id="130" presetID="10" presetClass="entr" presetSubtype="0" fill="hold" grpId="0" nodeType="clickEffect">
+                                  <p:stCondLst>
+                                    <p:cond delay="0"/>
+                                  </p:stCondLst>
+                                  <p:childTnLst>
+                                    <p:set>
+                                      <p:cBhvr>
+                                        <p:cTn id="131" dur="1" fill="hold">
+                                          <p:stCondLst>
+                                            <p:cond delay="0"/>
+                                          </p:stCondLst>
+                                        </p:cTn>
+                                        <p:tgtEl>
+                                          <p:spTgt spid="9"/>
+                                        </p:tgtEl>
+                                        <p:attrNameLst>
+                                          <p:attrName>style.visibility</p:attrName>
+                                        </p:attrNameLst>
+                                      </p:cBhvr>
+                                      <p:to>
+                                        <p:strVal val="visible"/>
+                                      </p:to>
+                                    </p:set>
+                                    <p:animEffect transition="in" filter="fade">
+                                      <p:cBhvr>
+                                        <p:cTn id="132" dur="500"/>
+                                        <p:tgtEl>
+                                          <p:spTgt spid="9"/>
+                                        </p:tgtEl>
+                                      </p:cBhvr>
+                                    </p:animEffect>
+                                  </p:childTnLst>
+                                </p:cTn>
+                              </p:par>
+                              <p:par>
+                                <p:cTn id="133" presetID="10" presetClass="entr" presetSubtype="0" fill="hold" nodeType="withEffect">
+                                  <p:stCondLst>
+                                    <p:cond delay="0"/>
+                                  </p:stCondLst>
+                                  <p:childTnLst>
+                                    <p:set>
+                                      <p:cBhvr>
+                                        <p:cTn id="134" dur="1" fill="hold">
+                                          <p:stCondLst>
+                                            <p:cond delay="0"/>
+                                          </p:stCondLst>
+                                        </p:cTn>
+                                        <p:tgtEl>
+                                          <p:spTgt spid="38"/>
+                                        </p:tgtEl>
+                                        <p:attrNameLst>
+                                          <p:attrName>style.visibility</p:attrName>
+                                        </p:attrNameLst>
+                                      </p:cBhvr>
+                                      <p:to>
+                                        <p:strVal val="visible"/>
+                                      </p:to>
+                                    </p:set>
+                                    <p:animEffect transition="in" filter="fade">
+                                      <p:cBhvr>
+                                        <p:cTn id="135" dur="500"/>
+                                        <p:tgtEl>
+                                          <p:spTgt spid="38"/>
+                                        </p:tgtEl>
+                                      </p:cBhvr>
+                                    </p:animEffect>
+                                  </p:childTnLst>
+                                </p:cTn>
+                              </p:par>
+                              <p:par>
+                                <p:cTn id="136" presetID="10" presetClass="entr" presetSubtype="0" fill="hold" grpId="0" nodeType="withEffect">
+                                  <p:stCondLst>
+                                    <p:cond delay="0"/>
+                                  </p:stCondLst>
+                                  <p:childTnLst>
+                                    <p:set>
+                                      <p:cBhvr>
+                                        <p:cTn id="137" dur="1" fill="hold">
+                                          <p:stCondLst>
+                                            <p:cond delay="0"/>
+                                          </p:stCondLst>
+                                        </p:cTn>
+                                        <p:tgtEl>
+                                          <p:spTgt spid="69"/>
+                                        </p:tgtEl>
+                                        <p:attrNameLst>
+                                          <p:attrName>style.visibility</p:attrName>
+                                        </p:attrNameLst>
+                                      </p:cBhvr>
+                                      <p:to>
+                                        <p:strVal val="visible"/>
+                                      </p:to>
+                                    </p:set>
+                                    <p:animEffect transition="in" filter="fade">
+                                      <p:cBhvr>
+                                        <p:cTn id="138" dur="500"/>
+                                        <p:tgtEl>
+                                          <p:spTgt spid="69"/>
+                                        </p:tgtEl>
+                                      </p:cBhvr>
+                                    </p:animEffect>
+                                  </p:childTnLst>
+                                </p:cTn>
+                              </p:par>
+                              <p:par>
+                                <p:cTn id="139" presetID="10" presetClass="entr" presetSubtype="0" fill="hold" grpId="0" nodeType="withEffect">
+                                  <p:stCondLst>
+                                    <p:cond delay="0"/>
+                                  </p:stCondLst>
+                                  <p:childTnLst>
+                                    <p:set>
+                                      <p:cBhvr>
+                                        <p:cTn id="140" dur="1" fill="hold">
+                                          <p:stCondLst>
+                                            <p:cond delay="0"/>
+                                          </p:stCondLst>
+                                        </p:cTn>
+                                        <p:tgtEl>
+                                          <p:spTgt spid="70"/>
+                                        </p:tgtEl>
+                                        <p:attrNameLst>
+                                          <p:attrName>style.visibility</p:attrName>
+                                        </p:attrNameLst>
+                                      </p:cBhvr>
+                                      <p:to>
+                                        <p:strVal val="visible"/>
+                                      </p:to>
+                                    </p:set>
+                                    <p:animEffect transition="in" filter="fade">
+                                      <p:cBhvr>
+                                        <p:cTn id="141" dur="500"/>
+                                        <p:tgtEl>
+                                          <p:spTgt spid="70"/>
+                                        </p:tgtEl>
+                                      </p:cBhvr>
+                                    </p:animEffect>
+                                  </p:childTnLst>
+                                </p:cTn>
+                              </p:par>
+                              <p:par>
+                                <p:cTn id="142" presetID="10" presetClass="entr" presetSubtype="0" fill="hold" nodeType="withEffect">
+                                  <p:stCondLst>
+                                    <p:cond delay="0"/>
+                                  </p:stCondLst>
+                                  <p:childTnLst>
+                                    <p:set>
+                                      <p:cBhvr>
+                                        <p:cTn id="143" dur="1" fill="hold">
+                                          <p:stCondLst>
+                                            <p:cond delay="0"/>
+                                          </p:stCondLst>
+                                        </p:cTn>
+                                        <p:tgtEl>
+                                          <p:spTgt spid="87"/>
+                                        </p:tgtEl>
+                                        <p:attrNameLst>
+                                          <p:attrName>style.visibility</p:attrName>
+                                        </p:attrNameLst>
+                                      </p:cBhvr>
+                                      <p:to>
+                                        <p:strVal val="visible"/>
+                                      </p:to>
+                                    </p:set>
+                                    <p:animEffect transition="in" filter="fade">
+                                      <p:cBhvr>
+                                        <p:cTn id="144" dur="500"/>
+                                        <p:tgtEl>
+                                          <p:spTgt spid="87"/>
+                                        </p:tgtEl>
+                                      </p:cBhvr>
+                                    </p:animEffect>
+                                  </p:childTnLst>
+                                </p:cTn>
+                              </p:par>
+                              <p:par>
+                                <p:cTn id="145" presetID="1" presetClass="entr" presetSubtype="0" fill="hold" grpId="0" nodeType="withEffect">
+                                  <p:stCondLst>
+                                    <p:cond delay="0"/>
+                                  </p:stCondLst>
+                                  <p:childTnLst>
+                                    <p:set>
+                                      <p:cBhvr>
+                                        <p:cTn id="146" dur="1" fill="hold">
+                                          <p:stCondLst>
+                                            <p:cond delay="0"/>
+                                          </p:stCondLst>
+                                        </p:cTn>
+                                        <p:tgtEl>
+                                          <p:spTgt spid="88"/>
+                                        </p:tgtEl>
+                                        <p:attrNameLst>
+                                          <p:attrName>style.visibility</p:attrName>
+                                        </p:attrNameLst>
+                                      </p:cBhvr>
+                                      <p:to>
+                                        <p:strVal val="visible"/>
+                                      </p:to>
+                                    </p:set>
+                                  </p:childTnLst>
+                                </p:cTn>
+                              </p:par>
+                              <p:par>
+                                <p:cTn id="147" presetID="10" presetClass="entr" presetSubtype="0" fill="hold" nodeType="withEffect">
+                                  <p:stCondLst>
+                                    <p:cond delay="0"/>
+                                  </p:stCondLst>
+                                  <p:childTnLst>
+                                    <p:set>
+                                      <p:cBhvr>
+                                        <p:cTn id="148" dur="1" fill="hold">
+                                          <p:stCondLst>
+                                            <p:cond delay="0"/>
+                                          </p:stCondLst>
+                                        </p:cTn>
+                                        <p:tgtEl>
+                                          <p:spTgt spid="90"/>
+                                        </p:tgtEl>
+                                        <p:attrNameLst>
+                                          <p:attrName>style.visibility</p:attrName>
+                                        </p:attrNameLst>
+                                      </p:cBhvr>
+                                      <p:to>
+                                        <p:strVal val="visible"/>
+                                      </p:to>
+                                    </p:set>
+                                    <p:animEffect transition="in" filter="fade">
+                                      <p:cBhvr>
+                                        <p:cTn id="149" dur="500"/>
+                                        <p:tgtEl>
+                                          <p:spTgt spid="90"/>
+                                        </p:tgtEl>
+                                      </p:cBhvr>
+                                    </p:animEffect>
+                                  </p:childTnLst>
+                                </p:cTn>
+                              </p:par>
+                              <p:par>
+                                <p:cTn id="150" presetID="10" presetClass="entr" presetSubtype="0" fill="hold" nodeType="withEffect">
+                                  <p:stCondLst>
+                                    <p:cond delay="0"/>
+                                  </p:stCondLst>
+                                  <p:childTnLst>
+                                    <p:set>
+                                      <p:cBhvr>
+                                        <p:cTn id="151" dur="1" fill="hold">
+                                          <p:stCondLst>
+                                            <p:cond delay="0"/>
+                                          </p:stCondLst>
+                                        </p:cTn>
+                                        <p:tgtEl>
+                                          <p:spTgt spid="92"/>
+                                        </p:tgtEl>
+                                        <p:attrNameLst>
+                                          <p:attrName>style.visibility</p:attrName>
+                                        </p:attrNameLst>
+                                      </p:cBhvr>
+                                      <p:to>
+                                        <p:strVal val="visible"/>
+                                      </p:to>
+                                    </p:set>
+                                    <p:animEffect transition="in" filter="fade">
+                                      <p:cBhvr>
+                                        <p:cTn id="152" dur="500"/>
+                                        <p:tgtEl>
+                                          <p:spTgt spid="92"/>
+                                        </p:tgtEl>
+                                      </p:cBhvr>
+                                    </p:animEffect>
+                                  </p:childTnLst>
+                                </p:cTn>
+                              </p:par>
+                              <p:par>
+                                <p:cTn id="153" presetID="10" presetClass="entr" presetSubtype="0" fill="hold" grpId="0" nodeType="withEffect">
+                                  <p:stCondLst>
+                                    <p:cond delay="0"/>
+                                  </p:stCondLst>
+                                  <p:childTnLst>
+                                    <p:set>
+                                      <p:cBhvr>
+                                        <p:cTn id="154" dur="1" fill="hold">
+                                          <p:stCondLst>
+                                            <p:cond delay="0"/>
+                                          </p:stCondLst>
+                                        </p:cTn>
+                                        <p:tgtEl>
+                                          <p:spTgt spid="34"/>
+                                        </p:tgtEl>
+                                        <p:attrNameLst>
+                                          <p:attrName>style.visibility</p:attrName>
+                                        </p:attrNameLst>
+                                      </p:cBhvr>
+                                      <p:to>
+                                        <p:strVal val="visible"/>
+                                      </p:to>
+                                    </p:set>
+                                    <p:animEffect transition="in" filter="fade">
+                                      <p:cBhvr>
+                                        <p:cTn id="155" dur="500"/>
+                                        <p:tgtEl>
+                                          <p:spTgt spid="34"/>
+                                        </p:tgtEl>
+                                      </p:cBhvr>
+                                    </p:animEffect>
+                                  </p:childTnLst>
+                                </p:cTn>
+                              </p:par>
+                            </p:childTnLst>
+                          </p:cTn>
+                        </p:par>
+                      </p:childTnLst>
+                    </p:cTn>
+                  </p:par>
+                  <p:par>
+                    <p:cTn id="156" fill="hold">
+                      <p:stCondLst>
+                        <p:cond delay="indefinite"/>
+                      </p:stCondLst>
+                      <p:childTnLst>
+                        <p:par>
+                          <p:cTn id="157" fill="hold">
+                            <p:stCondLst>
+                              <p:cond delay="0"/>
+                            </p:stCondLst>
+                            <p:childTnLst>
+                              <p:par>
+                                <p:cTn id="158" presetID="10" presetClass="entr" presetSubtype="0" fill="hold" grpId="0" nodeType="clickEffect">
+                                  <p:stCondLst>
+                                    <p:cond delay="0"/>
+                                  </p:stCondLst>
+                                  <p:childTnLst>
+                                    <p:set>
+                                      <p:cBhvr>
+                                        <p:cTn id="159" dur="1" fill="hold">
+                                          <p:stCondLst>
+                                            <p:cond delay="0"/>
+                                          </p:stCondLst>
+                                        </p:cTn>
+                                        <p:tgtEl>
+                                          <p:spTgt spid="31"/>
+                                        </p:tgtEl>
+                                        <p:attrNameLst>
+                                          <p:attrName>style.visibility</p:attrName>
+                                        </p:attrNameLst>
+                                      </p:cBhvr>
+                                      <p:to>
+                                        <p:strVal val="visible"/>
+                                      </p:to>
+                                    </p:set>
+                                    <p:animEffect transition="in" filter="fade">
+                                      <p:cBhvr>
+                                        <p:cTn id="160" dur="500"/>
+                                        <p:tgtEl>
+                                          <p:spTgt spid="31"/>
+                                        </p:tgtEl>
+                                      </p:cBhvr>
+                                    </p:animEffect>
+                                  </p:childTnLst>
+                                </p:cTn>
+                              </p:par>
+                            </p:childTnLst>
+                          </p:cTn>
+                        </p:par>
+                      </p:childTnLst>
+                    </p:cTn>
+                  </p:par>
+                  <p:par>
+                    <p:cTn id="161" fill="hold">
+                      <p:stCondLst>
+                        <p:cond delay="indefinite"/>
+                      </p:stCondLst>
+                      <p:childTnLst>
+                        <p:par>
+                          <p:cTn id="162" fill="hold">
+                            <p:stCondLst>
+                              <p:cond delay="0"/>
+                            </p:stCondLst>
+                            <p:childTnLst>
+                              <p:par>
+                                <p:cTn id="163" presetID="10" presetClass="entr" presetSubtype="0" fill="hold" grpId="0" nodeType="clickEffect">
+                                  <p:stCondLst>
+                                    <p:cond delay="0"/>
+                                  </p:stCondLst>
+                                  <p:childTnLst>
+                                    <p:set>
+                                      <p:cBhvr>
+                                        <p:cTn id="164" dur="1" fill="hold">
+                                          <p:stCondLst>
+                                            <p:cond delay="0"/>
+                                          </p:stCondLst>
+                                        </p:cTn>
+                                        <p:tgtEl>
+                                          <p:spTgt spid="24"/>
+                                        </p:tgtEl>
+                                        <p:attrNameLst>
+                                          <p:attrName>style.visibility</p:attrName>
+                                        </p:attrNameLst>
+                                      </p:cBhvr>
+                                      <p:to>
+                                        <p:strVal val="visible"/>
+                                      </p:to>
+                                    </p:set>
+                                    <p:animEffect transition="in" filter="fade">
+                                      <p:cBhvr>
+                                        <p:cTn id="165" dur="500"/>
+                                        <p:tgtEl>
+                                          <p:spTgt spid="24"/>
+                                        </p:tgtEl>
+                                      </p:cBhvr>
+                                    </p:animEffect>
+                                  </p:childTnLst>
+                                </p:cTn>
+                              </p:par>
+                              <p:par>
+                                <p:cTn id="166" presetID="10" presetClass="entr" presetSubtype="0" fill="hold" grpId="0" nodeType="withEffect">
+                                  <p:stCondLst>
+                                    <p:cond delay="0"/>
+                                  </p:stCondLst>
+                                  <p:childTnLst>
+                                    <p:set>
+                                      <p:cBhvr>
+                                        <p:cTn id="167" dur="1" fill="hold">
+                                          <p:stCondLst>
+                                            <p:cond delay="0"/>
+                                          </p:stCondLst>
+                                        </p:cTn>
+                                        <p:tgtEl>
+                                          <p:spTgt spid="68"/>
+                                        </p:tgtEl>
+                                        <p:attrNameLst>
+                                          <p:attrName>style.visibility</p:attrName>
+                                        </p:attrNameLst>
+                                      </p:cBhvr>
+                                      <p:to>
+                                        <p:strVal val="visible"/>
+                                      </p:to>
+                                    </p:set>
+                                    <p:animEffect transition="in" filter="fade">
+                                      <p:cBhvr>
+                                        <p:cTn id="168" dur="500"/>
+                                        <p:tgtEl>
+                                          <p:spTgt spid="68"/>
+                                        </p:tgtEl>
+                                      </p:cBhvr>
+                                    </p:animEffect>
+                                  </p:childTnLst>
+                                </p:cTn>
+                              </p:par>
+                              <p:par>
+                                <p:cTn id="169" presetID="10" presetClass="entr" presetSubtype="0" fill="hold" grpId="0" nodeType="withEffect">
+                                  <p:stCondLst>
+                                    <p:cond delay="0"/>
+                                  </p:stCondLst>
+                                  <p:childTnLst>
+                                    <p:set>
+                                      <p:cBhvr>
+                                        <p:cTn id="170" dur="1" fill="hold">
+                                          <p:stCondLst>
+                                            <p:cond delay="0"/>
+                                          </p:stCondLst>
+                                        </p:cTn>
+                                        <p:tgtEl>
+                                          <p:spTgt spid="73"/>
+                                        </p:tgtEl>
+                                        <p:attrNameLst>
+                                          <p:attrName>style.visibility</p:attrName>
+                                        </p:attrNameLst>
+                                      </p:cBhvr>
+                                      <p:to>
+                                        <p:strVal val="visible"/>
+                                      </p:to>
+                                    </p:set>
+                                    <p:animEffect transition="in" filter="fade">
+                                      <p:cBhvr>
+                                        <p:cTn id="171" dur="500"/>
+                                        <p:tgtEl>
+                                          <p:spTgt spid="73"/>
+                                        </p:tgtEl>
+                                      </p:cBhvr>
+                                    </p:animEffect>
+                                  </p:childTnLst>
+                                </p:cTn>
+                              </p:par>
+                              <p:par>
+                                <p:cTn id="172" presetID="10" presetClass="entr" presetSubtype="0" fill="hold" grpId="0" nodeType="withEffect">
+                                  <p:stCondLst>
+                                    <p:cond delay="0"/>
+                                  </p:stCondLst>
+                                  <p:childTnLst>
+                                    <p:set>
+                                      <p:cBhvr>
+                                        <p:cTn id="173" dur="1" fill="hold">
+                                          <p:stCondLst>
+                                            <p:cond delay="0"/>
+                                          </p:stCondLst>
+                                        </p:cTn>
+                                        <p:tgtEl>
+                                          <p:spTgt spid="74"/>
+                                        </p:tgtEl>
+                                        <p:attrNameLst>
+                                          <p:attrName>style.visibility</p:attrName>
+                                        </p:attrNameLst>
+                                      </p:cBhvr>
+                                      <p:to>
+                                        <p:strVal val="visible"/>
+                                      </p:to>
+                                    </p:set>
+                                    <p:animEffect transition="in" filter="fade">
+                                      <p:cBhvr>
+                                        <p:cTn id="174" dur="500"/>
+                                        <p:tgtEl>
+                                          <p:spTgt spid="74"/>
+                                        </p:tgtEl>
+                                      </p:cBhvr>
+                                    </p:animEffect>
+                                  </p:childTnLst>
+                                </p:cTn>
+                              </p:par>
+                              <p:par>
+                                <p:cTn id="175" presetID="10" presetClass="entr" presetSubtype="0" fill="hold" grpId="0" nodeType="withEffect">
+                                  <p:stCondLst>
+                                    <p:cond delay="0"/>
+                                  </p:stCondLst>
+                                  <p:childTnLst>
+                                    <p:set>
+                                      <p:cBhvr>
+                                        <p:cTn id="176" dur="1" fill="hold">
+                                          <p:stCondLst>
+                                            <p:cond delay="0"/>
+                                          </p:stCondLst>
+                                        </p:cTn>
+                                        <p:tgtEl>
+                                          <p:spTgt spid="75"/>
+                                        </p:tgtEl>
+                                        <p:attrNameLst>
+                                          <p:attrName>style.visibility</p:attrName>
+                                        </p:attrNameLst>
+                                      </p:cBhvr>
+                                      <p:to>
+                                        <p:strVal val="visible"/>
+                                      </p:to>
+                                    </p:set>
+                                    <p:animEffect transition="in" filter="fade">
+                                      <p:cBhvr>
+                                        <p:cTn id="177" dur="500"/>
+                                        <p:tgtEl>
+                                          <p:spTgt spid="75"/>
+                                        </p:tgtEl>
+                                      </p:cBhvr>
+                                    </p:animEffect>
+                                  </p:childTnLst>
+                                </p:cTn>
+                              </p:par>
+                              <p:par>
+                                <p:cTn id="178" presetID="10" presetClass="entr" presetSubtype="0" fill="hold" nodeType="withEffect">
+                                  <p:stCondLst>
+                                    <p:cond delay="0"/>
+                                  </p:stCondLst>
+                                  <p:childTnLst>
+                                    <p:set>
+                                      <p:cBhvr>
+                                        <p:cTn id="179" dur="1" fill="hold">
+                                          <p:stCondLst>
+                                            <p:cond delay="0"/>
+                                          </p:stCondLst>
+                                        </p:cTn>
+                                        <p:tgtEl>
+                                          <p:spTgt spid="77"/>
+                                        </p:tgtEl>
+                                        <p:attrNameLst>
+                                          <p:attrName>style.visibility</p:attrName>
+                                        </p:attrNameLst>
+                                      </p:cBhvr>
+                                      <p:to>
+                                        <p:strVal val="visible"/>
+                                      </p:to>
+                                    </p:set>
+                                    <p:animEffect transition="in" filter="fade">
+                                      <p:cBhvr>
+                                        <p:cTn id="180" dur="500"/>
+                                        <p:tgtEl>
+                                          <p:spTgt spid="77"/>
+                                        </p:tgtEl>
+                                      </p:cBhvr>
+                                    </p:animEffect>
+                                  </p:childTnLst>
+                                </p:cTn>
+                              </p:par>
+                              <p:par>
+                                <p:cTn id="181" presetID="10" presetClass="entr" presetSubtype="0" fill="hold" nodeType="withEffect">
+                                  <p:stCondLst>
+                                    <p:cond delay="0"/>
+                                  </p:stCondLst>
+                                  <p:childTnLst>
+                                    <p:set>
+                                      <p:cBhvr>
+                                        <p:cTn id="182" dur="1" fill="hold">
+                                          <p:stCondLst>
+                                            <p:cond delay="0"/>
+                                          </p:stCondLst>
+                                        </p:cTn>
+                                        <p:tgtEl>
+                                          <p:spTgt spid="79"/>
+                                        </p:tgtEl>
+                                        <p:attrNameLst>
+                                          <p:attrName>style.visibility</p:attrName>
+                                        </p:attrNameLst>
+                                      </p:cBhvr>
+                                      <p:to>
+                                        <p:strVal val="visible"/>
+                                      </p:to>
+                                    </p:set>
+                                    <p:animEffect transition="in" filter="fade">
+                                      <p:cBhvr>
+                                        <p:cTn id="183" dur="500"/>
+                                        <p:tgtEl>
+                                          <p:spTgt spid="79"/>
+                                        </p:tgtEl>
+                                      </p:cBhvr>
+                                    </p:animEffect>
+                                  </p:childTnLst>
+                                </p:cTn>
+                              </p:par>
+                              <p:par>
+                                <p:cTn id="184" presetID="10" presetClass="entr" presetSubtype="0" fill="hold" nodeType="withEffect">
+                                  <p:stCondLst>
+                                    <p:cond delay="0"/>
+                                  </p:stCondLst>
+                                  <p:childTnLst>
+                                    <p:set>
+                                      <p:cBhvr>
+                                        <p:cTn id="185" dur="1" fill="hold">
+                                          <p:stCondLst>
+                                            <p:cond delay="0"/>
+                                          </p:stCondLst>
+                                        </p:cTn>
+                                        <p:tgtEl>
+                                          <p:spTgt spid="81"/>
+                                        </p:tgtEl>
+                                        <p:attrNameLst>
+                                          <p:attrName>style.visibility</p:attrName>
+                                        </p:attrNameLst>
+                                      </p:cBhvr>
+                                      <p:to>
+                                        <p:strVal val="visible"/>
+                                      </p:to>
+                                    </p:set>
+                                    <p:animEffect transition="in" filter="fade">
+                                      <p:cBhvr>
+                                        <p:cTn id="186" dur="500"/>
+                                        <p:tgtEl>
+                                          <p:spTgt spid="81"/>
+                                        </p:tgtEl>
+                                      </p:cBhvr>
+                                    </p:animEffect>
+                                  </p:childTnLst>
+                                </p:cTn>
+                              </p:par>
+                              <p:par>
+                                <p:cTn id="187" presetID="10" presetClass="entr" presetSubtype="0" fill="hold" nodeType="withEffect">
+                                  <p:stCondLst>
+                                    <p:cond delay="0"/>
+                                  </p:stCondLst>
+                                  <p:childTnLst>
+                                    <p:set>
+                                      <p:cBhvr>
+                                        <p:cTn id="188" dur="1" fill="hold">
+                                          <p:stCondLst>
+                                            <p:cond delay="0"/>
+                                          </p:stCondLst>
+                                        </p:cTn>
+                                        <p:tgtEl>
+                                          <p:spTgt spid="83"/>
+                                        </p:tgtEl>
+                                        <p:attrNameLst>
+                                          <p:attrName>style.visibility</p:attrName>
+                                        </p:attrNameLst>
+                                      </p:cBhvr>
+                                      <p:to>
+                                        <p:strVal val="visible"/>
+                                      </p:to>
+                                    </p:set>
+                                    <p:animEffect transition="in" filter="fade">
+                                      <p:cBhvr>
+                                        <p:cTn id="189" dur="500"/>
+                                        <p:tgtEl>
+                                          <p:spTgt spid="83"/>
+                                        </p:tgtEl>
+                                      </p:cBhvr>
+                                    </p:animEffect>
+                                  </p:childTnLst>
+                                </p:cTn>
+                              </p:par>
+                            </p:childTnLst>
+                          </p:cTn>
+                        </p:par>
+                      </p:childTnLst>
+                    </p:cTn>
+                  </p:par>
+                </p:childTnLst>
+              </p:cTn>
+              <p:prevCondLst>
+                <p:cond evt="onPrev" delay="0">
+                  <p:tgtEl>
+                    <p:sldTgt/>
+                  </p:tgtEl>
+                </p:cond>
+              </p:prevCondLst>
+              <p:nextCondLst>
+                <p:cond evt="onNext" delay="0">
+                  <p:tgtEl>
+                    <p:sldTgt/>
+                  </p:tgtEl>
+                </p:cond>
+              </p:nextCondLst>
+            </p:seq>
+          </p:childTnLst>
+        </p:cTn>
+      </p:par>
+    </p:tnLst>
+    <p:bldLst>
+      <p:bldP spid="3" grpId="0" animBg="1"/>
+      <p:bldP spid="4" grpId="0" animBg="1"/>
+      <p:bldP spid="5" grpId="0" animBg="1"/>
+      <p:bldP spid="9" grpId="0" animBg="1"/>
+      <p:bldP spid="11" grpId="0" animBg="1"/>
+      <p:bldP spid="7" grpId="0" animBg="1"/>
+      <p:bldP spid="15" grpId="0" animBg="1"/>
+      <p:bldP spid="16" grpId="0" animBg="1"/>
+      <p:bldP spid="23" grpId="0" animBg="1"/>
+      <p:bldP spid="24" grpId="0" animBg="1"/>
+      <p:bldP spid="25" grpId="0" animBg="1"/>
+      <p:bldP spid="26" grpId="0" animBg="1"/>
+      <p:bldP spid="28" grpId="0" animBg="1"/>
+      <p:bldP spid="29" grpId="0" animBg="1"/>
+      <p:bldP spid="30" grpId="0" animBg="1"/>
+      <p:bldP spid="31" grpId="0" animBg="1"/>
+      <p:bldP spid="8" grpId="0" animBg="1"/>
+      <p:bldP spid="21" grpId="0" animBg="1"/>
+      <p:bldP spid="22" grpId="0" animBg="1"/>
+      <p:bldP spid="27" grpId="0" animBg="1"/>
+      <p:bldP spid="32" grpId="0" animBg="1"/>
+      <p:bldP spid="34" grpId="0" animBg="1"/>
+      <p:bldP spid="41" grpId="0" animBg="1"/>
+      <p:bldP spid="50" grpId="0" animBg="1"/>
+      <p:bldP spid="55" grpId="0" animBg="1"/>
+      <p:bldP spid="58" grpId="0" animBg="1"/>
+      <p:bldP spid="59" grpId="0" animBg="1"/>
+      <p:bldP spid="64" grpId="0" animBg="1"/>
+      <p:bldP spid="68" grpId="0" animBg="1"/>
+      <p:bldP spid="69" grpId="0" animBg="1"/>
+      <p:bldP spid="70" grpId="0" animBg="1"/>
+      <p:bldP spid="73" grpId="0" animBg="1"/>
+      <p:bldP spid="74" grpId="0" animBg="1"/>
+      <p:bldP spid="75" grpId="0" animBg="1"/>
+      <p:bldP spid="88" grpId="0" animBg="1"/>
+    </p:bldLst>
+  </p:timing>
 </p:sld>
 </file>
 
@@ -21351,6 +25056,89 @@
   <p:clrMapOvr>
     <a:masterClrMapping/>
   </p:clrMapOvr>
+  <p:timing>
+    <p:tnLst>
+      <p:par>
+        <p:cTn id="1" dur="indefinite" restart="never" nodeType="tmRoot">
+          <p:childTnLst>
+            <p:seq concurrent="1" nextAc="seek">
+              <p:cTn id="2" dur="indefinite" nodeType="mainSeq">
+                <p:childTnLst>
+                  <p:par>
+                    <p:cTn id="3" fill="hold">
+                      <p:stCondLst>
+                        <p:cond delay="indefinite"/>
+                      </p:stCondLst>
+                      <p:childTnLst>
+                        <p:par>
+                          <p:cTn id="4" fill="hold">
+                            <p:stCondLst>
+                              <p:cond delay="0"/>
+                            </p:stCondLst>
+                            <p:childTnLst>
+                              <p:par>
+                                <p:cTn id="5" presetID="10" presetClass="entr" presetSubtype="0" fill="hold" nodeType="clickEffect">
+                                  <p:stCondLst>
+                                    <p:cond delay="0"/>
+                                  </p:stCondLst>
+                                  <p:childTnLst>
+                                    <p:set>
+                                      <p:cBhvr>
+                                        <p:cTn id="6" dur="1" fill="hold">
+                                          <p:stCondLst>
+                                            <p:cond delay="0"/>
+                                          </p:stCondLst>
+                                        </p:cTn>
+                                        <p:tgtEl>
+                                          <p:spTgt spid="3"/>
+                                        </p:tgtEl>
+                                        <p:attrNameLst>
+                                          <p:attrName>style.visibility</p:attrName>
+                                        </p:attrNameLst>
+                                      </p:cBhvr>
+                                      <p:to>
+                                        <p:strVal val="visible"/>
+                                      </p:to>
+                                    </p:set>
+                                    <p:animEffect transition="in" filter="fade">
+                                      <p:cBhvr>
+                                        <p:cTn id="7" dur="500"/>
+                                        <p:tgtEl>
+                                          <p:spTgt spid="3"/>
+                                        </p:tgtEl>
+                                      </p:cBhvr>
+                                    </p:animEffect>
+                                  </p:childTnLst>
+                                </p:cTn>
+                              </p:par>
+                            </p:childTnLst>
+                          </p:cTn>
+                        </p:par>
+                      </p:childTnLst>
+                    </p:cTn>
+                  </p:par>
+                </p:childTnLst>
+              </p:cTn>
+              <p:prevCondLst>
+                <p:cond evt="onPrev" delay="0">
+                  <p:tgtEl>
+                    <p:sldTgt/>
+                  </p:tgtEl>
+                </p:cond>
+              </p:prevCondLst>
+              <p:nextCondLst>
+                <p:cond evt="onNext" delay="0">
+                  <p:tgtEl>
+                    <p:sldTgt/>
+                  </p:tgtEl>
+                </p:cond>
+              </p:nextCondLst>
+            </p:seq>
+          </p:childTnLst>
+        </p:cTn>
+      </p:par>
+    </p:tnLst>
+  </p:timing>
 </p:sld>
 </file>
 
